--- a/Ebooks/AngularJS/Training/UnitTesting/AngularJS-Unit-Testing.pptx
+++ b/Ebooks/AngularJS/Training/UnitTesting/AngularJS-Unit-Testing.pptx
@@ -20,20 +20,15 @@
     <p:sldId id="292" r:id="rId14"/>
     <p:sldId id="293" r:id="rId15"/>
     <p:sldId id="269" r:id="rId16"/>
-    <p:sldId id="270" r:id="rId17"/>
-    <p:sldId id="271" r:id="rId18"/>
-    <p:sldId id="272" r:id="rId19"/>
-    <p:sldId id="273" r:id="rId20"/>
-    <p:sldId id="274" r:id="rId21"/>
-    <p:sldId id="275" r:id="rId22"/>
-    <p:sldId id="276" r:id="rId23"/>
-    <p:sldId id="277" r:id="rId24"/>
-    <p:sldId id="278" r:id="rId25"/>
-    <p:sldId id="282" r:id="rId26"/>
-    <p:sldId id="283" r:id="rId27"/>
-    <p:sldId id="284" r:id="rId28"/>
-    <p:sldId id="279" r:id="rId29"/>
-    <p:sldId id="280" r:id="rId30"/>
+    <p:sldId id="294" r:id="rId17"/>
+    <p:sldId id="295" r:id="rId18"/>
+    <p:sldId id="296" r:id="rId19"/>
+    <p:sldId id="278" r:id="rId20"/>
+    <p:sldId id="282" r:id="rId21"/>
+    <p:sldId id="283" r:id="rId22"/>
+    <p:sldId id="284" r:id="rId23"/>
+    <p:sldId id="279" r:id="rId24"/>
+    <p:sldId id="280" r:id="rId25"/>
   </p:sldIdLst>
   <p:sldSz cx="9144000" cy="6858000" type="screen4x3"/>
   <p:notesSz cx="6858000" cy="9144000"/>
@@ -134,7 +129,7 @@
   </p:defaultTextStyle>
   <p:extLst>
     <p:ext uri="{EFAFB233-063F-42B5-8137-9DF3F51BA10A}">
-      <p15:sldGuideLst xmlns:p15="http://schemas.microsoft.com/office/powerpoint/2012/main">
+      <p15:sldGuideLst xmlns:p15="http://schemas.microsoft.com/office/powerpoint/2012/main" xmlns="">
         <p15:guide id="1" orient="horz" pos="2160">
           <p15:clr>
             <a:srgbClr val="A4A3A4"/>
@@ -285,7 +280,8 @@
           <a:p>
             <a:fld id="{C62FF227-9BC3-4435-A4FE-70EB56FE81C2}" type="datetimeFigureOut">
               <a:rPr lang="en-US" smtClean="0"/>
-              <a:t>4/27/2015</a:t>
+              <a:pPr/>
+              <a:t>03/05/2015</a:t>
             </a:fld>
             <a:endParaRPr lang="en-US"/>
           </a:p>
@@ -331,6 +327,7 @@
           <a:p>
             <a:fld id="{838F4B1E-BF7B-479A-B5D5-4B2ABDFFA63F}" type="slidenum">
               <a:rPr lang="en-US" smtClean="0"/>
+              <a:pPr/>
               <a:t>‹#›</a:t>
             </a:fld>
             <a:endParaRPr lang="en-US"/>
@@ -598,7 +595,8 @@
           <a:p>
             <a:fld id="{C62FF227-9BC3-4435-A4FE-70EB56FE81C2}" type="datetimeFigureOut">
               <a:rPr lang="en-US" smtClean="0"/>
-              <a:t>4/27/2015</a:t>
+              <a:pPr/>
+              <a:t>03/05/2015</a:t>
             </a:fld>
             <a:endParaRPr lang="en-US"/>
           </a:p>
@@ -644,6 +642,7 @@
           <a:p>
             <a:fld id="{838F4B1E-BF7B-479A-B5D5-4B2ABDFFA63F}" type="slidenum">
               <a:rPr lang="en-US" smtClean="0"/>
+              <a:pPr/>
               <a:t>‹#›</a:t>
             </a:fld>
             <a:endParaRPr lang="en-US"/>
@@ -783,7 +782,8 @@
           <a:p>
             <a:fld id="{C62FF227-9BC3-4435-A4FE-70EB56FE81C2}" type="datetimeFigureOut">
               <a:rPr lang="en-US" smtClean="0"/>
-              <a:t>4/27/2015</a:t>
+              <a:pPr/>
+              <a:t>03/05/2015</a:t>
             </a:fld>
             <a:endParaRPr lang="en-US"/>
           </a:p>
@@ -829,6 +829,7 @@
           <a:p>
             <a:fld id="{838F4B1E-BF7B-479A-B5D5-4B2ABDFFA63F}" type="slidenum">
               <a:rPr lang="en-US" smtClean="0"/>
+              <a:pPr/>
               <a:t>‹#›</a:t>
             </a:fld>
             <a:endParaRPr lang="en-US"/>
@@ -958,7 +959,8 @@
           <a:p>
             <a:fld id="{C62FF227-9BC3-4435-A4FE-70EB56FE81C2}" type="datetimeFigureOut">
               <a:rPr lang="en-US" smtClean="0"/>
-              <a:t>4/27/2015</a:t>
+              <a:pPr/>
+              <a:t>03/05/2015</a:t>
             </a:fld>
             <a:endParaRPr lang="en-US"/>
           </a:p>
@@ -1004,6 +1006,7 @@
           <a:p>
             <a:fld id="{838F4B1E-BF7B-479A-B5D5-4B2ABDFFA63F}" type="slidenum">
               <a:rPr lang="en-US" smtClean="0"/>
+              <a:pPr/>
               <a:t>‹#›</a:t>
             </a:fld>
             <a:endParaRPr lang="en-US"/>
@@ -1226,7 +1229,8 @@
           <a:p>
             <a:fld id="{C62FF227-9BC3-4435-A4FE-70EB56FE81C2}" type="datetimeFigureOut">
               <a:rPr lang="en-US" smtClean="0"/>
-              <a:t>4/27/2015</a:t>
+              <a:pPr/>
+              <a:t>03/05/2015</a:t>
             </a:fld>
             <a:endParaRPr lang="en-US"/>
           </a:p>
@@ -1272,6 +1276,7 @@
           <a:p>
             <a:fld id="{838F4B1E-BF7B-479A-B5D5-4B2ABDFFA63F}" type="slidenum">
               <a:rPr lang="en-US" smtClean="0"/>
+              <a:pPr/>
               <a:t>‹#›</a:t>
             </a:fld>
             <a:endParaRPr lang="en-US"/>
@@ -1694,7 +1699,8 @@
           <a:p>
             <a:fld id="{C62FF227-9BC3-4435-A4FE-70EB56FE81C2}" type="datetimeFigureOut">
               <a:rPr lang="en-US" smtClean="0"/>
-              <a:t>4/27/2015</a:t>
+              <a:pPr/>
+              <a:t>03/05/2015</a:t>
             </a:fld>
             <a:endParaRPr lang="en-US"/>
           </a:p>
@@ -1740,6 +1746,7 @@
           <a:p>
             <a:fld id="{838F4B1E-BF7B-479A-B5D5-4B2ABDFFA63F}" type="slidenum">
               <a:rPr lang="en-US" smtClean="0"/>
+              <a:pPr/>
               <a:t>‹#›</a:t>
             </a:fld>
             <a:endParaRPr lang="en-US"/>
@@ -2183,7 +2190,8 @@
           <a:p>
             <a:fld id="{C62FF227-9BC3-4435-A4FE-70EB56FE81C2}" type="datetimeFigureOut">
               <a:rPr lang="en-US" smtClean="0"/>
-              <a:t>4/27/2015</a:t>
+              <a:pPr/>
+              <a:t>03/05/2015</a:t>
             </a:fld>
             <a:endParaRPr lang="en-US"/>
           </a:p>
@@ -2229,6 +2237,7 @@
           <a:p>
             <a:fld id="{838F4B1E-BF7B-479A-B5D5-4B2ABDFFA63F}" type="slidenum">
               <a:rPr lang="en-US" smtClean="0"/>
+              <a:pPr/>
               <a:t>‹#›</a:t>
             </a:fld>
             <a:endParaRPr lang="en-US"/>
@@ -2309,7 +2318,8 @@
           <a:p>
             <a:fld id="{C62FF227-9BC3-4435-A4FE-70EB56FE81C2}" type="datetimeFigureOut">
               <a:rPr lang="en-US" smtClean="0"/>
-              <a:t>4/27/2015</a:t>
+              <a:pPr/>
+              <a:t>03/05/2015</a:t>
             </a:fld>
             <a:endParaRPr lang="en-US"/>
           </a:p>
@@ -2355,6 +2365,7 @@
           <a:p>
             <a:fld id="{838F4B1E-BF7B-479A-B5D5-4B2ABDFFA63F}" type="slidenum">
               <a:rPr lang="en-US" smtClean="0"/>
+              <a:pPr/>
               <a:t>‹#›</a:t>
             </a:fld>
             <a:endParaRPr lang="en-US"/>
@@ -2453,7 +2464,8 @@
           <a:p>
             <a:fld id="{C62FF227-9BC3-4435-A4FE-70EB56FE81C2}" type="datetimeFigureOut">
               <a:rPr lang="en-US" smtClean="0"/>
-              <a:t>4/27/2015</a:t>
+              <a:pPr/>
+              <a:t>03/05/2015</a:t>
             </a:fld>
             <a:endParaRPr lang="en-US"/>
           </a:p>
@@ -2499,6 +2511,7 @@
           <a:p>
             <a:fld id="{838F4B1E-BF7B-479A-B5D5-4B2ABDFFA63F}" type="slidenum">
               <a:rPr lang="en-US" smtClean="0"/>
+              <a:pPr/>
               <a:t>‹#›</a:t>
             </a:fld>
             <a:endParaRPr lang="en-US"/>
@@ -2775,7 +2788,8 @@
           <a:p>
             <a:fld id="{C62FF227-9BC3-4435-A4FE-70EB56FE81C2}" type="datetimeFigureOut">
               <a:rPr lang="en-US" smtClean="0"/>
-              <a:t>4/27/2015</a:t>
+              <a:pPr/>
+              <a:t>03/05/2015</a:t>
             </a:fld>
             <a:endParaRPr lang="en-US"/>
           </a:p>
@@ -2821,6 +2835,7 @@
           <a:p>
             <a:fld id="{838F4B1E-BF7B-479A-B5D5-4B2ABDFFA63F}" type="slidenum">
               <a:rPr lang="en-US" smtClean="0"/>
+              <a:pPr/>
               <a:t>‹#›</a:t>
             </a:fld>
             <a:endParaRPr lang="en-US"/>
@@ -2909,7 +2924,8 @@
           <a:p>
             <a:fld id="{C62FF227-9BC3-4435-A4FE-70EB56FE81C2}" type="datetimeFigureOut">
               <a:rPr lang="en-US" smtClean="0"/>
-              <a:t>4/27/2015</a:t>
+              <a:pPr/>
+              <a:t>03/05/2015</a:t>
             </a:fld>
             <a:endParaRPr lang="en-US"/>
           </a:p>
@@ -2955,6 +2971,7 @@
           <a:p>
             <a:fld id="{838F4B1E-BF7B-479A-B5D5-4B2ABDFFA63F}" type="slidenum">
               <a:rPr lang="en-US" smtClean="0"/>
+              <a:pPr/>
               <a:t>‹#›</a:t>
             </a:fld>
             <a:endParaRPr lang="en-US"/>
@@ -3690,7 +3707,8 @@
           <a:p>
             <a:fld id="{C62FF227-9BC3-4435-A4FE-70EB56FE81C2}" type="datetimeFigureOut">
               <a:rPr lang="en-US" smtClean="0"/>
-              <a:t>4/27/2015</a:t>
+              <a:pPr/>
+              <a:t>03/05/2015</a:t>
             </a:fld>
             <a:endParaRPr lang="en-US"/>
           </a:p>
@@ -3774,6 +3792,7 @@
           <a:p>
             <a:fld id="{838F4B1E-BF7B-479A-B5D5-4B2ABDFFA63F}" type="slidenum">
               <a:rPr lang="en-US" smtClean="0"/>
+              <a:pPr/>
               <a:t>‹#›</a:t>
             </a:fld>
             <a:endParaRPr lang="en-US"/>
@@ -4245,7 +4264,6 @@
               <a:rPr lang="en-US" dirty="0" smtClean="0"/>
               <a:t> Jasmine Framework</a:t>
             </a:r>
-            <a:endParaRPr lang="en-US" dirty="0" smtClean="0"/>
           </a:p>
           <a:p>
             <a:pPr>
@@ -4254,13 +4272,8 @@
             </a:pPr>
             <a:r>
               <a:rPr lang="en-US" dirty="0" smtClean="0"/>
-              <a:t> </a:t>
-            </a:r>
-            <a:r>
-              <a:rPr lang="en-US" dirty="0" smtClean="0"/>
-              <a:t>Karma Test Runner</a:t>
-            </a:r>
-            <a:endParaRPr lang="en-US" dirty="0" smtClean="0"/>
+              <a:t> Karma Test Runner</a:t>
+            </a:r>
           </a:p>
           <a:p>
             <a:pPr>
@@ -4269,11 +4282,7 @@
             </a:pPr>
             <a:r>
               <a:rPr lang="en-US" dirty="0" smtClean="0"/>
-              <a:t> </a:t>
-            </a:r>
-            <a:r>
-              <a:rPr lang="en-US" dirty="0" smtClean="0"/>
-              <a:t>Testing Data Service</a:t>
+              <a:t> Testing Data Service</a:t>
             </a:r>
           </a:p>
           <a:p>
@@ -5234,7 +5243,7 @@
     </p:spTree>
     <p:extLst>
       <p:ext uri="{BB962C8B-B14F-4D97-AF65-F5344CB8AC3E}">
-        <p14:creationId xmlns:p14="http://schemas.microsoft.com/office/powerpoint/2010/main" val="3437693054"/>
+        <p14:creationId xmlns:p14="http://schemas.microsoft.com/office/powerpoint/2010/main" xmlns="" val="3437693054"/>
       </p:ext>
     </p:extLst>
   </p:cSld>
@@ -5430,7 +5439,7 @@
     </p:spTree>
     <p:extLst>
       <p:ext uri="{BB962C8B-B14F-4D97-AF65-F5344CB8AC3E}">
-        <p14:creationId xmlns:p14="http://schemas.microsoft.com/office/powerpoint/2010/main" val="515351895"/>
+        <p14:creationId xmlns:p14="http://schemas.microsoft.com/office/powerpoint/2010/main" xmlns="" val="515351895"/>
       </p:ext>
     </p:extLst>
   </p:cSld>
@@ -5506,7 +5515,6 @@
               <a:rPr lang="en-US" dirty="0" smtClean="0"/>
               <a:t>What is it?</a:t>
             </a:r>
-            <a:endParaRPr lang="en-US" dirty="0" smtClean="0"/>
           </a:p>
           <a:p>
             <a:r>
@@ -5537,7 +5545,7 @@
     </p:spTree>
     <p:extLst>
       <p:ext uri="{BB962C8B-B14F-4D97-AF65-F5344CB8AC3E}">
-        <p14:creationId xmlns:p14="http://schemas.microsoft.com/office/powerpoint/2010/main" val="412149181"/>
+        <p14:creationId xmlns:p14="http://schemas.microsoft.com/office/powerpoint/2010/main" xmlns="" val="412149181"/>
       </p:ext>
     </p:extLst>
   </p:cSld>
@@ -6077,7 +6085,7 @@
     </p:spTree>
     <p:extLst>
       <p:ext uri="{BB962C8B-B14F-4D97-AF65-F5344CB8AC3E}">
-        <p14:creationId xmlns:p14="http://schemas.microsoft.com/office/powerpoint/2010/main" val="788202280"/>
+        <p14:creationId xmlns:p14="http://schemas.microsoft.com/office/powerpoint/2010/main" xmlns="" val="788202280"/>
       </p:ext>
     </p:extLst>
   </p:cSld>
@@ -6151,9 +6159,48 @@
               <a:t>NodeJS</a:t>
             </a:r>
             <a:r>
-              <a:rPr lang="en-US" dirty="0" smtClean="0"/>
-              <a:t>, NPM</a:t>
-            </a:r>
+              <a:rPr lang="en-US" smtClean="0"/>
+              <a:t>, </a:t>
+            </a:r>
+            <a:r>
+              <a:rPr lang="en-US" smtClean="0"/>
+              <a:t>NPM</a:t>
+            </a:r>
+          </a:p>
+          <a:p>
+            <a:r>
+              <a:rPr lang="en-US" smtClean="0">
+                <a:solidFill>
+                  <a:srgbClr val="00B050"/>
+                </a:solidFill>
+              </a:rPr>
+              <a:t>npm install karma -g</a:t>
+            </a:r>
+          </a:p>
+          <a:p>
+            <a:r>
+              <a:rPr lang="en-US" smtClean="0">
+                <a:solidFill>
+                  <a:srgbClr val="00B050"/>
+                </a:solidFill>
+              </a:rPr>
+              <a:t>npm install karma-cli -g</a:t>
+            </a:r>
+          </a:p>
+          <a:p>
+            <a:r>
+              <a:rPr lang="en-US" smtClean="0">
+                <a:solidFill>
+                  <a:srgbClr val="00B050"/>
+                </a:solidFill>
+              </a:rPr>
+              <a:t>karma --version</a:t>
+            </a:r>
+            <a:endParaRPr lang="en-US" dirty="0" smtClean="0">
+              <a:solidFill>
+                <a:srgbClr val="00B050"/>
+              </a:solidFill>
+            </a:endParaRPr>
           </a:p>
           <a:p>
             <a:endParaRPr lang="en-US" dirty="0"/>
@@ -6163,7 +6210,7 @@
     </p:spTree>
     <p:extLst>
       <p:ext uri="{BB962C8B-B14F-4D97-AF65-F5344CB8AC3E}">
-        <p14:creationId xmlns:p14="http://schemas.microsoft.com/office/powerpoint/2010/main" val="2518812659"/>
+        <p14:creationId xmlns:p14="http://schemas.microsoft.com/office/powerpoint/2010/main" xmlns="" val="2518812659"/>
       </p:ext>
     </p:extLst>
   </p:cSld>
@@ -6206,8 +6253,8 @@
           <a:lstStyle/>
           <a:p>
             <a:r>
-              <a:rPr lang="en-US" dirty="0" smtClean="0"/>
-              <a:t>When should use Directive?</a:t>
+              <a:rPr lang="en-US" smtClean="0"/>
+              <a:t>Setting Karma - initializing</a:t>
             </a:r>
             <a:endParaRPr lang="en-US" dirty="0"/>
           </a:p>
@@ -6229,17 +6276,43 @@
           <a:lstStyle/>
           <a:p>
             <a:r>
-              <a:rPr lang="en-US" dirty="0" smtClean="0"/>
-              <a:t>Please give your idea!</a:t>
-            </a:r>
-            <a:endParaRPr lang="en-US" dirty="0"/>
+              <a:rPr lang="en-US" smtClean="0"/>
+              <a:t>Using </a:t>
+            </a:r>
+            <a:r>
+              <a:rPr lang="en-US" smtClean="0">
+                <a:solidFill>
+                  <a:srgbClr val="00B050"/>
+                </a:solidFill>
+              </a:rPr>
+              <a:t>karma init</a:t>
+            </a:r>
+          </a:p>
+          <a:p>
+            <a:r>
+              <a:rPr lang="en-US" smtClean="0"/>
+              <a:t>Giving your selection and it will create new file </a:t>
+            </a:r>
+            <a:r>
+              <a:rPr lang="en-US" smtClean="0">
+                <a:solidFill>
+                  <a:srgbClr val="00B050"/>
+                </a:solidFill>
+              </a:rPr>
+              <a:t>karma.conf.js</a:t>
+            </a:r>
+            <a:endParaRPr lang="en-US" dirty="0">
+              <a:solidFill>
+                <a:srgbClr val="00B050"/>
+              </a:solidFill>
+            </a:endParaRPr>
           </a:p>
         </p:txBody>
       </p:sp>
     </p:spTree>
     <p:extLst>
       <p:ext uri="{BB962C8B-B14F-4D97-AF65-F5344CB8AC3E}">
-        <p14:creationId xmlns:p14="http://schemas.microsoft.com/office/powerpoint/2010/main" val="101334705"/>
+        <p14:creationId xmlns:p14="http://schemas.microsoft.com/office/powerpoint/2010/main" xmlns="" val="101334705"/>
       </p:ext>
     </p:extLst>
   </p:cSld>
@@ -6328,6 +6401,109 @@
                                           <p:spTgt spid="3">
                                             <p:txEl>
                                               <p:pRg st="0" end="0"/>
+                                            </p:txEl>
+                                          </p:spTgt>
+                                        </p:tgtEl>
+                                        <p:attrNameLst>
+                                          <p:attrName>ppt_y</p:attrName>
+                                        </p:attrNameLst>
+                                      </p:cBhvr>
+                                      <p:tavLst>
+                                        <p:tav tm="0">
+                                          <p:val>
+                                            <p:strVal val="1+#ppt_h/2"/>
+                                          </p:val>
+                                        </p:tav>
+                                        <p:tav tm="100000">
+                                          <p:val>
+                                            <p:strVal val="#ppt_y"/>
+                                          </p:val>
+                                        </p:tav>
+                                      </p:tavLst>
+                                    </p:anim>
+                                  </p:childTnLst>
+                                </p:cTn>
+                              </p:par>
+                            </p:childTnLst>
+                          </p:cTn>
+                        </p:par>
+                      </p:childTnLst>
+                    </p:cTn>
+                  </p:par>
+                  <p:par>
+                    <p:cTn id="9" fill="hold">
+                      <p:stCondLst>
+                        <p:cond delay="indefinite"/>
+                      </p:stCondLst>
+                      <p:childTnLst>
+                        <p:par>
+                          <p:cTn id="10" fill="hold">
+                            <p:stCondLst>
+                              <p:cond delay="0"/>
+                            </p:stCondLst>
+                            <p:childTnLst>
+                              <p:par>
+                                <p:cTn id="11" presetID="2" presetClass="entr" presetSubtype="4" fill="hold" nodeType="clickEffect">
+                                  <p:stCondLst>
+                                    <p:cond delay="0"/>
+                                  </p:stCondLst>
+                                  <p:childTnLst>
+                                    <p:set>
+                                      <p:cBhvr>
+                                        <p:cTn id="12" dur="1" fill="hold">
+                                          <p:stCondLst>
+                                            <p:cond delay="0"/>
+                                          </p:stCondLst>
+                                        </p:cTn>
+                                        <p:tgtEl>
+                                          <p:spTgt spid="3">
+                                            <p:txEl>
+                                              <p:pRg st="1" end="1"/>
+                                            </p:txEl>
+                                          </p:spTgt>
+                                        </p:tgtEl>
+                                        <p:attrNameLst>
+                                          <p:attrName>style.visibility</p:attrName>
+                                        </p:attrNameLst>
+                                      </p:cBhvr>
+                                      <p:to>
+                                        <p:strVal val="visible"/>
+                                      </p:to>
+                                    </p:set>
+                                    <p:anim calcmode="lin" valueType="num">
+                                      <p:cBhvr additive="base">
+                                        <p:cTn id="13" dur="500" fill="hold"/>
+                                        <p:tgtEl>
+                                          <p:spTgt spid="3">
+                                            <p:txEl>
+                                              <p:pRg st="1" end="1"/>
+                                            </p:txEl>
+                                          </p:spTgt>
+                                        </p:tgtEl>
+                                        <p:attrNameLst>
+                                          <p:attrName>ppt_x</p:attrName>
+                                        </p:attrNameLst>
+                                      </p:cBhvr>
+                                      <p:tavLst>
+                                        <p:tav tm="0">
+                                          <p:val>
+                                            <p:strVal val="#ppt_x"/>
+                                          </p:val>
+                                        </p:tav>
+                                        <p:tav tm="100000">
+                                          <p:val>
+                                            <p:strVal val="#ppt_x"/>
+                                          </p:val>
+                                        </p:tav>
+                                      </p:tavLst>
+                                    </p:anim>
+                                    <p:anim calcmode="lin" valueType="num">
+                                      <p:cBhvr additive="base">
+                                        <p:cTn id="14" dur="500" fill="hold"/>
+                                        <p:tgtEl>
+                                          <p:spTgt spid="3">
+                                            <p:txEl>
+                                              <p:pRg st="1" end="1"/>
                                             </p:txEl>
                                           </p:spTgt>
                                         </p:tgtEl>
@@ -6415,41 +6591,70 @@
           <a:lstStyle/>
           <a:p>
             <a:r>
-              <a:rPr lang="en-US" dirty="0" smtClean="0"/>
-              <a:t>Directive: controller vs link</a:t>
+              <a:rPr lang="en-US" smtClean="0"/>
+              <a:t>Setting Karma - configuring</a:t>
             </a:r>
             <a:endParaRPr lang="en-US" dirty="0"/>
           </a:p>
         </p:txBody>
       </p:sp>
-      <p:pic>
-        <p:nvPicPr>
-          <p:cNvPr id="4" name="Picture 3"/>
-          <p:cNvPicPr>
-            <a:picLocks noChangeAspect="1"/>
-          </p:cNvPicPr>
-          <p:nvPr/>
-        </p:nvPicPr>
-        <p:blipFill>
-          <a:blip r:embed="rId2"/>
-          <a:stretch>
-            <a:fillRect/>
-          </a:stretch>
-        </p:blipFill>
-        <p:spPr>
-          <a:xfrm>
-            <a:off x="2819400" y="1219200"/>
-            <a:ext cx="2806080" cy="5410699"/>
-          </a:xfrm>
-          <a:prstGeom prst="rect">
-            <a:avLst/>
-          </a:prstGeom>
-        </p:spPr>
-      </p:pic>
+      <p:sp>
+        <p:nvSpPr>
+          <p:cNvPr id="3" name="Content Placeholder 2"/>
+          <p:cNvSpPr>
+            <a:spLocks noGrp="1"/>
+          </p:cNvSpPr>
+          <p:nvPr>
+            <p:ph idx="1"/>
+          </p:nvPr>
+        </p:nvSpPr>
+        <p:spPr/>
+        <p:txBody>
+          <a:bodyPr/>
+          <a:lstStyle/>
+          <a:p>
+            <a:r>
+              <a:rPr lang="en-US" smtClean="0"/>
+              <a:t>Modifying </a:t>
+            </a:r>
+            <a:r>
+              <a:rPr lang="en-US" smtClean="0">
+                <a:solidFill>
+                  <a:srgbClr val="00B050"/>
+                </a:solidFill>
+              </a:rPr>
+              <a:t>karma.conf.js</a:t>
+            </a:r>
+            <a:r>
+              <a:rPr lang="en-US" smtClean="0"/>
+              <a:t> file</a:t>
+            </a:r>
+          </a:p>
+          <a:p>
+            <a:r>
+              <a:rPr lang="en-US" smtClean="0"/>
+              <a:t>Some remarkable settings</a:t>
+            </a:r>
+          </a:p>
+          <a:p>
+            <a:pPr>
+              <a:buNone/>
+            </a:pPr>
+            <a:r>
+              <a:rPr lang="en-US" sz="2000" i="1" smtClean="0">
+                <a:solidFill>
+                  <a:srgbClr val="00B050"/>
+                </a:solidFill>
+              </a:rPr>
+              <a:t>files	exclude	autoWatch	browser	singleRun</a:t>
+            </a:r>
+          </a:p>
+        </p:txBody>
+      </p:sp>
     </p:spTree>
     <p:extLst>
       <p:ext uri="{BB962C8B-B14F-4D97-AF65-F5344CB8AC3E}">
-        <p14:creationId xmlns:p14="http://schemas.microsoft.com/office/powerpoint/2010/main" val="2214238930"/>
+        <p14:creationId xmlns:p14="http://schemas.microsoft.com/office/powerpoint/2010/main" xmlns="" val="101334705"/>
       </p:ext>
     </p:extLst>
   </p:cSld>
@@ -6490,7 +6695,11 @@
                                           </p:stCondLst>
                                         </p:cTn>
                                         <p:tgtEl>
-                                          <p:spTgt spid="4"/>
+                                          <p:spTgt spid="3">
+                                            <p:txEl>
+                                              <p:pRg st="0" end="0"/>
+                                            </p:txEl>
+                                          </p:spTgt>
                                         </p:tgtEl>
                                         <p:attrNameLst>
                                           <p:attrName>style.visibility</p:attrName>
@@ -6504,7 +6713,11 @@
                                       <p:cBhvr additive="base">
                                         <p:cTn id="7" dur="500" fill="hold"/>
                                         <p:tgtEl>
-                                          <p:spTgt spid="4"/>
+                                          <p:spTgt spid="3">
+                                            <p:txEl>
+                                              <p:pRg st="0" end="0"/>
+                                            </p:txEl>
+                                          </p:spTgt>
                                         </p:tgtEl>
                                         <p:attrNameLst>
                                           <p:attrName>ppt_x</p:attrName>
@@ -6527,7 +6740,217 @@
                                       <p:cBhvr additive="base">
                                         <p:cTn id="8" dur="500" fill="hold"/>
                                         <p:tgtEl>
-                                          <p:spTgt spid="4"/>
+                                          <p:spTgt spid="3">
+                                            <p:txEl>
+                                              <p:pRg st="0" end="0"/>
+                                            </p:txEl>
+                                          </p:spTgt>
+                                        </p:tgtEl>
+                                        <p:attrNameLst>
+                                          <p:attrName>ppt_y</p:attrName>
+                                        </p:attrNameLst>
+                                      </p:cBhvr>
+                                      <p:tavLst>
+                                        <p:tav tm="0">
+                                          <p:val>
+                                            <p:strVal val="1+#ppt_h/2"/>
+                                          </p:val>
+                                        </p:tav>
+                                        <p:tav tm="100000">
+                                          <p:val>
+                                            <p:strVal val="#ppt_y"/>
+                                          </p:val>
+                                        </p:tav>
+                                      </p:tavLst>
+                                    </p:anim>
+                                  </p:childTnLst>
+                                </p:cTn>
+                              </p:par>
+                            </p:childTnLst>
+                          </p:cTn>
+                        </p:par>
+                      </p:childTnLst>
+                    </p:cTn>
+                  </p:par>
+                  <p:par>
+                    <p:cTn id="9" fill="hold">
+                      <p:stCondLst>
+                        <p:cond delay="indefinite"/>
+                      </p:stCondLst>
+                      <p:childTnLst>
+                        <p:par>
+                          <p:cTn id="10" fill="hold">
+                            <p:stCondLst>
+                              <p:cond delay="0"/>
+                            </p:stCondLst>
+                            <p:childTnLst>
+                              <p:par>
+                                <p:cTn id="11" presetID="2" presetClass="entr" presetSubtype="4" fill="hold" nodeType="clickEffect">
+                                  <p:stCondLst>
+                                    <p:cond delay="0"/>
+                                  </p:stCondLst>
+                                  <p:childTnLst>
+                                    <p:set>
+                                      <p:cBhvr>
+                                        <p:cTn id="12" dur="1" fill="hold">
+                                          <p:stCondLst>
+                                            <p:cond delay="0"/>
+                                          </p:stCondLst>
+                                        </p:cTn>
+                                        <p:tgtEl>
+                                          <p:spTgt spid="3">
+                                            <p:txEl>
+                                              <p:pRg st="1" end="1"/>
+                                            </p:txEl>
+                                          </p:spTgt>
+                                        </p:tgtEl>
+                                        <p:attrNameLst>
+                                          <p:attrName>style.visibility</p:attrName>
+                                        </p:attrNameLst>
+                                      </p:cBhvr>
+                                      <p:to>
+                                        <p:strVal val="visible"/>
+                                      </p:to>
+                                    </p:set>
+                                    <p:anim calcmode="lin" valueType="num">
+                                      <p:cBhvr additive="base">
+                                        <p:cTn id="13" dur="500" fill="hold"/>
+                                        <p:tgtEl>
+                                          <p:spTgt spid="3">
+                                            <p:txEl>
+                                              <p:pRg st="1" end="1"/>
+                                            </p:txEl>
+                                          </p:spTgt>
+                                        </p:tgtEl>
+                                        <p:attrNameLst>
+                                          <p:attrName>ppt_x</p:attrName>
+                                        </p:attrNameLst>
+                                      </p:cBhvr>
+                                      <p:tavLst>
+                                        <p:tav tm="0">
+                                          <p:val>
+                                            <p:strVal val="#ppt_x"/>
+                                          </p:val>
+                                        </p:tav>
+                                        <p:tav tm="100000">
+                                          <p:val>
+                                            <p:strVal val="#ppt_x"/>
+                                          </p:val>
+                                        </p:tav>
+                                      </p:tavLst>
+                                    </p:anim>
+                                    <p:anim calcmode="lin" valueType="num">
+                                      <p:cBhvr additive="base">
+                                        <p:cTn id="14" dur="500" fill="hold"/>
+                                        <p:tgtEl>
+                                          <p:spTgt spid="3">
+                                            <p:txEl>
+                                              <p:pRg st="1" end="1"/>
+                                            </p:txEl>
+                                          </p:spTgt>
+                                        </p:tgtEl>
+                                        <p:attrNameLst>
+                                          <p:attrName>ppt_y</p:attrName>
+                                        </p:attrNameLst>
+                                      </p:cBhvr>
+                                      <p:tavLst>
+                                        <p:tav tm="0">
+                                          <p:val>
+                                            <p:strVal val="1+#ppt_h/2"/>
+                                          </p:val>
+                                        </p:tav>
+                                        <p:tav tm="100000">
+                                          <p:val>
+                                            <p:strVal val="#ppt_y"/>
+                                          </p:val>
+                                        </p:tav>
+                                      </p:tavLst>
+                                    </p:anim>
+                                  </p:childTnLst>
+                                </p:cTn>
+                              </p:par>
+                            </p:childTnLst>
+                          </p:cTn>
+                        </p:par>
+                      </p:childTnLst>
+                    </p:cTn>
+                  </p:par>
+                  <p:par>
+                    <p:cTn id="15" fill="hold">
+                      <p:stCondLst>
+                        <p:cond delay="indefinite"/>
+                      </p:stCondLst>
+                      <p:childTnLst>
+                        <p:par>
+                          <p:cTn id="16" fill="hold">
+                            <p:stCondLst>
+                              <p:cond delay="0"/>
+                            </p:stCondLst>
+                            <p:childTnLst>
+                              <p:par>
+                                <p:cTn id="17" presetID="2" presetClass="entr" presetSubtype="4" fill="hold" nodeType="clickEffect">
+                                  <p:stCondLst>
+                                    <p:cond delay="0"/>
+                                  </p:stCondLst>
+                                  <p:childTnLst>
+                                    <p:set>
+                                      <p:cBhvr>
+                                        <p:cTn id="18" dur="1" fill="hold">
+                                          <p:stCondLst>
+                                            <p:cond delay="0"/>
+                                          </p:stCondLst>
+                                        </p:cTn>
+                                        <p:tgtEl>
+                                          <p:spTgt spid="3">
+                                            <p:txEl>
+                                              <p:pRg st="2" end="2"/>
+                                            </p:txEl>
+                                          </p:spTgt>
+                                        </p:tgtEl>
+                                        <p:attrNameLst>
+                                          <p:attrName>style.visibility</p:attrName>
+                                        </p:attrNameLst>
+                                      </p:cBhvr>
+                                      <p:to>
+                                        <p:strVal val="visible"/>
+                                      </p:to>
+                                    </p:set>
+                                    <p:anim calcmode="lin" valueType="num">
+                                      <p:cBhvr additive="base">
+                                        <p:cTn id="19" dur="500" fill="hold"/>
+                                        <p:tgtEl>
+                                          <p:spTgt spid="3">
+                                            <p:txEl>
+                                              <p:pRg st="2" end="2"/>
+                                            </p:txEl>
+                                          </p:spTgt>
+                                        </p:tgtEl>
+                                        <p:attrNameLst>
+                                          <p:attrName>ppt_x</p:attrName>
+                                        </p:attrNameLst>
+                                      </p:cBhvr>
+                                      <p:tavLst>
+                                        <p:tav tm="0">
+                                          <p:val>
+                                            <p:strVal val="#ppt_x"/>
+                                          </p:val>
+                                        </p:tav>
+                                        <p:tav tm="100000">
+                                          <p:val>
+                                            <p:strVal val="#ppt_x"/>
+                                          </p:val>
+                                        </p:tav>
+                                      </p:tavLst>
+                                    </p:anim>
+                                    <p:anim calcmode="lin" valueType="num">
+                                      <p:cBhvr additive="base">
+                                        <p:cTn id="20" dur="500" fill="hold"/>
+                                        <p:tgtEl>
+                                          <p:spTgt spid="3">
+                                            <p:txEl>
+                                              <p:pRg st="2" end="2"/>
+                                            </p:txEl>
+                                          </p:spTgt>
                                         </p:tgtEl>
                                         <p:attrNameLst>
                                           <p:attrName>ppt_y</p:attrName>
@@ -6609,30 +7032,105 @@
         </p:nvSpPr>
         <p:spPr/>
         <p:txBody>
-          <a:bodyPr>
-            <a:normAutofit fontScale="90000"/>
-          </a:bodyPr>
+          <a:bodyPr/>
           <a:lstStyle/>
           <a:p>
             <a:r>
-              <a:rPr lang="en-US" dirty="0" smtClean="0"/>
-              <a:t>Directive: controller vs link (</a:t>
-            </a:r>
-            <a:r>
-              <a:rPr lang="en-US" dirty="0" err="1" smtClean="0"/>
-              <a:t>cont</a:t>
-            </a:r>
-            <a:r>
-              <a:rPr lang="en-US" dirty="0" smtClean="0"/>
-              <a:t>)</a:t>
-            </a:r>
-            <a:endParaRPr lang="en-US" dirty="0"/>
+              <a:rPr lang="en-US" smtClean="0"/>
+              <a:t>Running Karma</a:t>
+            </a:r>
+            <a:endParaRPr lang="en-US"/>
           </a:p>
         </p:txBody>
       </p:sp>
       <p:sp>
         <p:nvSpPr>
-          <p:cNvPr id="5" name="Content Placeholder 2"/>
+          <p:cNvPr id="3" name="Content Placeholder 2"/>
+          <p:cNvSpPr>
+            <a:spLocks noGrp="1"/>
+          </p:cNvSpPr>
+          <p:nvPr>
+            <p:ph idx="1"/>
+          </p:nvPr>
+        </p:nvSpPr>
+        <p:spPr/>
+        <p:txBody>
+          <a:bodyPr/>
+          <a:lstStyle/>
+          <a:p>
+            <a:r>
+              <a:rPr lang="en-US" smtClean="0"/>
+              <a:t>Using </a:t>
+            </a:r>
+            <a:r>
+              <a:rPr lang="en-US" smtClean="0">
+                <a:solidFill>
+                  <a:srgbClr val="00B050"/>
+                </a:solidFill>
+              </a:rPr>
+              <a:t>karma start</a:t>
+            </a:r>
+          </a:p>
+          <a:p>
+            <a:r>
+              <a:rPr lang="en-US" smtClean="0"/>
+              <a:t>Note: you can debug with Karma</a:t>
+            </a:r>
+            <a:endParaRPr lang="en-US" smtClean="0"/>
+          </a:p>
+        </p:txBody>
+      </p:sp>
+    </p:spTree>
+  </p:cSld>
+  <p:clrMapOvr>
+    <a:masterClrMapping/>
+  </p:clrMapOvr>
+</p:sld>
+</file>
+
+<file path=ppt/slides/slide18.xml><?xml version="1.0" encoding="utf-8"?>
+<p:sld xmlns:a="http://schemas.openxmlformats.org/drawingml/2006/main" xmlns:r="http://schemas.openxmlformats.org/officeDocument/2006/relationships" xmlns:p="http://schemas.openxmlformats.org/presentationml/2006/main">
+  <p:cSld>
+    <p:spTree>
+      <p:nvGrpSpPr>
+        <p:cNvPr id="1" name=""/>
+        <p:cNvGrpSpPr/>
+        <p:nvPr/>
+      </p:nvGrpSpPr>
+      <p:grpSpPr>
+        <a:xfrm>
+          <a:off x="0" y="0"/>
+          <a:ext cx="0" cy="0"/>
+          <a:chOff x="0" y="0"/>
+          <a:chExt cx="0" cy="0"/>
+        </a:xfrm>
+      </p:grpSpPr>
+      <p:sp>
+        <p:nvSpPr>
+          <p:cNvPr id="2" name="Title 1"/>
+          <p:cNvSpPr>
+            <a:spLocks noGrp="1"/>
+          </p:cNvSpPr>
+          <p:nvPr>
+            <p:ph type="title"/>
+          </p:nvPr>
+        </p:nvSpPr>
+        <p:spPr/>
+        <p:txBody>
+          <a:bodyPr/>
+          <a:lstStyle/>
+          <a:p>
+            <a:r>
+              <a:rPr lang="en-US" smtClean="0"/>
+              <a:t>Before writing test files</a:t>
+            </a:r>
+            <a:endParaRPr lang="en-US" dirty="0"/>
+          </a:p>
+        </p:txBody>
+      </p:sp>
+      <p:sp>
+        <p:nvSpPr>
+          <p:cNvPr id="3" name="Content Placeholder 2"/>
           <p:cNvSpPr>
             <a:spLocks noGrp="1"/>
           </p:cNvSpPr>
@@ -6643,45 +7141,85 @@
         <p:spPr>
           <a:xfrm>
             <a:off x="1435608" y="1447800"/>
-            <a:ext cx="7498080" cy="4800600"/>
+            <a:ext cx="7498080" cy="5105400"/>
           </a:xfrm>
         </p:spPr>
         <p:txBody>
-          <a:bodyPr/>
+          <a:bodyPr>
+            <a:normAutofit fontScale="92500"/>
+          </a:bodyPr>
           <a:lstStyle/>
           <a:p>
             <a:r>
-              <a:rPr lang="en-US" dirty="0" smtClean="0"/>
-              <a:t>Best practice:</a:t>
-            </a:r>
-          </a:p>
-          <a:p>
-            <a:pPr marL="82296" indent="0">
-              <a:buNone/>
-            </a:pPr>
-            <a:r>
-              <a:rPr lang="en-US" dirty="0" smtClean="0">
+              <a:rPr lang="en-US" smtClean="0"/>
+              <a:t>Naming for test files: use source file name + </a:t>
+            </a:r>
+            <a:r>
+              <a:rPr lang="en-US" smtClean="0">
                 <a:solidFill>
-                  <a:srgbClr val="FF0000"/>
+                  <a:srgbClr val="00B050"/>
                 </a:solidFill>
               </a:rPr>
-              <a:t>“Using </a:t>
-            </a:r>
-            <a:r>
-              <a:rPr lang="en-US" dirty="0">
-                <a:solidFill>
-                  <a:srgbClr val="FF0000"/>
-                </a:solidFill>
-              </a:rPr>
-              <a:t>controller when you want to expose an API to other directives. Otherwise use link.”</a:t>
-            </a:r>
+              <a:t>.spec</a:t>
+            </a:r>
+            <a:r>
+              <a:rPr lang="en-US" smtClean="0"/>
+              <a:t>. Example: userCtrl.spec.js</a:t>
+            </a:r>
+          </a:p>
+          <a:p>
+            <a:r>
+              <a:rPr lang="en-US" smtClean="0"/>
+              <a:t>Placing source file and test file in same folder</a:t>
+            </a:r>
+          </a:p>
+          <a:p>
+            <a:r>
+              <a:rPr lang="en-US" smtClean="0"/>
+              <a:t>Focusing on logic instead of code (important thing)</a:t>
+            </a:r>
+          </a:p>
+          <a:p>
+            <a:r>
+              <a:rPr lang="en-US" smtClean="0"/>
+              <a:t>Using test to protect your code, sample as detecting changes</a:t>
+            </a:r>
+          </a:p>
+          <a:p>
+            <a:r>
+              <a:rPr lang="en-US" smtClean="0"/>
+              <a:t>W</a:t>
+            </a:r>
+            <a:r>
+              <a:rPr lang="en-US" smtClean="0"/>
+              <a:t>hen </a:t>
+            </a:r>
+            <a:r>
+              <a:rPr lang="en-US" smtClean="0"/>
+              <a:t>testing object: test itself, don’t test related things</a:t>
+            </a:r>
+          </a:p>
+          <a:p>
+            <a:r>
+              <a:rPr lang="en-US" smtClean="0"/>
+              <a:t>All related things are </a:t>
+            </a:r>
+            <a:r>
+              <a:rPr lang="en-US" smtClean="0"/>
+              <a:t>mock </a:t>
+            </a:r>
+            <a:r>
+              <a:rPr lang="en-US" smtClean="0"/>
+              <a:t>data/objects</a:t>
+            </a:r>
+            <a:endParaRPr lang="en-US" smtClean="0"/>
           </a:p>
         </p:txBody>
       </p:sp>
     </p:spTree>
     <p:extLst>
       <p:ext uri="{BB962C8B-B14F-4D97-AF65-F5344CB8AC3E}">
-        <p14:creationId xmlns:p14="http://schemas.microsoft.com/office/powerpoint/2010/main" val="1482110633"/>
+        <p14:creationId xmlns:p14="http://schemas.microsoft.com/office/powerpoint/2010/main" xmlns="" val="101334705"/>
       </p:ext>
     </p:extLst>
   </p:cSld>
@@ -6722,7 +7260,7 @@
                                           </p:stCondLst>
                                         </p:cTn>
                                         <p:tgtEl>
-                                          <p:spTgt spid="5">
+                                          <p:spTgt spid="3">
                                             <p:txEl>
                                               <p:pRg st="0" end="0"/>
                                             </p:txEl>
@@ -6740,7 +7278,7 @@
                                       <p:cBhvr additive="base">
                                         <p:cTn id="7" dur="500" fill="hold"/>
                                         <p:tgtEl>
-                                          <p:spTgt spid="5">
+                                          <p:spTgt spid="3">
                                             <p:txEl>
                                               <p:pRg st="0" end="0"/>
                                             </p:txEl>
@@ -6767,7 +7305,7 @@
                                       <p:cBhvr additive="base">
                                         <p:cTn id="8" dur="500" fill="hold"/>
                                         <p:tgtEl>
-                                          <p:spTgt spid="5">
+                                          <p:spTgt spid="3">
                                             <p:txEl>
                                               <p:pRg st="0" end="0"/>
                                             </p:txEl>
@@ -6825,7 +7363,7 @@
                                           </p:stCondLst>
                                         </p:cTn>
                                         <p:tgtEl>
-                                          <p:spTgt spid="5">
+                                          <p:spTgt spid="3">
                                             <p:txEl>
                                               <p:pRg st="1" end="1"/>
                                             </p:txEl>
@@ -6843,7 +7381,7 @@
                                       <p:cBhvr additive="base">
                                         <p:cTn id="13" dur="500" fill="hold"/>
                                         <p:tgtEl>
-                                          <p:spTgt spid="5">
+                                          <p:spTgt spid="3">
                                             <p:txEl>
                                               <p:pRg st="1" end="1"/>
                                             </p:txEl>
@@ -6870,235 +7408,11 @@
                                       <p:cBhvr additive="base">
                                         <p:cTn id="14" dur="500" fill="hold"/>
                                         <p:tgtEl>
-                                          <p:spTgt spid="5">
+                                          <p:spTgt spid="3">
                                             <p:txEl>
                                               <p:pRg st="1" end="1"/>
                                             </p:txEl>
                                           </p:spTgt>
-                                        </p:tgtEl>
-                                        <p:attrNameLst>
-                                          <p:attrName>ppt_y</p:attrName>
-                                        </p:attrNameLst>
-                                      </p:cBhvr>
-                                      <p:tavLst>
-                                        <p:tav tm="0">
-                                          <p:val>
-                                            <p:strVal val="1+#ppt_h/2"/>
-                                          </p:val>
-                                        </p:tav>
-                                        <p:tav tm="100000">
-                                          <p:val>
-                                            <p:strVal val="#ppt_y"/>
-                                          </p:val>
-                                        </p:tav>
-                                      </p:tavLst>
-                                    </p:anim>
-                                  </p:childTnLst>
-                                </p:cTn>
-                              </p:par>
-                            </p:childTnLst>
-                          </p:cTn>
-                        </p:par>
-                      </p:childTnLst>
-                    </p:cTn>
-                  </p:par>
-                </p:childTnLst>
-              </p:cTn>
-              <p:prevCondLst>
-                <p:cond evt="onPrev" delay="0">
-                  <p:tgtEl>
-                    <p:sldTgt/>
-                  </p:tgtEl>
-                </p:cond>
-              </p:prevCondLst>
-              <p:nextCondLst>
-                <p:cond evt="onNext" delay="0">
-                  <p:tgtEl>
-                    <p:sldTgt/>
-                  </p:tgtEl>
-                </p:cond>
-              </p:nextCondLst>
-            </p:seq>
-          </p:childTnLst>
-        </p:cTn>
-      </p:par>
-    </p:tnLst>
-  </p:timing>
-</p:sld>
-</file>
-
-<file path=ppt/slides/slide18.xml><?xml version="1.0" encoding="utf-8"?>
-<p:sld xmlns:a="http://schemas.openxmlformats.org/drawingml/2006/main" xmlns:r="http://schemas.openxmlformats.org/officeDocument/2006/relationships" xmlns:p="http://schemas.openxmlformats.org/presentationml/2006/main">
-  <p:cSld>
-    <p:spTree>
-      <p:nvGrpSpPr>
-        <p:cNvPr id="1" name=""/>
-        <p:cNvGrpSpPr/>
-        <p:nvPr/>
-      </p:nvGrpSpPr>
-      <p:grpSpPr>
-        <a:xfrm>
-          <a:off x="0" y="0"/>
-          <a:ext cx="0" cy="0"/>
-          <a:chOff x="0" y="0"/>
-          <a:chExt cx="0" cy="0"/>
-        </a:xfrm>
-      </p:grpSpPr>
-      <p:sp>
-        <p:nvSpPr>
-          <p:cNvPr id="2" name="Title 1"/>
-          <p:cNvSpPr>
-            <a:spLocks noGrp="1"/>
-          </p:cNvSpPr>
-          <p:nvPr>
-            <p:ph type="title"/>
-          </p:nvPr>
-        </p:nvSpPr>
-        <p:spPr/>
-        <p:txBody>
-          <a:bodyPr/>
-          <a:lstStyle/>
-          <a:p>
-            <a:r>
-              <a:rPr lang="en-US" dirty="0" smtClean="0"/>
-              <a:t>Directive: require controller(s)</a:t>
-            </a:r>
-            <a:endParaRPr lang="en-US" dirty="0"/>
-          </a:p>
-        </p:txBody>
-      </p:sp>
-      <p:pic>
-        <p:nvPicPr>
-          <p:cNvPr id="4" name="Content Placeholder 3"/>
-          <p:cNvPicPr>
-            <a:picLocks noGrp="1" noChangeAspect="1"/>
-          </p:cNvPicPr>
-          <p:nvPr>
-            <p:ph idx="1"/>
-          </p:nvPr>
-        </p:nvPicPr>
-        <p:blipFill>
-          <a:blip r:embed="rId2"/>
-          <a:stretch>
-            <a:fillRect/>
-          </a:stretch>
-        </p:blipFill>
-        <p:spPr>
-          <a:xfrm>
-            <a:off x="3581400" y="1524000"/>
-            <a:ext cx="2638793" cy="1457528"/>
-          </a:xfrm>
-          <a:prstGeom prst="rect">
-            <a:avLst/>
-          </a:prstGeom>
-        </p:spPr>
-      </p:pic>
-      <p:pic>
-        <p:nvPicPr>
-          <p:cNvPr id="5" name="Picture 4"/>
-          <p:cNvPicPr>
-            <a:picLocks noChangeAspect="1"/>
-          </p:cNvPicPr>
-          <p:nvPr/>
-        </p:nvPicPr>
-        <p:blipFill>
-          <a:blip r:embed="rId3"/>
-          <a:stretch>
-            <a:fillRect/>
-          </a:stretch>
-        </p:blipFill>
-        <p:spPr>
-          <a:xfrm>
-            <a:off x="3048000" y="3200400"/>
-            <a:ext cx="3600953" cy="2514951"/>
-          </a:xfrm>
-          <a:prstGeom prst="rect">
-            <a:avLst/>
-          </a:prstGeom>
-        </p:spPr>
-      </p:pic>
-    </p:spTree>
-    <p:extLst>
-      <p:ext uri="{BB962C8B-B14F-4D97-AF65-F5344CB8AC3E}">
-        <p14:creationId xmlns:p14="http://schemas.microsoft.com/office/powerpoint/2010/main" val="3957105637"/>
-      </p:ext>
-    </p:extLst>
-  </p:cSld>
-  <p:clrMapOvr>
-    <a:masterClrMapping/>
-  </p:clrMapOvr>
-  <p:timing>
-    <p:tnLst>
-      <p:par>
-        <p:cTn id="1" dur="indefinite" restart="never" nodeType="tmRoot">
-          <p:childTnLst>
-            <p:seq concurrent="1" nextAc="seek">
-              <p:cTn id="2" dur="indefinite" nodeType="mainSeq">
-                <p:childTnLst>
-                  <p:par>
-                    <p:cTn id="3" fill="hold">
-                      <p:stCondLst>
-                        <p:cond delay="indefinite"/>
-                      </p:stCondLst>
-                      <p:childTnLst>
-                        <p:par>
-                          <p:cTn id="4" fill="hold">
-                            <p:stCondLst>
-                              <p:cond delay="0"/>
-                            </p:stCondLst>
-                            <p:childTnLst>
-                              <p:par>
-                                <p:cTn id="5" presetID="2" presetClass="entr" presetSubtype="4" fill="hold" nodeType="clickEffect">
-                                  <p:stCondLst>
-                                    <p:cond delay="0"/>
-                                  </p:stCondLst>
-                                  <p:childTnLst>
-                                    <p:set>
-                                      <p:cBhvr>
-                                        <p:cTn id="6" dur="1" fill="hold">
-                                          <p:stCondLst>
-                                            <p:cond delay="0"/>
-                                          </p:stCondLst>
-                                        </p:cTn>
-                                        <p:tgtEl>
-                                          <p:spTgt spid="4"/>
-                                        </p:tgtEl>
-                                        <p:attrNameLst>
-                                          <p:attrName>style.visibility</p:attrName>
-                                        </p:attrNameLst>
-                                      </p:cBhvr>
-                                      <p:to>
-                                        <p:strVal val="visible"/>
-                                      </p:to>
-                                    </p:set>
-                                    <p:anim calcmode="lin" valueType="num">
-                                      <p:cBhvr additive="base">
-                                        <p:cTn id="7" dur="500" fill="hold"/>
-                                        <p:tgtEl>
-                                          <p:spTgt spid="4"/>
-                                        </p:tgtEl>
-                                        <p:attrNameLst>
-                                          <p:attrName>ppt_x</p:attrName>
-                                        </p:attrNameLst>
-                                      </p:cBhvr>
-                                      <p:tavLst>
-                                        <p:tav tm="0">
-                                          <p:val>
-                                            <p:strVal val="#ppt_x"/>
-                                          </p:val>
-                                        </p:tav>
-                                        <p:tav tm="100000">
-                                          <p:val>
-                                            <p:strVal val="#ppt_x"/>
-                                          </p:val>
-                                        </p:tav>
-                                      </p:tavLst>
-                                    </p:anim>
-                                    <p:anim calcmode="lin" valueType="num">
-                                      <p:cBhvr additive="base">
-                                        <p:cTn id="8" dur="500" fill="hold"/>
-                                        <p:tgtEl>
-                                          <p:spTgt spid="4"/>
                                         </p:tgtEl>
                                         <p:attrNameLst>
                                           <p:attrName>ppt_y</p:attrName>
@@ -7127,32 +7441,36 @@
                     </p:cTn>
                   </p:par>
                   <p:par>
-                    <p:cTn id="9" fill="hold">
+                    <p:cTn id="15" fill="hold">
                       <p:stCondLst>
                         <p:cond delay="indefinite"/>
                       </p:stCondLst>
                       <p:childTnLst>
                         <p:par>
-                          <p:cTn id="10" fill="hold">
+                          <p:cTn id="16" fill="hold">
                             <p:stCondLst>
                               <p:cond delay="0"/>
                             </p:stCondLst>
                             <p:childTnLst>
                               <p:par>
-                                <p:cTn id="11" presetID="2" presetClass="entr" presetSubtype="4" fill="hold" nodeType="clickEffect">
+                                <p:cTn id="17" presetID="2" presetClass="entr" presetSubtype="4" fill="hold" nodeType="clickEffect">
                                   <p:stCondLst>
                                     <p:cond delay="0"/>
                                   </p:stCondLst>
                                   <p:childTnLst>
                                     <p:set>
                                       <p:cBhvr>
-                                        <p:cTn id="12" dur="1" fill="hold">
+                                        <p:cTn id="18" dur="1" fill="hold">
                                           <p:stCondLst>
                                             <p:cond delay="0"/>
                                           </p:stCondLst>
                                         </p:cTn>
                                         <p:tgtEl>
-                                          <p:spTgt spid="5"/>
+                                          <p:spTgt spid="3">
+                                            <p:txEl>
+                                              <p:pRg st="2" end="2"/>
+                                            </p:txEl>
+                                          </p:spTgt>
                                         </p:tgtEl>
                                         <p:attrNameLst>
                                           <p:attrName>style.visibility</p:attrName>
@@ -7164,9 +7482,13 @@
                                     </p:set>
                                     <p:anim calcmode="lin" valueType="num">
                                       <p:cBhvr additive="base">
-                                        <p:cTn id="13" dur="500" fill="hold"/>
-                                        <p:tgtEl>
-                                          <p:spTgt spid="5"/>
+                                        <p:cTn id="19" dur="500" fill="hold"/>
+                                        <p:tgtEl>
+                                          <p:spTgt spid="3">
+                                            <p:txEl>
+                                              <p:pRg st="2" end="2"/>
+                                            </p:txEl>
+                                          </p:spTgt>
                                         </p:tgtEl>
                                         <p:attrNameLst>
                                           <p:attrName>ppt_x</p:attrName>
@@ -7187,9 +7509,322 @@
                                     </p:anim>
                                     <p:anim calcmode="lin" valueType="num">
                                       <p:cBhvr additive="base">
-                                        <p:cTn id="14" dur="500" fill="hold"/>
-                                        <p:tgtEl>
-                                          <p:spTgt spid="5"/>
+                                        <p:cTn id="20" dur="500" fill="hold"/>
+                                        <p:tgtEl>
+                                          <p:spTgt spid="3">
+                                            <p:txEl>
+                                              <p:pRg st="2" end="2"/>
+                                            </p:txEl>
+                                          </p:spTgt>
+                                        </p:tgtEl>
+                                        <p:attrNameLst>
+                                          <p:attrName>ppt_y</p:attrName>
+                                        </p:attrNameLst>
+                                      </p:cBhvr>
+                                      <p:tavLst>
+                                        <p:tav tm="0">
+                                          <p:val>
+                                            <p:strVal val="1+#ppt_h/2"/>
+                                          </p:val>
+                                        </p:tav>
+                                        <p:tav tm="100000">
+                                          <p:val>
+                                            <p:strVal val="#ppt_y"/>
+                                          </p:val>
+                                        </p:tav>
+                                      </p:tavLst>
+                                    </p:anim>
+                                  </p:childTnLst>
+                                </p:cTn>
+                              </p:par>
+                            </p:childTnLst>
+                          </p:cTn>
+                        </p:par>
+                      </p:childTnLst>
+                    </p:cTn>
+                  </p:par>
+                  <p:par>
+                    <p:cTn id="21" fill="hold">
+                      <p:stCondLst>
+                        <p:cond delay="indefinite"/>
+                      </p:stCondLst>
+                      <p:childTnLst>
+                        <p:par>
+                          <p:cTn id="22" fill="hold">
+                            <p:stCondLst>
+                              <p:cond delay="0"/>
+                            </p:stCondLst>
+                            <p:childTnLst>
+                              <p:par>
+                                <p:cTn id="23" presetID="2" presetClass="entr" presetSubtype="4" fill="hold" nodeType="clickEffect">
+                                  <p:stCondLst>
+                                    <p:cond delay="0"/>
+                                  </p:stCondLst>
+                                  <p:childTnLst>
+                                    <p:set>
+                                      <p:cBhvr>
+                                        <p:cTn id="24" dur="1" fill="hold">
+                                          <p:stCondLst>
+                                            <p:cond delay="0"/>
+                                          </p:stCondLst>
+                                        </p:cTn>
+                                        <p:tgtEl>
+                                          <p:spTgt spid="3">
+                                            <p:txEl>
+                                              <p:pRg st="3" end="3"/>
+                                            </p:txEl>
+                                          </p:spTgt>
+                                        </p:tgtEl>
+                                        <p:attrNameLst>
+                                          <p:attrName>style.visibility</p:attrName>
+                                        </p:attrNameLst>
+                                      </p:cBhvr>
+                                      <p:to>
+                                        <p:strVal val="visible"/>
+                                      </p:to>
+                                    </p:set>
+                                    <p:anim calcmode="lin" valueType="num">
+                                      <p:cBhvr additive="base">
+                                        <p:cTn id="25" dur="500" fill="hold"/>
+                                        <p:tgtEl>
+                                          <p:spTgt spid="3">
+                                            <p:txEl>
+                                              <p:pRg st="3" end="3"/>
+                                            </p:txEl>
+                                          </p:spTgt>
+                                        </p:tgtEl>
+                                        <p:attrNameLst>
+                                          <p:attrName>ppt_x</p:attrName>
+                                        </p:attrNameLst>
+                                      </p:cBhvr>
+                                      <p:tavLst>
+                                        <p:tav tm="0">
+                                          <p:val>
+                                            <p:strVal val="#ppt_x"/>
+                                          </p:val>
+                                        </p:tav>
+                                        <p:tav tm="100000">
+                                          <p:val>
+                                            <p:strVal val="#ppt_x"/>
+                                          </p:val>
+                                        </p:tav>
+                                      </p:tavLst>
+                                    </p:anim>
+                                    <p:anim calcmode="lin" valueType="num">
+                                      <p:cBhvr additive="base">
+                                        <p:cTn id="26" dur="500" fill="hold"/>
+                                        <p:tgtEl>
+                                          <p:spTgt spid="3">
+                                            <p:txEl>
+                                              <p:pRg st="3" end="3"/>
+                                            </p:txEl>
+                                          </p:spTgt>
+                                        </p:tgtEl>
+                                        <p:attrNameLst>
+                                          <p:attrName>ppt_y</p:attrName>
+                                        </p:attrNameLst>
+                                      </p:cBhvr>
+                                      <p:tavLst>
+                                        <p:tav tm="0">
+                                          <p:val>
+                                            <p:strVal val="1+#ppt_h/2"/>
+                                          </p:val>
+                                        </p:tav>
+                                        <p:tav tm="100000">
+                                          <p:val>
+                                            <p:strVal val="#ppt_y"/>
+                                          </p:val>
+                                        </p:tav>
+                                      </p:tavLst>
+                                    </p:anim>
+                                  </p:childTnLst>
+                                </p:cTn>
+                              </p:par>
+                            </p:childTnLst>
+                          </p:cTn>
+                        </p:par>
+                      </p:childTnLst>
+                    </p:cTn>
+                  </p:par>
+                  <p:par>
+                    <p:cTn id="27" fill="hold">
+                      <p:stCondLst>
+                        <p:cond delay="indefinite"/>
+                      </p:stCondLst>
+                      <p:childTnLst>
+                        <p:par>
+                          <p:cTn id="28" fill="hold">
+                            <p:stCondLst>
+                              <p:cond delay="0"/>
+                            </p:stCondLst>
+                            <p:childTnLst>
+                              <p:par>
+                                <p:cTn id="29" presetID="2" presetClass="entr" presetSubtype="4" fill="hold" nodeType="clickEffect">
+                                  <p:stCondLst>
+                                    <p:cond delay="0"/>
+                                  </p:stCondLst>
+                                  <p:childTnLst>
+                                    <p:set>
+                                      <p:cBhvr>
+                                        <p:cTn id="30" dur="1" fill="hold">
+                                          <p:stCondLst>
+                                            <p:cond delay="0"/>
+                                          </p:stCondLst>
+                                        </p:cTn>
+                                        <p:tgtEl>
+                                          <p:spTgt spid="3">
+                                            <p:txEl>
+                                              <p:pRg st="5" end="5"/>
+                                            </p:txEl>
+                                          </p:spTgt>
+                                        </p:tgtEl>
+                                        <p:attrNameLst>
+                                          <p:attrName>style.visibility</p:attrName>
+                                        </p:attrNameLst>
+                                      </p:cBhvr>
+                                      <p:to>
+                                        <p:strVal val="visible"/>
+                                      </p:to>
+                                    </p:set>
+                                    <p:anim calcmode="lin" valueType="num">
+                                      <p:cBhvr additive="base">
+                                        <p:cTn id="31" dur="500" fill="hold"/>
+                                        <p:tgtEl>
+                                          <p:spTgt spid="3">
+                                            <p:txEl>
+                                              <p:pRg st="5" end="5"/>
+                                            </p:txEl>
+                                          </p:spTgt>
+                                        </p:tgtEl>
+                                        <p:attrNameLst>
+                                          <p:attrName>ppt_x</p:attrName>
+                                        </p:attrNameLst>
+                                      </p:cBhvr>
+                                      <p:tavLst>
+                                        <p:tav tm="0">
+                                          <p:val>
+                                            <p:strVal val="#ppt_x"/>
+                                          </p:val>
+                                        </p:tav>
+                                        <p:tav tm="100000">
+                                          <p:val>
+                                            <p:strVal val="#ppt_x"/>
+                                          </p:val>
+                                        </p:tav>
+                                      </p:tavLst>
+                                    </p:anim>
+                                    <p:anim calcmode="lin" valueType="num">
+                                      <p:cBhvr additive="base">
+                                        <p:cTn id="32" dur="500" fill="hold"/>
+                                        <p:tgtEl>
+                                          <p:spTgt spid="3">
+                                            <p:txEl>
+                                              <p:pRg st="5" end="5"/>
+                                            </p:txEl>
+                                          </p:spTgt>
+                                        </p:tgtEl>
+                                        <p:attrNameLst>
+                                          <p:attrName>ppt_y</p:attrName>
+                                        </p:attrNameLst>
+                                      </p:cBhvr>
+                                      <p:tavLst>
+                                        <p:tav tm="0">
+                                          <p:val>
+                                            <p:strVal val="1+#ppt_h/2"/>
+                                          </p:val>
+                                        </p:tav>
+                                        <p:tav tm="100000">
+                                          <p:val>
+                                            <p:strVal val="#ppt_y"/>
+                                          </p:val>
+                                        </p:tav>
+                                      </p:tavLst>
+                                    </p:anim>
+                                  </p:childTnLst>
+                                </p:cTn>
+                              </p:par>
+                            </p:childTnLst>
+                          </p:cTn>
+                        </p:par>
+                      </p:childTnLst>
+                    </p:cTn>
+                  </p:par>
+                  <p:par>
+                    <p:cTn id="33" fill="hold">
+                      <p:stCondLst>
+                        <p:cond delay="indefinite"/>
+                      </p:stCondLst>
+                      <p:childTnLst>
+                        <p:par>
+                          <p:cTn id="34" fill="hold">
+                            <p:stCondLst>
+                              <p:cond delay="0"/>
+                            </p:stCondLst>
+                            <p:childTnLst>
+                              <p:par>
+                                <p:cTn id="35" presetID="2" presetClass="entr" presetSubtype="4" fill="hold" nodeType="clickEffect">
+                                  <p:stCondLst>
+                                    <p:cond delay="0"/>
+                                  </p:stCondLst>
+                                  <p:childTnLst>
+                                    <p:set>
+                                      <p:cBhvr>
+                                        <p:cTn id="36" dur="1" fill="hold">
+                                          <p:stCondLst>
+                                            <p:cond delay="0"/>
+                                          </p:stCondLst>
+                                        </p:cTn>
+                                        <p:tgtEl>
+                                          <p:spTgt spid="3">
+                                            <p:txEl>
+                                              <p:pRg st="4" end="4"/>
+                                            </p:txEl>
+                                          </p:spTgt>
+                                        </p:tgtEl>
+                                        <p:attrNameLst>
+                                          <p:attrName>style.visibility</p:attrName>
+                                        </p:attrNameLst>
+                                      </p:cBhvr>
+                                      <p:to>
+                                        <p:strVal val="visible"/>
+                                      </p:to>
+                                    </p:set>
+                                    <p:anim calcmode="lin" valueType="num">
+                                      <p:cBhvr additive="base">
+                                        <p:cTn id="37" dur="500" fill="hold"/>
+                                        <p:tgtEl>
+                                          <p:spTgt spid="3">
+                                            <p:txEl>
+                                              <p:pRg st="4" end="4"/>
+                                            </p:txEl>
+                                          </p:spTgt>
+                                        </p:tgtEl>
+                                        <p:attrNameLst>
+                                          <p:attrName>ppt_x</p:attrName>
+                                        </p:attrNameLst>
+                                      </p:cBhvr>
+                                      <p:tavLst>
+                                        <p:tav tm="0">
+                                          <p:val>
+                                            <p:strVal val="#ppt_x"/>
+                                          </p:val>
+                                        </p:tav>
+                                        <p:tav tm="100000">
+                                          <p:val>
+                                            <p:strVal val="#ppt_x"/>
+                                          </p:val>
+                                        </p:tav>
+                                      </p:tavLst>
+                                    </p:anim>
+                                    <p:anim calcmode="lin" valueType="num">
+                                      <p:cBhvr additive="base">
+                                        <p:cTn id="38" dur="500" fill="hold"/>
+                                        <p:tgtEl>
+                                          <p:spTgt spid="3">
+                                            <p:txEl>
+                                              <p:pRg st="4" end="4"/>
+                                            </p:txEl>
+                                          </p:spTgt>
                                         </p:tgtEl>
                                         <p:attrNameLst>
                                           <p:attrName>ppt_y</p:attrName>
@@ -7271,190 +7906,72 @@
         </p:nvSpPr>
         <p:spPr/>
         <p:txBody>
-          <a:bodyPr>
-            <a:normAutofit fontScale="90000"/>
-          </a:bodyPr>
+          <a:bodyPr/>
           <a:lstStyle/>
           <a:p>
             <a:r>
               <a:rPr lang="en-US" dirty="0" smtClean="0"/>
-              <a:t>Directive: require controller (</a:t>
-            </a:r>
-            <a:r>
-              <a:rPr lang="en-US" dirty="0" err="1" smtClean="0"/>
-              <a:t>cont</a:t>
-            </a:r>
-            <a:r>
-              <a:rPr lang="en-US" dirty="0" smtClean="0"/>
-              <a:t>)</a:t>
+              <a:t>C) Testing Data Service</a:t>
             </a:r>
             <a:endParaRPr lang="en-US" dirty="0"/>
           </a:p>
         </p:txBody>
       </p:sp>
-      <p:pic>
-        <p:nvPicPr>
-          <p:cNvPr id="6" name="Picture 5"/>
-          <p:cNvPicPr>
-            <a:picLocks noChangeAspect="1"/>
-          </p:cNvPicPr>
-          <p:nvPr/>
-        </p:nvPicPr>
-        <p:blipFill>
-          <a:blip r:embed="rId2"/>
-          <a:stretch>
-            <a:fillRect/>
-          </a:stretch>
-        </p:blipFill>
-        <p:spPr>
-          <a:xfrm>
-            <a:off x="1435608" y="1600200"/>
-            <a:ext cx="3829584" cy="3258005"/>
-          </a:xfrm>
-          <a:prstGeom prst="rect">
-            <a:avLst/>
-          </a:prstGeom>
-        </p:spPr>
-      </p:pic>
       <p:sp>
         <p:nvSpPr>
-          <p:cNvPr id="7" name="Rectangle 6"/>
-          <p:cNvSpPr/>
-          <p:nvPr/>
+          <p:cNvPr id="3" name="Content Placeholder 2"/>
+          <p:cNvSpPr>
+            <a:spLocks noGrp="1"/>
+          </p:cNvSpPr>
+          <p:nvPr>
+            <p:ph idx="1"/>
+          </p:nvPr>
         </p:nvSpPr>
-        <p:spPr>
-          <a:xfrm>
-            <a:off x="1435608" y="4953000"/>
-            <a:ext cx="7498080" cy="1752600"/>
-          </a:xfrm>
-          <a:prstGeom prst="rect">
-            <a:avLst/>
-          </a:prstGeom>
-        </p:spPr>
-        <p:style>
-          <a:lnRef idx="2">
-            <a:schemeClr val="accent1">
-              <a:shade val="50000"/>
-            </a:schemeClr>
-          </a:lnRef>
-          <a:fillRef idx="1">
-            <a:schemeClr val="accent1"/>
-          </a:fillRef>
-          <a:effectRef idx="0">
-            <a:schemeClr val="accent1"/>
-          </a:effectRef>
-          <a:fontRef idx="minor">
-            <a:schemeClr val="lt1"/>
-          </a:fontRef>
-        </p:style>
+        <p:spPr/>
         <p:txBody>
-          <a:bodyPr rtlCol="0" anchor="ctr"/>
+          <a:bodyPr/>
           <a:lstStyle/>
           <a:p>
             <a:r>
-              <a:rPr lang="en-US" sz="1600" dirty="0"/>
-              <a:t>- require: '</a:t>
-            </a:r>
-            <a:r>
-              <a:rPr lang="en-US" sz="1600" dirty="0" err="1"/>
-              <a:t>nameOfSiblingController</a:t>
-            </a:r>
-            <a:r>
-              <a:rPr lang="en-US" sz="1600" dirty="0"/>
-              <a:t>'</a:t>
-            </a:r>
-          </a:p>
-          <a:p>
-            <a:r>
-              <a:rPr lang="en-US" sz="1600" dirty="0"/>
-              <a:t>- require: '^</a:t>
-            </a:r>
-            <a:r>
-              <a:rPr lang="en-US" sz="1600" dirty="0" err="1"/>
-              <a:t>nameOfParentController</a:t>
-            </a:r>
-            <a:r>
-              <a:rPr lang="en-US" sz="1600" dirty="0"/>
-              <a:t>'</a:t>
-            </a:r>
-          </a:p>
-          <a:p>
-            <a:r>
-              <a:rPr lang="en-US" sz="1600" dirty="0"/>
-              <a:t>- require: ['</a:t>
-            </a:r>
-            <a:r>
-              <a:rPr lang="en-US" sz="1600" dirty="0" err="1"/>
-              <a:t>nameOfSiblingController</a:t>
-            </a:r>
-            <a:r>
-              <a:rPr lang="en-US" sz="1600" dirty="0"/>
-              <a:t>', '^</a:t>
-            </a:r>
-            <a:r>
-              <a:rPr lang="en-US" sz="1600" dirty="0" err="1"/>
-              <a:t>nameOfParentController</a:t>
-            </a:r>
-            <a:r>
-              <a:rPr lang="en-US" sz="1600" dirty="0"/>
-              <a:t>'] ==&gt; multiple controllers</a:t>
-            </a:r>
-          </a:p>
-          <a:p>
-            <a:r>
-              <a:rPr lang="en-US" sz="1600" dirty="0"/>
-              <a:t>- require: '?</a:t>
-            </a:r>
-            <a:r>
-              <a:rPr lang="en-US" sz="1600" dirty="0" err="1"/>
-              <a:t>nameOfController</a:t>
-            </a:r>
-            <a:r>
-              <a:rPr lang="en-US" sz="1600" dirty="0"/>
-              <a:t>' ==&gt; return null when can not find </a:t>
-            </a:r>
-            <a:r>
-              <a:rPr lang="en-US" sz="1600" dirty="0" err="1"/>
-              <a:t>nameOfController</a:t>
-            </a:r>
-            <a:r>
-              <a:rPr lang="en-US" sz="1600" dirty="0"/>
-              <a:t> instead of throw error.</a:t>
-            </a:r>
-          </a:p>
-          <a:p>
-            <a:r>
-              <a:rPr lang="en-US" sz="1600" dirty="0"/>
-              <a:t>- require: '</a:t>
-            </a:r>
-            <a:r>
-              <a:rPr lang="en-US" sz="1600" dirty="0" err="1"/>
-              <a:t>nameOfDirective</a:t>
-            </a:r>
-            <a:r>
-              <a:rPr lang="en-US" sz="1600" dirty="0"/>
-              <a:t>' ==&gt; Using when </a:t>
-            </a:r>
-            <a:r>
-              <a:rPr lang="en-US" sz="1600" dirty="0" err="1"/>
-              <a:t>nameOfDirective</a:t>
-            </a:r>
-            <a:r>
-              <a:rPr lang="en-US" sz="1600" dirty="0"/>
-              <a:t> use inner </a:t>
-            </a:r>
-            <a:r>
-              <a:rPr lang="en-US" sz="1600" dirty="0" smtClean="0"/>
-              <a:t>controller</a:t>
-            </a:r>
-            <a:endParaRPr lang="en-US" sz="1600" dirty="0"/>
+              <a:rPr lang="en-US" smtClean="0"/>
+              <a:t>Data service: data layer, process data APIs</a:t>
+            </a:r>
+            <a:endParaRPr lang="en-US" dirty="0" smtClean="0"/>
+          </a:p>
+          <a:p>
+            <a:r>
+              <a:rPr lang="en-US" smtClean="0"/>
+              <a:t>Using $httpBackend</a:t>
+            </a:r>
+          </a:p>
+          <a:p>
+            <a:r>
+              <a:rPr lang="en-US" smtClean="0"/>
+              <a:t>Sample expectGET, expectPUT, expectPOST</a:t>
+            </a:r>
+          </a:p>
+          <a:p>
+            <a:r>
+              <a:rPr lang="en-US" smtClean="0"/>
+              <a:t>Using $injector to call source data service</a:t>
+            </a:r>
+          </a:p>
+          <a:p>
+            <a:r>
+              <a:rPr lang="en-US" smtClean="0"/>
+              <a:t>Showing demo</a:t>
+            </a:r>
+            <a:endParaRPr lang="en-US" smtClean="0"/>
+          </a:p>
+          <a:p>
+            <a:endParaRPr lang="en-US" dirty="0"/>
           </a:p>
         </p:txBody>
       </p:sp>
     </p:spTree>
     <p:extLst>
       <p:ext uri="{BB962C8B-B14F-4D97-AF65-F5344CB8AC3E}">
-        <p14:creationId xmlns:p14="http://schemas.microsoft.com/office/powerpoint/2010/main" val="5624288"/>
+        <p14:creationId xmlns:p14="http://schemas.microsoft.com/office/powerpoint/2010/main" xmlns="" val="4212454249"/>
       </p:ext>
     </p:extLst>
   </p:cSld>
@@ -7495,7 +8012,11 @@
                                           </p:stCondLst>
                                         </p:cTn>
                                         <p:tgtEl>
-                                          <p:spTgt spid="6"/>
+                                          <p:spTgt spid="3">
+                                            <p:txEl>
+                                              <p:pRg st="0" end="0"/>
+                                            </p:txEl>
+                                          </p:spTgt>
                                         </p:tgtEl>
                                         <p:attrNameLst>
                                           <p:attrName>style.visibility</p:attrName>
@@ -7509,7 +8030,11 @@
                                       <p:cBhvr additive="base">
                                         <p:cTn id="7" dur="500" fill="hold"/>
                                         <p:tgtEl>
-                                          <p:spTgt spid="6"/>
+                                          <p:spTgt spid="3">
+                                            <p:txEl>
+                                              <p:pRg st="0" end="0"/>
+                                            </p:txEl>
+                                          </p:spTgt>
                                         </p:tgtEl>
                                         <p:attrNameLst>
                                           <p:attrName>ppt_x</p:attrName>
@@ -7532,7 +8057,11 @@
                                       <p:cBhvr additive="base">
                                         <p:cTn id="8" dur="500" fill="hold"/>
                                         <p:tgtEl>
-                                          <p:spTgt spid="6"/>
+                                          <p:spTgt spid="3">
+                                            <p:txEl>
+                                              <p:pRg st="0" end="0"/>
+                                            </p:txEl>
+                                          </p:spTgt>
                                         </p:tgtEl>
                                         <p:attrNameLst>
                                           <p:attrName>ppt_y</p:attrName>
@@ -7586,9 +8115,9 @@
                                           </p:stCondLst>
                                         </p:cTn>
                                         <p:tgtEl>
-                                          <p:spTgt spid="7">
-                                            <p:txEl>
-                                              <p:pRg st="0" end="0"/>
+                                          <p:spTgt spid="3">
+                                            <p:txEl>
+                                              <p:pRg st="1" end="1"/>
                                             </p:txEl>
                                           </p:spTgt>
                                         </p:tgtEl>
@@ -7604,9 +8133,9 @@
                                       <p:cBhvr additive="base">
                                         <p:cTn id="13" dur="500" fill="hold"/>
                                         <p:tgtEl>
-                                          <p:spTgt spid="7">
-                                            <p:txEl>
-                                              <p:pRg st="0" end="0"/>
+                                          <p:spTgt spid="3">
+                                            <p:txEl>
+                                              <p:pRg st="1" end="1"/>
                                             </p:txEl>
                                           </p:spTgt>
                                         </p:tgtEl>
@@ -7631,9 +8160,9 @@
                                       <p:cBhvr additive="base">
                                         <p:cTn id="14" dur="500" fill="hold"/>
                                         <p:tgtEl>
-                                          <p:spTgt spid="7">
-                                            <p:txEl>
-                                              <p:pRg st="0" end="0"/>
+                                          <p:spTgt spid="3">
+                                            <p:txEl>
+                                              <p:pRg st="1" end="1"/>
                                             </p:txEl>
                                           </p:spTgt>
                                         </p:tgtEl>
@@ -7689,9 +8218,9 @@
                                           </p:stCondLst>
                                         </p:cTn>
                                         <p:tgtEl>
-                                          <p:spTgt spid="7">
-                                            <p:txEl>
-                                              <p:pRg st="1" end="1"/>
+                                          <p:spTgt spid="3">
+                                            <p:txEl>
+                                              <p:pRg st="2" end="2"/>
                                             </p:txEl>
                                           </p:spTgt>
                                         </p:tgtEl>
@@ -7707,9 +8236,9 @@
                                       <p:cBhvr additive="base">
                                         <p:cTn id="19" dur="500" fill="hold"/>
                                         <p:tgtEl>
-                                          <p:spTgt spid="7">
-                                            <p:txEl>
-                                              <p:pRg st="1" end="1"/>
+                                          <p:spTgt spid="3">
+                                            <p:txEl>
+                                              <p:pRg st="2" end="2"/>
                                             </p:txEl>
                                           </p:spTgt>
                                         </p:tgtEl>
@@ -7734,9 +8263,9 @@
                                       <p:cBhvr additive="base">
                                         <p:cTn id="20" dur="500" fill="hold"/>
                                         <p:tgtEl>
-                                          <p:spTgt spid="7">
-                                            <p:txEl>
-                                              <p:pRg st="1" end="1"/>
+                                          <p:spTgt spid="3">
+                                            <p:txEl>
+                                              <p:pRg st="2" end="2"/>
                                             </p:txEl>
                                           </p:spTgt>
                                         </p:tgtEl>
@@ -7792,9 +8321,9 @@
                                           </p:stCondLst>
                                         </p:cTn>
                                         <p:tgtEl>
-                                          <p:spTgt spid="7">
-                                            <p:txEl>
-                                              <p:pRg st="2" end="2"/>
+                                          <p:spTgt spid="3">
+                                            <p:txEl>
+                                              <p:pRg st="3" end="3"/>
                                             </p:txEl>
                                           </p:spTgt>
                                         </p:tgtEl>
@@ -7810,9 +8339,9 @@
                                       <p:cBhvr additive="base">
                                         <p:cTn id="25" dur="500" fill="hold"/>
                                         <p:tgtEl>
-                                          <p:spTgt spid="7">
-                                            <p:txEl>
-                                              <p:pRg st="2" end="2"/>
+                                          <p:spTgt spid="3">
+                                            <p:txEl>
+                                              <p:pRg st="3" end="3"/>
                                             </p:txEl>
                                           </p:spTgt>
                                         </p:tgtEl>
@@ -7837,9 +8366,9 @@
                                       <p:cBhvr additive="base">
                                         <p:cTn id="26" dur="500" fill="hold"/>
                                         <p:tgtEl>
-                                          <p:spTgt spid="7">
-                                            <p:txEl>
-                                              <p:pRg st="2" end="2"/>
+                                          <p:spTgt spid="3">
+                                            <p:txEl>
+                                              <p:pRg st="3" end="3"/>
                                             </p:txEl>
                                           </p:spTgt>
                                         </p:tgtEl>
@@ -7895,9 +8424,9 @@
                                           </p:stCondLst>
                                         </p:cTn>
                                         <p:tgtEl>
-                                          <p:spTgt spid="7">
-                                            <p:txEl>
-                                              <p:pRg st="3" end="3"/>
+                                          <p:spTgt spid="3">
+                                            <p:txEl>
+                                              <p:pRg st="4" end="4"/>
                                             </p:txEl>
                                           </p:spTgt>
                                         </p:tgtEl>
@@ -7913,9 +8442,9 @@
                                       <p:cBhvr additive="base">
                                         <p:cTn id="31" dur="500" fill="hold"/>
                                         <p:tgtEl>
-                                          <p:spTgt spid="7">
-                                            <p:txEl>
-                                              <p:pRg st="3" end="3"/>
+                                          <p:spTgt spid="3">
+                                            <p:txEl>
+                                              <p:pRg st="4" end="4"/>
                                             </p:txEl>
                                           </p:spTgt>
                                         </p:tgtEl>
@@ -7940,110 +8469,7 @@
                                       <p:cBhvr additive="base">
                                         <p:cTn id="32" dur="500" fill="hold"/>
                                         <p:tgtEl>
-                                          <p:spTgt spid="7">
-                                            <p:txEl>
-                                              <p:pRg st="3" end="3"/>
-                                            </p:txEl>
-                                          </p:spTgt>
-                                        </p:tgtEl>
-                                        <p:attrNameLst>
-                                          <p:attrName>ppt_y</p:attrName>
-                                        </p:attrNameLst>
-                                      </p:cBhvr>
-                                      <p:tavLst>
-                                        <p:tav tm="0">
-                                          <p:val>
-                                            <p:strVal val="1+#ppt_h/2"/>
-                                          </p:val>
-                                        </p:tav>
-                                        <p:tav tm="100000">
-                                          <p:val>
-                                            <p:strVal val="#ppt_y"/>
-                                          </p:val>
-                                        </p:tav>
-                                      </p:tavLst>
-                                    </p:anim>
-                                  </p:childTnLst>
-                                </p:cTn>
-                              </p:par>
-                            </p:childTnLst>
-                          </p:cTn>
-                        </p:par>
-                      </p:childTnLst>
-                    </p:cTn>
-                  </p:par>
-                  <p:par>
-                    <p:cTn id="33" fill="hold">
-                      <p:stCondLst>
-                        <p:cond delay="indefinite"/>
-                      </p:stCondLst>
-                      <p:childTnLst>
-                        <p:par>
-                          <p:cTn id="34" fill="hold">
-                            <p:stCondLst>
-                              <p:cond delay="0"/>
-                            </p:stCondLst>
-                            <p:childTnLst>
-                              <p:par>
-                                <p:cTn id="35" presetID="2" presetClass="entr" presetSubtype="4" fill="hold" nodeType="clickEffect">
-                                  <p:stCondLst>
-                                    <p:cond delay="0"/>
-                                  </p:stCondLst>
-                                  <p:childTnLst>
-                                    <p:set>
-                                      <p:cBhvr>
-                                        <p:cTn id="36" dur="1" fill="hold">
-                                          <p:stCondLst>
-                                            <p:cond delay="0"/>
-                                          </p:stCondLst>
-                                        </p:cTn>
-                                        <p:tgtEl>
-                                          <p:spTgt spid="7">
-                                            <p:txEl>
-                                              <p:pRg st="4" end="4"/>
-                                            </p:txEl>
-                                          </p:spTgt>
-                                        </p:tgtEl>
-                                        <p:attrNameLst>
-                                          <p:attrName>style.visibility</p:attrName>
-                                        </p:attrNameLst>
-                                      </p:cBhvr>
-                                      <p:to>
-                                        <p:strVal val="visible"/>
-                                      </p:to>
-                                    </p:set>
-                                    <p:anim calcmode="lin" valueType="num">
-                                      <p:cBhvr additive="base">
-                                        <p:cTn id="37" dur="500" fill="hold"/>
-                                        <p:tgtEl>
-                                          <p:spTgt spid="7">
-                                            <p:txEl>
-                                              <p:pRg st="4" end="4"/>
-                                            </p:txEl>
-                                          </p:spTgt>
-                                        </p:tgtEl>
-                                        <p:attrNameLst>
-                                          <p:attrName>ppt_x</p:attrName>
-                                        </p:attrNameLst>
-                                      </p:cBhvr>
-                                      <p:tavLst>
-                                        <p:tav tm="0">
-                                          <p:val>
-                                            <p:strVal val="#ppt_x"/>
-                                          </p:val>
-                                        </p:tav>
-                                        <p:tav tm="100000">
-                                          <p:val>
-                                            <p:strVal val="#ppt_x"/>
-                                          </p:val>
-                                        </p:tav>
-                                      </p:tavLst>
-                                    </p:anim>
-                                    <p:anim calcmode="lin" valueType="num">
-                                      <p:cBhvr additive="base">
-                                        <p:cTn id="38" dur="500" fill="hold"/>
-                                        <p:tgtEl>
-                                          <p:spTgt spid="7">
+                                          <p:spTgt spid="3">
                                             <p:txEl>
                                               <p:pRg st="4" end="4"/>
                                             </p:txEl>
@@ -8159,14 +8585,12 @@
               <a:rPr lang="en-US" dirty="0" smtClean="0"/>
               <a:t>What is Unit Test?</a:t>
             </a:r>
-            <a:endParaRPr lang="en-US" dirty="0" smtClean="0"/>
           </a:p>
           <a:p>
             <a:r>
               <a:rPr lang="en-US" dirty="0" smtClean="0"/>
               <a:t>Getting started with Jasmine</a:t>
             </a:r>
-            <a:endParaRPr lang="en-US" dirty="0" smtClean="0"/>
           </a:p>
           <a:p>
             <a:r>
@@ -8180,14 +8604,12 @@
               <a:rPr lang="en-US" dirty="0" smtClean="0"/>
               <a:t>Specs</a:t>
             </a:r>
-            <a:endParaRPr lang="en-US" dirty="0" smtClean="0"/>
           </a:p>
           <a:p>
             <a:r>
               <a:rPr lang="en-US" dirty="0" smtClean="0"/>
               <a:t>Grouping related specs</a:t>
             </a:r>
-            <a:endParaRPr lang="en-US" dirty="0" smtClean="0"/>
           </a:p>
           <a:p>
             <a:r>
@@ -8997,43 +9419,63 @@
           <a:lstStyle/>
           <a:p>
             <a:r>
+              <a:rPr lang="en-US" dirty="0"/>
+              <a:t>D</a:t>
+            </a:r>
+            <a:r>
               <a:rPr lang="en-US" dirty="0" smtClean="0"/>
-              <a:t>Directive interfaces</a:t>
+              <a:t>) Testing Service</a:t>
             </a:r>
             <a:endParaRPr lang="en-US" dirty="0"/>
           </a:p>
         </p:txBody>
       </p:sp>
-      <p:pic>
-        <p:nvPicPr>
-          <p:cNvPr id="4" name="Content Placeholder 3"/>
-          <p:cNvPicPr>
-            <a:picLocks noGrp="1" noChangeAspect="1"/>
-          </p:cNvPicPr>
+      <p:sp>
+        <p:nvSpPr>
+          <p:cNvPr id="3" name="Content Placeholder 2"/>
+          <p:cNvSpPr>
+            <a:spLocks noGrp="1"/>
+          </p:cNvSpPr>
           <p:nvPr>
             <p:ph idx="1"/>
           </p:nvPr>
-        </p:nvPicPr>
-        <p:blipFill>
-          <a:blip r:embed="rId2"/>
-          <a:stretch>
-            <a:fillRect/>
-          </a:stretch>
-        </p:blipFill>
-        <p:spPr>
-          <a:xfrm>
-            <a:off x="2837156" y="2214766"/>
-            <a:ext cx="4695238" cy="3266667"/>
-          </a:xfrm>
-          <a:prstGeom prst="rect">
-            <a:avLst/>
-          </a:prstGeom>
-        </p:spPr>
-      </p:pic>
+        </p:nvSpPr>
+        <p:spPr/>
+        <p:txBody>
+          <a:bodyPr/>
+          <a:lstStyle/>
+          <a:p>
+            <a:r>
+              <a:rPr lang="en-US" smtClean="0"/>
+              <a:t>Service:  process logical, don’t relate to calling data APIs</a:t>
+            </a:r>
+            <a:endParaRPr lang="en-US" dirty="0" smtClean="0"/>
+          </a:p>
+          <a:p>
+            <a:r>
+              <a:rPr lang="en-US" smtClean="0"/>
+              <a:t>Injecting source service for each test case</a:t>
+            </a:r>
+          </a:p>
+          <a:p>
+            <a:r>
+              <a:rPr lang="en-US" smtClean="0"/>
+              <a:t>Using $provide.value for injected libraries</a:t>
+            </a:r>
+          </a:p>
+          <a:p>
+            <a:r>
+              <a:rPr lang="en-US" smtClean="0"/>
+              <a:t>Showing demo</a:t>
+            </a:r>
+            <a:endParaRPr lang="en-US" dirty="0"/>
+          </a:p>
+        </p:txBody>
+      </p:sp>
     </p:spTree>
     <p:extLst>
       <p:ext uri="{BB962C8B-B14F-4D97-AF65-F5344CB8AC3E}">
-        <p14:creationId xmlns:p14="http://schemas.microsoft.com/office/powerpoint/2010/main" val="4173059709"/>
+        <p14:creationId xmlns:p14="http://schemas.microsoft.com/office/powerpoint/2010/main" xmlns="" val="4095295657"/>
       </p:ext>
     </p:extLst>
   </p:cSld>
@@ -9074,7 +9516,11 @@
                                           </p:stCondLst>
                                         </p:cTn>
                                         <p:tgtEl>
-                                          <p:spTgt spid="4"/>
+                                          <p:spTgt spid="3">
+                                            <p:txEl>
+                                              <p:pRg st="0" end="0"/>
+                                            </p:txEl>
+                                          </p:spTgt>
                                         </p:tgtEl>
                                         <p:attrNameLst>
                                           <p:attrName>style.visibility</p:attrName>
@@ -9088,7 +9534,11 @@
                                       <p:cBhvr additive="base">
                                         <p:cTn id="7" dur="500" fill="hold"/>
                                         <p:tgtEl>
-                                          <p:spTgt spid="4"/>
+                                          <p:spTgt spid="3">
+                                            <p:txEl>
+                                              <p:pRg st="0" end="0"/>
+                                            </p:txEl>
+                                          </p:spTgt>
                                         </p:tgtEl>
                                         <p:attrNameLst>
                                           <p:attrName>ppt_x</p:attrName>
@@ -9111,7 +9561,320 @@
                                       <p:cBhvr additive="base">
                                         <p:cTn id="8" dur="500" fill="hold"/>
                                         <p:tgtEl>
-                                          <p:spTgt spid="4"/>
+                                          <p:spTgt spid="3">
+                                            <p:txEl>
+                                              <p:pRg st="0" end="0"/>
+                                            </p:txEl>
+                                          </p:spTgt>
+                                        </p:tgtEl>
+                                        <p:attrNameLst>
+                                          <p:attrName>ppt_y</p:attrName>
+                                        </p:attrNameLst>
+                                      </p:cBhvr>
+                                      <p:tavLst>
+                                        <p:tav tm="0">
+                                          <p:val>
+                                            <p:strVal val="1+#ppt_h/2"/>
+                                          </p:val>
+                                        </p:tav>
+                                        <p:tav tm="100000">
+                                          <p:val>
+                                            <p:strVal val="#ppt_y"/>
+                                          </p:val>
+                                        </p:tav>
+                                      </p:tavLst>
+                                    </p:anim>
+                                  </p:childTnLst>
+                                </p:cTn>
+                              </p:par>
+                            </p:childTnLst>
+                          </p:cTn>
+                        </p:par>
+                      </p:childTnLst>
+                    </p:cTn>
+                  </p:par>
+                  <p:par>
+                    <p:cTn id="9" fill="hold">
+                      <p:stCondLst>
+                        <p:cond delay="indefinite"/>
+                      </p:stCondLst>
+                      <p:childTnLst>
+                        <p:par>
+                          <p:cTn id="10" fill="hold">
+                            <p:stCondLst>
+                              <p:cond delay="0"/>
+                            </p:stCondLst>
+                            <p:childTnLst>
+                              <p:par>
+                                <p:cTn id="11" presetID="2" presetClass="entr" presetSubtype="4" fill="hold" nodeType="clickEffect">
+                                  <p:stCondLst>
+                                    <p:cond delay="0"/>
+                                  </p:stCondLst>
+                                  <p:childTnLst>
+                                    <p:set>
+                                      <p:cBhvr>
+                                        <p:cTn id="12" dur="1" fill="hold">
+                                          <p:stCondLst>
+                                            <p:cond delay="0"/>
+                                          </p:stCondLst>
+                                        </p:cTn>
+                                        <p:tgtEl>
+                                          <p:spTgt spid="3">
+                                            <p:txEl>
+                                              <p:pRg st="1" end="1"/>
+                                            </p:txEl>
+                                          </p:spTgt>
+                                        </p:tgtEl>
+                                        <p:attrNameLst>
+                                          <p:attrName>style.visibility</p:attrName>
+                                        </p:attrNameLst>
+                                      </p:cBhvr>
+                                      <p:to>
+                                        <p:strVal val="visible"/>
+                                      </p:to>
+                                    </p:set>
+                                    <p:anim calcmode="lin" valueType="num">
+                                      <p:cBhvr additive="base">
+                                        <p:cTn id="13" dur="500" fill="hold"/>
+                                        <p:tgtEl>
+                                          <p:spTgt spid="3">
+                                            <p:txEl>
+                                              <p:pRg st="1" end="1"/>
+                                            </p:txEl>
+                                          </p:spTgt>
+                                        </p:tgtEl>
+                                        <p:attrNameLst>
+                                          <p:attrName>ppt_x</p:attrName>
+                                        </p:attrNameLst>
+                                      </p:cBhvr>
+                                      <p:tavLst>
+                                        <p:tav tm="0">
+                                          <p:val>
+                                            <p:strVal val="#ppt_x"/>
+                                          </p:val>
+                                        </p:tav>
+                                        <p:tav tm="100000">
+                                          <p:val>
+                                            <p:strVal val="#ppt_x"/>
+                                          </p:val>
+                                        </p:tav>
+                                      </p:tavLst>
+                                    </p:anim>
+                                    <p:anim calcmode="lin" valueType="num">
+                                      <p:cBhvr additive="base">
+                                        <p:cTn id="14" dur="500" fill="hold"/>
+                                        <p:tgtEl>
+                                          <p:spTgt spid="3">
+                                            <p:txEl>
+                                              <p:pRg st="1" end="1"/>
+                                            </p:txEl>
+                                          </p:spTgt>
+                                        </p:tgtEl>
+                                        <p:attrNameLst>
+                                          <p:attrName>ppt_y</p:attrName>
+                                        </p:attrNameLst>
+                                      </p:cBhvr>
+                                      <p:tavLst>
+                                        <p:tav tm="0">
+                                          <p:val>
+                                            <p:strVal val="1+#ppt_h/2"/>
+                                          </p:val>
+                                        </p:tav>
+                                        <p:tav tm="100000">
+                                          <p:val>
+                                            <p:strVal val="#ppt_y"/>
+                                          </p:val>
+                                        </p:tav>
+                                      </p:tavLst>
+                                    </p:anim>
+                                  </p:childTnLst>
+                                </p:cTn>
+                              </p:par>
+                            </p:childTnLst>
+                          </p:cTn>
+                        </p:par>
+                      </p:childTnLst>
+                    </p:cTn>
+                  </p:par>
+                  <p:par>
+                    <p:cTn id="15" fill="hold">
+                      <p:stCondLst>
+                        <p:cond delay="indefinite"/>
+                      </p:stCondLst>
+                      <p:childTnLst>
+                        <p:par>
+                          <p:cTn id="16" fill="hold">
+                            <p:stCondLst>
+                              <p:cond delay="0"/>
+                            </p:stCondLst>
+                            <p:childTnLst>
+                              <p:par>
+                                <p:cTn id="17" presetID="2" presetClass="entr" presetSubtype="4" fill="hold" nodeType="clickEffect">
+                                  <p:stCondLst>
+                                    <p:cond delay="0"/>
+                                  </p:stCondLst>
+                                  <p:childTnLst>
+                                    <p:set>
+                                      <p:cBhvr>
+                                        <p:cTn id="18" dur="1" fill="hold">
+                                          <p:stCondLst>
+                                            <p:cond delay="0"/>
+                                          </p:stCondLst>
+                                        </p:cTn>
+                                        <p:tgtEl>
+                                          <p:spTgt spid="3">
+                                            <p:txEl>
+                                              <p:pRg st="2" end="2"/>
+                                            </p:txEl>
+                                          </p:spTgt>
+                                        </p:tgtEl>
+                                        <p:attrNameLst>
+                                          <p:attrName>style.visibility</p:attrName>
+                                        </p:attrNameLst>
+                                      </p:cBhvr>
+                                      <p:to>
+                                        <p:strVal val="visible"/>
+                                      </p:to>
+                                    </p:set>
+                                    <p:anim calcmode="lin" valueType="num">
+                                      <p:cBhvr additive="base">
+                                        <p:cTn id="19" dur="500" fill="hold"/>
+                                        <p:tgtEl>
+                                          <p:spTgt spid="3">
+                                            <p:txEl>
+                                              <p:pRg st="2" end="2"/>
+                                            </p:txEl>
+                                          </p:spTgt>
+                                        </p:tgtEl>
+                                        <p:attrNameLst>
+                                          <p:attrName>ppt_x</p:attrName>
+                                        </p:attrNameLst>
+                                      </p:cBhvr>
+                                      <p:tavLst>
+                                        <p:tav tm="0">
+                                          <p:val>
+                                            <p:strVal val="#ppt_x"/>
+                                          </p:val>
+                                        </p:tav>
+                                        <p:tav tm="100000">
+                                          <p:val>
+                                            <p:strVal val="#ppt_x"/>
+                                          </p:val>
+                                        </p:tav>
+                                      </p:tavLst>
+                                    </p:anim>
+                                    <p:anim calcmode="lin" valueType="num">
+                                      <p:cBhvr additive="base">
+                                        <p:cTn id="20" dur="500" fill="hold"/>
+                                        <p:tgtEl>
+                                          <p:spTgt spid="3">
+                                            <p:txEl>
+                                              <p:pRg st="2" end="2"/>
+                                            </p:txEl>
+                                          </p:spTgt>
+                                        </p:tgtEl>
+                                        <p:attrNameLst>
+                                          <p:attrName>ppt_y</p:attrName>
+                                        </p:attrNameLst>
+                                      </p:cBhvr>
+                                      <p:tavLst>
+                                        <p:tav tm="0">
+                                          <p:val>
+                                            <p:strVal val="1+#ppt_h/2"/>
+                                          </p:val>
+                                        </p:tav>
+                                        <p:tav tm="100000">
+                                          <p:val>
+                                            <p:strVal val="#ppt_y"/>
+                                          </p:val>
+                                        </p:tav>
+                                      </p:tavLst>
+                                    </p:anim>
+                                  </p:childTnLst>
+                                </p:cTn>
+                              </p:par>
+                            </p:childTnLst>
+                          </p:cTn>
+                        </p:par>
+                      </p:childTnLst>
+                    </p:cTn>
+                  </p:par>
+                  <p:par>
+                    <p:cTn id="21" fill="hold">
+                      <p:stCondLst>
+                        <p:cond delay="indefinite"/>
+                      </p:stCondLst>
+                      <p:childTnLst>
+                        <p:par>
+                          <p:cTn id="22" fill="hold">
+                            <p:stCondLst>
+                              <p:cond delay="0"/>
+                            </p:stCondLst>
+                            <p:childTnLst>
+                              <p:par>
+                                <p:cTn id="23" presetID="2" presetClass="entr" presetSubtype="4" fill="hold" nodeType="clickEffect">
+                                  <p:stCondLst>
+                                    <p:cond delay="0"/>
+                                  </p:stCondLst>
+                                  <p:childTnLst>
+                                    <p:set>
+                                      <p:cBhvr>
+                                        <p:cTn id="24" dur="1" fill="hold">
+                                          <p:stCondLst>
+                                            <p:cond delay="0"/>
+                                          </p:stCondLst>
+                                        </p:cTn>
+                                        <p:tgtEl>
+                                          <p:spTgt spid="3">
+                                            <p:txEl>
+                                              <p:pRg st="3" end="3"/>
+                                            </p:txEl>
+                                          </p:spTgt>
+                                        </p:tgtEl>
+                                        <p:attrNameLst>
+                                          <p:attrName>style.visibility</p:attrName>
+                                        </p:attrNameLst>
+                                      </p:cBhvr>
+                                      <p:to>
+                                        <p:strVal val="visible"/>
+                                      </p:to>
+                                    </p:set>
+                                    <p:anim calcmode="lin" valueType="num">
+                                      <p:cBhvr additive="base">
+                                        <p:cTn id="25" dur="500" fill="hold"/>
+                                        <p:tgtEl>
+                                          <p:spTgt spid="3">
+                                            <p:txEl>
+                                              <p:pRg st="3" end="3"/>
+                                            </p:txEl>
+                                          </p:spTgt>
+                                        </p:tgtEl>
+                                        <p:attrNameLst>
+                                          <p:attrName>ppt_x</p:attrName>
+                                        </p:attrNameLst>
+                                      </p:cBhvr>
+                                      <p:tavLst>
+                                        <p:tav tm="0">
+                                          <p:val>
+                                            <p:strVal val="#ppt_x"/>
+                                          </p:val>
+                                        </p:tav>
+                                        <p:tav tm="100000">
+                                          <p:val>
+                                            <p:strVal val="#ppt_x"/>
+                                          </p:val>
+                                        </p:tav>
+                                      </p:tavLst>
+                                    </p:anim>
+                                    <p:anim calcmode="lin" valueType="num">
+                                      <p:cBhvr additive="base">
+                                        <p:cTn id="26" dur="500" fill="hold"/>
+                                        <p:tgtEl>
+                                          <p:spTgt spid="3">
+                                            <p:txEl>
+                                              <p:pRg st="3" end="3"/>
+                                            </p:txEl>
+                                          </p:spTgt>
                                         </p:tgtEl>
                                         <p:attrNameLst>
                                           <p:attrName>ppt_y</p:attrName>
@@ -9198,7 +9961,7 @@
           <a:p>
             <a:r>
               <a:rPr lang="en-US" dirty="0" smtClean="0"/>
-              <a:t>Directive interfaces (demo)</a:t>
+              <a:t>E) Testing Controller</a:t>
             </a:r>
             <a:endParaRPr lang="en-US" dirty="0"/>
           </a:p>
@@ -9220,15 +9983,31 @@
           <a:lstStyle/>
           <a:p>
             <a:r>
-              <a:rPr lang="en-US" dirty="0" smtClean="0"/>
-              <a:t>Parent directive </a:t>
-            </a:r>
-            <a:r>
-              <a:rPr lang="en-US" dirty="0" smtClean="0">
-                <a:sym typeface="Wingdings" panose="05000000000000000000" pitchFamily="2" charset="2"/>
-              </a:rPr>
-              <a:t>  Child directive</a:t>
-            </a:r>
+              <a:rPr lang="en-US" smtClean="0"/>
+              <a:t>Creating controller instance by using $controller</a:t>
+            </a:r>
+            <a:endParaRPr lang="en-US" dirty="0" smtClean="0"/>
+          </a:p>
+          <a:p>
+            <a:r>
+              <a:rPr lang="en-US" smtClean="0"/>
+              <a:t>Using $rootScope to access to rootScope OR create scope instance</a:t>
+            </a:r>
+          </a:p>
+          <a:p>
+            <a:r>
+              <a:rPr lang="en-US" smtClean="0"/>
+              <a:t>Testing all properties are defined and valid</a:t>
+            </a:r>
+          </a:p>
+          <a:p>
+            <a:r>
+              <a:rPr lang="en-US" smtClean="0"/>
+              <a:t>Showing demo</a:t>
+            </a:r>
+            <a:endParaRPr lang="en-US" smtClean="0"/>
+          </a:p>
+          <a:p>
             <a:endParaRPr lang="en-US" dirty="0"/>
           </a:p>
         </p:txBody>
@@ -9236,7 +10015,7 @@
     </p:spTree>
     <p:extLst>
       <p:ext uri="{BB962C8B-B14F-4D97-AF65-F5344CB8AC3E}">
-        <p14:creationId xmlns:p14="http://schemas.microsoft.com/office/powerpoint/2010/main" val="42356175"/>
+        <p14:creationId xmlns:p14="http://schemas.microsoft.com/office/powerpoint/2010/main" xmlns="" val="1232117402"/>
       </p:ext>
     </p:extLst>
   </p:cSld>
@@ -9325,6 +10104,315 @@
                                           <p:spTgt spid="3">
                                             <p:txEl>
                                               <p:pRg st="0" end="0"/>
+                                            </p:txEl>
+                                          </p:spTgt>
+                                        </p:tgtEl>
+                                        <p:attrNameLst>
+                                          <p:attrName>ppt_y</p:attrName>
+                                        </p:attrNameLst>
+                                      </p:cBhvr>
+                                      <p:tavLst>
+                                        <p:tav tm="0">
+                                          <p:val>
+                                            <p:strVal val="1+#ppt_h/2"/>
+                                          </p:val>
+                                        </p:tav>
+                                        <p:tav tm="100000">
+                                          <p:val>
+                                            <p:strVal val="#ppt_y"/>
+                                          </p:val>
+                                        </p:tav>
+                                      </p:tavLst>
+                                    </p:anim>
+                                  </p:childTnLst>
+                                </p:cTn>
+                              </p:par>
+                            </p:childTnLst>
+                          </p:cTn>
+                        </p:par>
+                      </p:childTnLst>
+                    </p:cTn>
+                  </p:par>
+                  <p:par>
+                    <p:cTn id="9" fill="hold">
+                      <p:stCondLst>
+                        <p:cond delay="indefinite"/>
+                      </p:stCondLst>
+                      <p:childTnLst>
+                        <p:par>
+                          <p:cTn id="10" fill="hold">
+                            <p:stCondLst>
+                              <p:cond delay="0"/>
+                            </p:stCondLst>
+                            <p:childTnLst>
+                              <p:par>
+                                <p:cTn id="11" presetID="2" presetClass="entr" presetSubtype="4" fill="hold" nodeType="clickEffect">
+                                  <p:stCondLst>
+                                    <p:cond delay="0"/>
+                                  </p:stCondLst>
+                                  <p:childTnLst>
+                                    <p:set>
+                                      <p:cBhvr>
+                                        <p:cTn id="12" dur="1" fill="hold">
+                                          <p:stCondLst>
+                                            <p:cond delay="0"/>
+                                          </p:stCondLst>
+                                        </p:cTn>
+                                        <p:tgtEl>
+                                          <p:spTgt spid="3">
+                                            <p:txEl>
+                                              <p:pRg st="1" end="1"/>
+                                            </p:txEl>
+                                          </p:spTgt>
+                                        </p:tgtEl>
+                                        <p:attrNameLst>
+                                          <p:attrName>style.visibility</p:attrName>
+                                        </p:attrNameLst>
+                                      </p:cBhvr>
+                                      <p:to>
+                                        <p:strVal val="visible"/>
+                                      </p:to>
+                                    </p:set>
+                                    <p:anim calcmode="lin" valueType="num">
+                                      <p:cBhvr additive="base">
+                                        <p:cTn id="13" dur="500" fill="hold"/>
+                                        <p:tgtEl>
+                                          <p:spTgt spid="3">
+                                            <p:txEl>
+                                              <p:pRg st="1" end="1"/>
+                                            </p:txEl>
+                                          </p:spTgt>
+                                        </p:tgtEl>
+                                        <p:attrNameLst>
+                                          <p:attrName>ppt_x</p:attrName>
+                                        </p:attrNameLst>
+                                      </p:cBhvr>
+                                      <p:tavLst>
+                                        <p:tav tm="0">
+                                          <p:val>
+                                            <p:strVal val="#ppt_x"/>
+                                          </p:val>
+                                        </p:tav>
+                                        <p:tav tm="100000">
+                                          <p:val>
+                                            <p:strVal val="#ppt_x"/>
+                                          </p:val>
+                                        </p:tav>
+                                      </p:tavLst>
+                                    </p:anim>
+                                    <p:anim calcmode="lin" valueType="num">
+                                      <p:cBhvr additive="base">
+                                        <p:cTn id="14" dur="500" fill="hold"/>
+                                        <p:tgtEl>
+                                          <p:spTgt spid="3">
+                                            <p:txEl>
+                                              <p:pRg st="1" end="1"/>
+                                            </p:txEl>
+                                          </p:spTgt>
+                                        </p:tgtEl>
+                                        <p:attrNameLst>
+                                          <p:attrName>ppt_y</p:attrName>
+                                        </p:attrNameLst>
+                                      </p:cBhvr>
+                                      <p:tavLst>
+                                        <p:tav tm="0">
+                                          <p:val>
+                                            <p:strVal val="1+#ppt_h/2"/>
+                                          </p:val>
+                                        </p:tav>
+                                        <p:tav tm="100000">
+                                          <p:val>
+                                            <p:strVal val="#ppt_y"/>
+                                          </p:val>
+                                        </p:tav>
+                                      </p:tavLst>
+                                    </p:anim>
+                                  </p:childTnLst>
+                                </p:cTn>
+                              </p:par>
+                            </p:childTnLst>
+                          </p:cTn>
+                        </p:par>
+                      </p:childTnLst>
+                    </p:cTn>
+                  </p:par>
+                  <p:par>
+                    <p:cTn id="15" fill="hold">
+                      <p:stCondLst>
+                        <p:cond delay="indefinite"/>
+                      </p:stCondLst>
+                      <p:childTnLst>
+                        <p:par>
+                          <p:cTn id="16" fill="hold">
+                            <p:stCondLst>
+                              <p:cond delay="0"/>
+                            </p:stCondLst>
+                            <p:childTnLst>
+                              <p:par>
+                                <p:cTn id="17" presetID="2" presetClass="entr" presetSubtype="4" fill="hold" nodeType="clickEffect">
+                                  <p:stCondLst>
+                                    <p:cond delay="0"/>
+                                  </p:stCondLst>
+                                  <p:childTnLst>
+                                    <p:set>
+                                      <p:cBhvr>
+                                        <p:cTn id="18" dur="1" fill="hold">
+                                          <p:stCondLst>
+                                            <p:cond delay="0"/>
+                                          </p:stCondLst>
+                                        </p:cTn>
+                                        <p:tgtEl>
+                                          <p:spTgt spid="3">
+                                            <p:txEl>
+                                              <p:pRg st="2" end="2"/>
+                                            </p:txEl>
+                                          </p:spTgt>
+                                        </p:tgtEl>
+                                        <p:attrNameLst>
+                                          <p:attrName>style.visibility</p:attrName>
+                                        </p:attrNameLst>
+                                      </p:cBhvr>
+                                      <p:to>
+                                        <p:strVal val="visible"/>
+                                      </p:to>
+                                    </p:set>
+                                    <p:anim calcmode="lin" valueType="num">
+                                      <p:cBhvr additive="base">
+                                        <p:cTn id="19" dur="500" fill="hold"/>
+                                        <p:tgtEl>
+                                          <p:spTgt spid="3">
+                                            <p:txEl>
+                                              <p:pRg st="2" end="2"/>
+                                            </p:txEl>
+                                          </p:spTgt>
+                                        </p:tgtEl>
+                                        <p:attrNameLst>
+                                          <p:attrName>ppt_x</p:attrName>
+                                        </p:attrNameLst>
+                                      </p:cBhvr>
+                                      <p:tavLst>
+                                        <p:tav tm="0">
+                                          <p:val>
+                                            <p:strVal val="#ppt_x"/>
+                                          </p:val>
+                                        </p:tav>
+                                        <p:tav tm="100000">
+                                          <p:val>
+                                            <p:strVal val="#ppt_x"/>
+                                          </p:val>
+                                        </p:tav>
+                                      </p:tavLst>
+                                    </p:anim>
+                                    <p:anim calcmode="lin" valueType="num">
+                                      <p:cBhvr additive="base">
+                                        <p:cTn id="20" dur="500" fill="hold"/>
+                                        <p:tgtEl>
+                                          <p:spTgt spid="3">
+                                            <p:txEl>
+                                              <p:pRg st="2" end="2"/>
+                                            </p:txEl>
+                                          </p:spTgt>
+                                        </p:tgtEl>
+                                        <p:attrNameLst>
+                                          <p:attrName>ppt_y</p:attrName>
+                                        </p:attrNameLst>
+                                      </p:cBhvr>
+                                      <p:tavLst>
+                                        <p:tav tm="0">
+                                          <p:val>
+                                            <p:strVal val="1+#ppt_h/2"/>
+                                          </p:val>
+                                        </p:tav>
+                                        <p:tav tm="100000">
+                                          <p:val>
+                                            <p:strVal val="#ppt_y"/>
+                                          </p:val>
+                                        </p:tav>
+                                      </p:tavLst>
+                                    </p:anim>
+                                  </p:childTnLst>
+                                </p:cTn>
+                              </p:par>
+                            </p:childTnLst>
+                          </p:cTn>
+                        </p:par>
+                      </p:childTnLst>
+                    </p:cTn>
+                  </p:par>
+                  <p:par>
+                    <p:cTn id="21" fill="hold">
+                      <p:stCondLst>
+                        <p:cond delay="indefinite"/>
+                      </p:stCondLst>
+                      <p:childTnLst>
+                        <p:par>
+                          <p:cTn id="22" fill="hold">
+                            <p:stCondLst>
+                              <p:cond delay="0"/>
+                            </p:stCondLst>
+                            <p:childTnLst>
+                              <p:par>
+                                <p:cTn id="23" presetID="2" presetClass="entr" presetSubtype="4" fill="hold" nodeType="clickEffect">
+                                  <p:stCondLst>
+                                    <p:cond delay="0"/>
+                                  </p:stCondLst>
+                                  <p:childTnLst>
+                                    <p:set>
+                                      <p:cBhvr>
+                                        <p:cTn id="24" dur="1" fill="hold">
+                                          <p:stCondLst>
+                                            <p:cond delay="0"/>
+                                          </p:stCondLst>
+                                        </p:cTn>
+                                        <p:tgtEl>
+                                          <p:spTgt spid="3">
+                                            <p:txEl>
+                                              <p:pRg st="3" end="3"/>
+                                            </p:txEl>
+                                          </p:spTgt>
+                                        </p:tgtEl>
+                                        <p:attrNameLst>
+                                          <p:attrName>style.visibility</p:attrName>
+                                        </p:attrNameLst>
+                                      </p:cBhvr>
+                                      <p:to>
+                                        <p:strVal val="visible"/>
+                                      </p:to>
+                                    </p:set>
+                                    <p:anim calcmode="lin" valueType="num">
+                                      <p:cBhvr additive="base">
+                                        <p:cTn id="25" dur="500" fill="hold"/>
+                                        <p:tgtEl>
+                                          <p:spTgt spid="3">
+                                            <p:txEl>
+                                              <p:pRg st="3" end="3"/>
+                                            </p:txEl>
+                                          </p:spTgt>
+                                        </p:tgtEl>
+                                        <p:attrNameLst>
+                                          <p:attrName>ppt_x</p:attrName>
+                                        </p:attrNameLst>
+                                      </p:cBhvr>
+                                      <p:tavLst>
+                                        <p:tav tm="0">
+                                          <p:val>
+                                            <p:strVal val="#ppt_x"/>
+                                          </p:val>
+                                        </p:tav>
+                                        <p:tav tm="100000">
+                                          <p:val>
+                                            <p:strVal val="#ppt_x"/>
+                                          </p:val>
+                                        </p:tav>
+                                      </p:tavLst>
+                                    </p:anim>
+                                    <p:anim calcmode="lin" valueType="num">
+                                      <p:cBhvr additive="base">
+                                        <p:cTn id="26" dur="500" fill="hold"/>
+                                        <p:tgtEl>
+                                          <p:spTgt spid="3">
+                                            <p:txEl>
+                                              <p:pRg st="3" end="3"/>
                                             </p:txEl>
                                           </p:spTgt>
                                         </p:tgtEl>
@@ -9413,42 +10501,45 @@
           <a:p>
             <a:r>
               <a:rPr lang="en-US" dirty="0" smtClean="0"/>
-              <a:t>Directive: avoiding FOUC</a:t>
+              <a:t>F) Testing Directive</a:t>
             </a:r>
             <a:endParaRPr lang="en-US" dirty="0"/>
           </a:p>
         </p:txBody>
       </p:sp>
-      <p:pic>
-        <p:nvPicPr>
-          <p:cNvPr id="4" name="Content Placeholder 3"/>
-          <p:cNvPicPr>
-            <a:picLocks noGrp="1" noChangeAspect="1"/>
-          </p:cNvPicPr>
+      <p:sp>
+        <p:nvSpPr>
+          <p:cNvPr id="3" name="Content Placeholder 2"/>
+          <p:cNvSpPr>
+            <a:spLocks noGrp="1"/>
+          </p:cNvSpPr>
           <p:nvPr>
             <p:ph idx="1"/>
           </p:nvPr>
-        </p:nvPicPr>
-        <p:blipFill>
-          <a:blip r:embed="rId2"/>
-          <a:stretch>
-            <a:fillRect/>
-          </a:stretch>
-        </p:blipFill>
-        <p:spPr>
-          <a:xfrm>
-            <a:off x="3832394" y="2224290"/>
-            <a:ext cx="2704762" cy="3247619"/>
-          </a:xfrm>
-          <a:prstGeom prst="rect">
-            <a:avLst/>
-          </a:prstGeom>
-        </p:spPr>
-      </p:pic>
+        </p:nvSpPr>
+        <p:spPr/>
+        <p:txBody>
+          <a:bodyPr/>
+          <a:lstStyle/>
+          <a:p>
+            <a:r>
+              <a:rPr lang="en-US" dirty="0" smtClean="0"/>
+              <a:t>Run webpage</a:t>
+            </a:r>
+          </a:p>
+          <a:p>
+            <a:r>
+              <a:rPr lang="en-US" dirty="0" smtClean="0"/>
+              <a:t>Description and Requirement</a:t>
+            </a:r>
+            <a:endParaRPr lang="en-US" dirty="0"/>
+          </a:p>
+        </p:txBody>
+      </p:sp>
     </p:spTree>
     <p:extLst>
       <p:ext uri="{BB962C8B-B14F-4D97-AF65-F5344CB8AC3E}">
-        <p14:creationId xmlns:p14="http://schemas.microsoft.com/office/powerpoint/2010/main" val="1679288412"/>
+        <p14:creationId xmlns:p14="http://schemas.microsoft.com/office/powerpoint/2010/main" xmlns="" val="15805746"/>
       </p:ext>
     </p:extLst>
   </p:cSld>
@@ -9489,7 +10580,11 @@
                                           </p:stCondLst>
                                         </p:cTn>
                                         <p:tgtEl>
-                                          <p:spTgt spid="4"/>
+                                          <p:spTgt spid="3">
+                                            <p:txEl>
+                                              <p:pRg st="0" end="0"/>
+                                            </p:txEl>
+                                          </p:spTgt>
                                         </p:tgtEl>
                                         <p:attrNameLst>
                                           <p:attrName>style.visibility</p:attrName>
@@ -9503,7 +10598,11 @@
                                       <p:cBhvr additive="base">
                                         <p:cTn id="7" dur="500" fill="hold"/>
                                         <p:tgtEl>
-                                          <p:spTgt spid="4"/>
+                                          <p:spTgt spid="3">
+                                            <p:txEl>
+                                              <p:pRg st="0" end="0"/>
+                                            </p:txEl>
+                                          </p:spTgt>
                                         </p:tgtEl>
                                         <p:attrNameLst>
                                           <p:attrName>ppt_x</p:attrName>
@@ -9526,7 +10625,114 @@
                                       <p:cBhvr additive="base">
                                         <p:cTn id="8" dur="500" fill="hold"/>
                                         <p:tgtEl>
-                                          <p:spTgt spid="4"/>
+                                          <p:spTgt spid="3">
+                                            <p:txEl>
+                                              <p:pRg st="0" end="0"/>
+                                            </p:txEl>
+                                          </p:spTgt>
+                                        </p:tgtEl>
+                                        <p:attrNameLst>
+                                          <p:attrName>ppt_y</p:attrName>
+                                        </p:attrNameLst>
+                                      </p:cBhvr>
+                                      <p:tavLst>
+                                        <p:tav tm="0">
+                                          <p:val>
+                                            <p:strVal val="1+#ppt_h/2"/>
+                                          </p:val>
+                                        </p:tav>
+                                        <p:tav tm="100000">
+                                          <p:val>
+                                            <p:strVal val="#ppt_y"/>
+                                          </p:val>
+                                        </p:tav>
+                                      </p:tavLst>
+                                    </p:anim>
+                                  </p:childTnLst>
+                                </p:cTn>
+                              </p:par>
+                            </p:childTnLst>
+                          </p:cTn>
+                        </p:par>
+                      </p:childTnLst>
+                    </p:cTn>
+                  </p:par>
+                  <p:par>
+                    <p:cTn id="9" fill="hold">
+                      <p:stCondLst>
+                        <p:cond delay="indefinite"/>
+                      </p:stCondLst>
+                      <p:childTnLst>
+                        <p:par>
+                          <p:cTn id="10" fill="hold">
+                            <p:stCondLst>
+                              <p:cond delay="0"/>
+                            </p:stCondLst>
+                            <p:childTnLst>
+                              <p:par>
+                                <p:cTn id="11" presetID="2" presetClass="entr" presetSubtype="4" fill="hold" nodeType="clickEffect">
+                                  <p:stCondLst>
+                                    <p:cond delay="0"/>
+                                  </p:stCondLst>
+                                  <p:childTnLst>
+                                    <p:set>
+                                      <p:cBhvr>
+                                        <p:cTn id="12" dur="1" fill="hold">
+                                          <p:stCondLst>
+                                            <p:cond delay="0"/>
+                                          </p:stCondLst>
+                                        </p:cTn>
+                                        <p:tgtEl>
+                                          <p:spTgt spid="3">
+                                            <p:txEl>
+                                              <p:pRg st="1" end="1"/>
+                                            </p:txEl>
+                                          </p:spTgt>
+                                        </p:tgtEl>
+                                        <p:attrNameLst>
+                                          <p:attrName>style.visibility</p:attrName>
+                                        </p:attrNameLst>
+                                      </p:cBhvr>
+                                      <p:to>
+                                        <p:strVal val="visible"/>
+                                      </p:to>
+                                    </p:set>
+                                    <p:anim calcmode="lin" valueType="num">
+                                      <p:cBhvr additive="base">
+                                        <p:cTn id="13" dur="500" fill="hold"/>
+                                        <p:tgtEl>
+                                          <p:spTgt spid="3">
+                                            <p:txEl>
+                                              <p:pRg st="1" end="1"/>
+                                            </p:txEl>
+                                          </p:spTgt>
+                                        </p:tgtEl>
+                                        <p:attrNameLst>
+                                          <p:attrName>ppt_x</p:attrName>
+                                        </p:attrNameLst>
+                                      </p:cBhvr>
+                                      <p:tavLst>
+                                        <p:tav tm="0">
+                                          <p:val>
+                                            <p:strVal val="#ppt_x"/>
+                                          </p:val>
+                                        </p:tav>
+                                        <p:tav tm="100000">
+                                          <p:val>
+                                            <p:strVal val="#ppt_x"/>
+                                          </p:val>
+                                        </p:tav>
+                                      </p:tavLst>
+                                    </p:anim>
+                                    <p:anim calcmode="lin" valueType="num">
+                                      <p:cBhvr additive="base">
+                                        <p:cTn id="14" dur="500" fill="hold"/>
+                                        <p:tgtEl>
+                                          <p:spTgt spid="3">
+                                            <p:txEl>
+                                              <p:pRg st="1" end="1"/>
+                                            </p:txEl>
+                                          </p:spTgt>
                                         </p:tgtEl>
                                         <p:attrNameLst>
                                           <p:attrName>ppt_y</p:attrName>
@@ -9608,1199 +10814,12 @@
         </p:nvSpPr>
         <p:spPr/>
         <p:txBody>
-          <a:bodyPr>
-            <a:normAutofit fontScale="90000"/>
-          </a:bodyPr>
-          <a:lstStyle/>
-          <a:p>
-            <a:r>
-              <a:rPr lang="en-US" dirty="0" smtClean="0"/>
-              <a:t>Directive – Thinking declaratively (DNS)</a:t>
-            </a:r>
-            <a:endParaRPr lang="en-US" dirty="0"/>
-          </a:p>
-        </p:txBody>
-      </p:sp>
-      <p:sp>
-        <p:nvSpPr>
-          <p:cNvPr id="4" name="Rectangle 3"/>
-          <p:cNvSpPr/>
-          <p:nvPr/>
-        </p:nvSpPr>
-        <p:spPr>
-          <a:xfrm>
-            <a:off x="1524000" y="1752600"/>
-            <a:ext cx="7162800" cy="762000"/>
-          </a:xfrm>
-          <a:prstGeom prst="rect">
-            <a:avLst/>
-          </a:prstGeom>
-        </p:spPr>
-        <p:style>
-          <a:lnRef idx="2">
-            <a:schemeClr val="accent1">
-              <a:shade val="50000"/>
-            </a:schemeClr>
-          </a:lnRef>
-          <a:fillRef idx="1">
-            <a:schemeClr val="accent1"/>
-          </a:fillRef>
-          <a:effectRef idx="0">
-            <a:schemeClr val="accent1"/>
-          </a:effectRef>
-          <a:fontRef idx="minor">
-            <a:schemeClr val="lt1"/>
-          </a:fontRef>
-        </p:style>
-        <p:txBody>
-          <a:bodyPr rtlCol="0" anchor="ctr"/>
-          <a:lstStyle/>
-          <a:p>
-            <a:pPr algn="ctr"/>
-            <a:r>
-              <a:rPr lang="en-US" dirty="0" smtClean="0"/>
-              <a:t>&lt;header&gt;</a:t>
-            </a:r>
-            <a:endParaRPr lang="en-US" dirty="0"/>
-          </a:p>
-        </p:txBody>
-      </p:sp>
-      <p:sp>
-        <p:nvSpPr>
-          <p:cNvPr id="5" name="Rectangle 4"/>
-          <p:cNvSpPr/>
-          <p:nvPr/>
-        </p:nvSpPr>
-        <p:spPr>
-          <a:xfrm>
-            <a:off x="1524000" y="2590800"/>
-            <a:ext cx="1676400" cy="3276600"/>
-          </a:xfrm>
-          <a:prstGeom prst="rect">
-            <a:avLst/>
-          </a:prstGeom>
-        </p:spPr>
-        <p:style>
-          <a:lnRef idx="2">
-            <a:schemeClr val="accent1">
-              <a:shade val="50000"/>
-            </a:schemeClr>
-          </a:lnRef>
-          <a:fillRef idx="1">
-            <a:schemeClr val="accent1"/>
-          </a:fillRef>
-          <a:effectRef idx="0">
-            <a:schemeClr val="accent1"/>
-          </a:effectRef>
-          <a:fontRef idx="minor">
-            <a:schemeClr val="lt1"/>
-          </a:fontRef>
-        </p:style>
-        <p:txBody>
-          <a:bodyPr rtlCol="0" anchor="ctr"/>
-          <a:lstStyle/>
-          <a:p>
-            <a:pPr algn="ctr"/>
-            <a:r>
-              <a:rPr lang="en-US" dirty="0" smtClean="0"/>
-              <a:t>&lt;left-panel&gt;</a:t>
-            </a:r>
-            <a:endParaRPr lang="en-US" dirty="0"/>
-          </a:p>
-        </p:txBody>
-      </p:sp>
-      <p:sp>
-        <p:nvSpPr>
-          <p:cNvPr id="6" name="Rectangle 5"/>
-          <p:cNvSpPr/>
-          <p:nvPr/>
-        </p:nvSpPr>
-        <p:spPr>
-          <a:xfrm>
-            <a:off x="3314700" y="2590800"/>
-            <a:ext cx="3771900" cy="3276600"/>
-          </a:xfrm>
-          <a:prstGeom prst="rect">
-            <a:avLst/>
-          </a:prstGeom>
-        </p:spPr>
-        <p:style>
-          <a:lnRef idx="2">
-            <a:schemeClr val="accent1">
-              <a:shade val="50000"/>
-            </a:schemeClr>
-          </a:lnRef>
-          <a:fillRef idx="1">
-            <a:schemeClr val="accent1"/>
-          </a:fillRef>
-          <a:effectRef idx="0">
-            <a:schemeClr val="accent1"/>
-          </a:effectRef>
-          <a:fontRef idx="minor">
-            <a:schemeClr val="lt1"/>
-          </a:fontRef>
-        </p:style>
-        <p:txBody>
-          <a:bodyPr rtlCol="0" anchor="ctr"/>
-          <a:lstStyle/>
-          <a:p>
-            <a:pPr algn="ctr"/>
-            <a:r>
-              <a:rPr lang="en-US" dirty="0" smtClean="0"/>
-              <a:t>&lt;content-panel&gt;</a:t>
-            </a:r>
-            <a:endParaRPr lang="en-US" dirty="0"/>
-          </a:p>
-        </p:txBody>
-      </p:sp>
-      <p:sp>
-        <p:nvSpPr>
-          <p:cNvPr id="7" name="Rectangle 6"/>
-          <p:cNvSpPr/>
-          <p:nvPr/>
-        </p:nvSpPr>
-        <p:spPr>
-          <a:xfrm>
-            <a:off x="7200900" y="2590800"/>
-            <a:ext cx="1485900" cy="3276600"/>
-          </a:xfrm>
-          <a:prstGeom prst="rect">
-            <a:avLst/>
-          </a:prstGeom>
-        </p:spPr>
-        <p:style>
-          <a:lnRef idx="2">
-            <a:schemeClr val="accent1">
-              <a:shade val="50000"/>
-            </a:schemeClr>
-          </a:lnRef>
-          <a:fillRef idx="1">
-            <a:schemeClr val="accent1"/>
-          </a:fillRef>
-          <a:effectRef idx="0">
-            <a:schemeClr val="accent1"/>
-          </a:effectRef>
-          <a:fontRef idx="minor">
-            <a:schemeClr val="lt1"/>
-          </a:fontRef>
-        </p:style>
-        <p:txBody>
-          <a:bodyPr rtlCol="0" anchor="ctr"/>
-          <a:lstStyle/>
-          <a:p>
-            <a:pPr algn="ctr"/>
-            <a:r>
-              <a:rPr lang="en-US" dirty="0" smtClean="0"/>
-              <a:t>&lt;right-panel&gt;</a:t>
-            </a:r>
-            <a:endParaRPr lang="en-US" dirty="0"/>
-          </a:p>
-        </p:txBody>
-      </p:sp>
-      <p:sp>
-        <p:nvSpPr>
-          <p:cNvPr id="8" name="Rectangle 7"/>
-          <p:cNvSpPr/>
-          <p:nvPr/>
-        </p:nvSpPr>
-        <p:spPr>
-          <a:xfrm>
-            <a:off x="1524000" y="5945777"/>
-            <a:ext cx="7162800" cy="455023"/>
-          </a:xfrm>
-          <a:prstGeom prst="rect">
-            <a:avLst/>
-          </a:prstGeom>
-        </p:spPr>
-        <p:style>
-          <a:lnRef idx="2">
-            <a:schemeClr val="accent1">
-              <a:shade val="50000"/>
-            </a:schemeClr>
-          </a:lnRef>
-          <a:fillRef idx="1">
-            <a:schemeClr val="accent1"/>
-          </a:fillRef>
-          <a:effectRef idx="0">
-            <a:schemeClr val="accent1"/>
-          </a:effectRef>
-          <a:fontRef idx="minor">
-            <a:schemeClr val="lt1"/>
-          </a:fontRef>
-        </p:style>
-        <p:txBody>
-          <a:bodyPr rtlCol="0" anchor="ctr"/>
-          <a:lstStyle/>
-          <a:p>
-            <a:pPr algn="ctr"/>
-            <a:r>
-              <a:rPr lang="en-US" dirty="0" smtClean="0"/>
-              <a:t>&lt;footer&gt;</a:t>
-            </a:r>
-            <a:endParaRPr lang="en-US" dirty="0"/>
-          </a:p>
-        </p:txBody>
-      </p:sp>
-      <p:sp>
-        <p:nvSpPr>
-          <p:cNvPr id="9" name="Rectangle 8"/>
-          <p:cNvSpPr/>
-          <p:nvPr/>
-        </p:nvSpPr>
-        <p:spPr>
-          <a:xfrm>
-            <a:off x="3429000" y="2743200"/>
-            <a:ext cx="3505200" cy="838200"/>
-          </a:xfrm>
-          <a:prstGeom prst="rect">
-            <a:avLst/>
-          </a:prstGeom>
-        </p:spPr>
-        <p:style>
-          <a:lnRef idx="2">
-            <a:schemeClr val="accent2">
-              <a:shade val="50000"/>
-            </a:schemeClr>
-          </a:lnRef>
-          <a:fillRef idx="1">
-            <a:schemeClr val="accent2"/>
-          </a:fillRef>
-          <a:effectRef idx="0">
-            <a:schemeClr val="accent2"/>
-          </a:effectRef>
-          <a:fontRef idx="minor">
-            <a:schemeClr val="lt1"/>
-          </a:fontRef>
-        </p:style>
-        <p:txBody>
-          <a:bodyPr rtlCol="0" anchor="ctr"/>
-          <a:lstStyle/>
-          <a:p>
-            <a:pPr algn="ctr"/>
-            <a:r>
-              <a:rPr lang="en-US" dirty="0" smtClean="0"/>
-              <a:t>&lt;customer-search&gt;</a:t>
-            </a:r>
-            <a:endParaRPr lang="en-US" dirty="0"/>
-          </a:p>
-        </p:txBody>
-      </p:sp>
-      <p:sp>
-        <p:nvSpPr>
-          <p:cNvPr id="10" name="Rectangle 9"/>
-          <p:cNvSpPr/>
-          <p:nvPr/>
-        </p:nvSpPr>
-        <p:spPr>
-          <a:xfrm>
-            <a:off x="3429000" y="3657600"/>
-            <a:ext cx="3505200" cy="2133600"/>
-          </a:xfrm>
-          <a:prstGeom prst="rect">
-            <a:avLst/>
-          </a:prstGeom>
-        </p:spPr>
-        <p:style>
-          <a:lnRef idx="2">
-            <a:schemeClr val="accent2">
-              <a:shade val="50000"/>
-            </a:schemeClr>
-          </a:lnRef>
-          <a:fillRef idx="1">
-            <a:schemeClr val="accent2"/>
-          </a:fillRef>
-          <a:effectRef idx="0">
-            <a:schemeClr val="accent2"/>
-          </a:effectRef>
-          <a:fontRef idx="minor">
-            <a:schemeClr val="lt1"/>
-          </a:fontRef>
-        </p:style>
-        <p:txBody>
-          <a:bodyPr rtlCol="0" anchor="ctr"/>
-          <a:lstStyle/>
-          <a:p>
-            <a:pPr algn="ctr"/>
-            <a:endParaRPr lang="en-US" dirty="0" smtClean="0"/>
-          </a:p>
-          <a:p>
-            <a:pPr algn="ctr"/>
-            <a:endParaRPr lang="en-US" dirty="0"/>
-          </a:p>
-          <a:p>
-            <a:pPr algn="ctr"/>
-            <a:endParaRPr lang="en-US" dirty="0" smtClean="0"/>
-          </a:p>
-          <a:p>
-            <a:pPr algn="ctr"/>
-            <a:r>
-              <a:rPr lang="en-US" dirty="0" smtClean="0"/>
-              <a:t>&lt;customer-list&gt;</a:t>
-            </a:r>
-            <a:endParaRPr lang="en-US" dirty="0"/>
-          </a:p>
-        </p:txBody>
-      </p:sp>
-      <p:sp>
-        <p:nvSpPr>
-          <p:cNvPr id="11" name="Rectangle 10"/>
-          <p:cNvSpPr/>
-          <p:nvPr/>
-        </p:nvSpPr>
-        <p:spPr>
-          <a:xfrm>
-            <a:off x="3733800" y="3352800"/>
-            <a:ext cx="2895600" cy="1496016"/>
-          </a:xfrm>
-          <a:prstGeom prst="rect">
-            <a:avLst/>
-          </a:prstGeom>
-        </p:spPr>
-        <p:style>
-          <a:lnRef idx="2">
-            <a:schemeClr val="accent3">
-              <a:shade val="50000"/>
-            </a:schemeClr>
-          </a:lnRef>
-          <a:fillRef idx="1">
-            <a:schemeClr val="accent3"/>
-          </a:fillRef>
-          <a:effectRef idx="0">
-            <a:schemeClr val="accent3"/>
-          </a:effectRef>
-          <a:fontRef idx="minor">
-            <a:schemeClr val="lt1"/>
-          </a:fontRef>
-        </p:style>
-        <p:txBody>
-          <a:bodyPr rtlCol="0" anchor="ctr"/>
-          <a:lstStyle/>
-          <a:p>
-            <a:pPr algn="ctr"/>
-            <a:r>
-              <a:rPr lang="en-US" dirty="0" smtClean="0"/>
-              <a:t>&lt;customer-detail&gt;</a:t>
-            </a:r>
-            <a:endParaRPr lang="en-US" dirty="0"/>
-          </a:p>
-        </p:txBody>
-      </p:sp>
-    </p:spTree>
-    <p:extLst>
-      <p:ext uri="{BB962C8B-B14F-4D97-AF65-F5344CB8AC3E}">
-        <p14:creationId xmlns:p14="http://schemas.microsoft.com/office/powerpoint/2010/main" val="3470540530"/>
-      </p:ext>
-    </p:extLst>
-  </p:cSld>
-  <p:clrMapOvr>
-    <a:masterClrMapping/>
-  </p:clrMapOvr>
-  <p:timing>
-    <p:tnLst>
-      <p:par>
-        <p:cTn id="1" dur="indefinite" restart="never" nodeType="tmRoot">
-          <p:childTnLst>
-            <p:seq concurrent="1" nextAc="seek">
-              <p:cTn id="2" dur="indefinite" nodeType="mainSeq">
-                <p:childTnLst>
-                  <p:par>
-                    <p:cTn id="3" fill="hold">
-                      <p:stCondLst>
-                        <p:cond delay="indefinite"/>
-                      </p:stCondLst>
-                      <p:childTnLst>
-                        <p:par>
-                          <p:cTn id="4" fill="hold">
-                            <p:stCondLst>
-                              <p:cond delay="0"/>
-                            </p:stCondLst>
-                            <p:childTnLst>
-                              <p:par>
-                                <p:cTn id="5" presetID="2" presetClass="entr" presetSubtype="4" fill="hold" grpId="0" nodeType="clickEffect">
-                                  <p:stCondLst>
-                                    <p:cond delay="0"/>
-                                  </p:stCondLst>
-                                  <p:childTnLst>
-                                    <p:set>
-                                      <p:cBhvr>
-                                        <p:cTn id="6" dur="1" fill="hold">
-                                          <p:stCondLst>
-                                            <p:cond delay="0"/>
-                                          </p:stCondLst>
-                                        </p:cTn>
-                                        <p:tgtEl>
-                                          <p:spTgt spid="4"/>
-                                        </p:tgtEl>
-                                        <p:attrNameLst>
-                                          <p:attrName>style.visibility</p:attrName>
-                                        </p:attrNameLst>
-                                      </p:cBhvr>
-                                      <p:to>
-                                        <p:strVal val="visible"/>
-                                      </p:to>
-                                    </p:set>
-                                    <p:anim calcmode="lin" valueType="num">
-                                      <p:cBhvr additive="base">
-                                        <p:cTn id="7" dur="500" fill="hold"/>
-                                        <p:tgtEl>
-                                          <p:spTgt spid="4"/>
-                                        </p:tgtEl>
-                                        <p:attrNameLst>
-                                          <p:attrName>ppt_x</p:attrName>
-                                        </p:attrNameLst>
-                                      </p:cBhvr>
-                                      <p:tavLst>
-                                        <p:tav tm="0">
-                                          <p:val>
-                                            <p:strVal val="#ppt_x"/>
-                                          </p:val>
-                                        </p:tav>
-                                        <p:tav tm="100000">
-                                          <p:val>
-                                            <p:strVal val="#ppt_x"/>
-                                          </p:val>
-                                        </p:tav>
-                                      </p:tavLst>
-                                    </p:anim>
-                                    <p:anim calcmode="lin" valueType="num">
-                                      <p:cBhvr additive="base">
-                                        <p:cTn id="8" dur="500" fill="hold"/>
-                                        <p:tgtEl>
-                                          <p:spTgt spid="4"/>
-                                        </p:tgtEl>
-                                        <p:attrNameLst>
-                                          <p:attrName>ppt_y</p:attrName>
-                                        </p:attrNameLst>
-                                      </p:cBhvr>
-                                      <p:tavLst>
-                                        <p:tav tm="0">
-                                          <p:val>
-                                            <p:strVal val="1+#ppt_h/2"/>
-                                          </p:val>
-                                        </p:tav>
-                                        <p:tav tm="100000">
-                                          <p:val>
-                                            <p:strVal val="#ppt_y"/>
-                                          </p:val>
-                                        </p:tav>
-                                      </p:tavLst>
-                                    </p:anim>
-                                  </p:childTnLst>
-                                </p:cTn>
-                              </p:par>
-                            </p:childTnLst>
-                          </p:cTn>
-                        </p:par>
-                      </p:childTnLst>
-                    </p:cTn>
-                  </p:par>
-                  <p:par>
-                    <p:cTn id="9" fill="hold">
-                      <p:stCondLst>
-                        <p:cond delay="indefinite"/>
-                      </p:stCondLst>
-                      <p:childTnLst>
-                        <p:par>
-                          <p:cTn id="10" fill="hold">
-                            <p:stCondLst>
-                              <p:cond delay="0"/>
-                            </p:stCondLst>
-                            <p:childTnLst>
-                              <p:par>
-                                <p:cTn id="11" presetID="2" presetClass="entr" presetSubtype="4" fill="hold" grpId="0" nodeType="clickEffect">
-                                  <p:stCondLst>
-                                    <p:cond delay="0"/>
-                                  </p:stCondLst>
-                                  <p:childTnLst>
-                                    <p:set>
-                                      <p:cBhvr>
-                                        <p:cTn id="12" dur="1" fill="hold">
-                                          <p:stCondLst>
-                                            <p:cond delay="0"/>
-                                          </p:stCondLst>
-                                        </p:cTn>
-                                        <p:tgtEl>
-                                          <p:spTgt spid="5"/>
-                                        </p:tgtEl>
-                                        <p:attrNameLst>
-                                          <p:attrName>style.visibility</p:attrName>
-                                        </p:attrNameLst>
-                                      </p:cBhvr>
-                                      <p:to>
-                                        <p:strVal val="visible"/>
-                                      </p:to>
-                                    </p:set>
-                                    <p:anim calcmode="lin" valueType="num">
-                                      <p:cBhvr additive="base">
-                                        <p:cTn id="13" dur="500" fill="hold"/>
-                                        <p:tgtEl>
-                                          <p:spTgt spid="5"/>
-                                        </p:tgtEl>
-                                        <p:attrNameLst>
-                                          <p:attrName>ppt_x</p:attrName>
-                                        </p:attrNameLst>
-                                      </p:cBhvr>
-                                      <p:tavLst>
-                                        <p:tav tm="0">
-                                          <p:val>
-                                            <p:strVal val="#ppt_x"/>
-                                          </p:val>
-                                        </p:tav>
-                                        <p:tav tm="100000">
-                                          <p:val>
-                                            <p:strVal val="#ppt_x"/>
-                                          </p:val>
-                                        </p:tav>
-                                      </p:tavLst>
-                                    </p:anim>
-                                    <p:anim calcmode="lin" valueType="num">
-                                      <p:cBhvr additive="base">
-                                        <p:cTn id="14" dur="500" fill="hold"/>
-                                        <p:tgtEl>
-                                          <p:spTgt spid="5"/>
-                                        </p:tgtEl>
-                                        <p:attrNameLst>
-                                          <p:attrName>ppt_y</p:attrName>
-                                        </p:attrNameLst>
-                                      </p:cBhvr>
-                                      <p:tavLst>
-                                        <p:tav tm="0">
-                                          <p:val>
-                                            <p:strVal val="1+#ppt_h/2"/>
-                                          </p:val>
-                                        </p:tav>
-                                        <p:tav tm="100000">
-                                          <p:val>
-                                            <p:strVal val="#ppt_y"/>
-                                          </p:val>
-                                        </p:tav>
-                                      </p:tavLst>
-                                    </p:anim>
-                                  </p:childTnLst>
-                                </p:cTn>
-                              </p:par>
-                            </p:childTnLst>
-                          </p:cTn>
-                        </p:par>
-                      </p:childTnLst>
-                    </p:cTn>
-                  </p:par>
-                  <p:par>
-                    <p:cTn id="15" fill="hold">
-                      <p:stCondLst>
-                        <p:cond delay="indefinite"/>
-                      </p:stCondLst>
-                      <p:childTnLst>
-                        <p:par>
-                          <p:cTn id="16" fill="hold">
-                            <p:stCondLst>
-                              <p:cond delay="0"/>
-                            </p:stCondLst>
-                            <p:childTnLst>
-                              <p:par>
-                                <p:cTn id="17" presetID="2" presetClass="entr" presetSubtype="4" fill="hold" grpId="0" nodeType="clickEffect">
-                                  <p:stCondLst>
-                                    <p:cond delay="0"/>
-                                  </p:stCondLst>
-                                  <p:childTnLst>
-                                    <p:set>
-                                      <p:cBhvr>
-                                        <p:cTn id="18" dur="1" fill="hold">
-                                          <p:stCondLst>
-                                            <p:cond delay="0"/>
-                                          </p:stCondLst>
-                                        </p:cTn>
-                                        <p:tgtEl>
-                                          <p:spTgt spid="6"/>
-                                        </p:tgtEl>
-                                        <p:attrNameLst>
-                                          <p:attrName>style.visibility</p:attrName>
-                                        </p:attrNameLst>
-                                      </p:cBhvr>
-                                      <p:to>
-                                        <p:strVal val="visible"/>
-                                      </p:to>
-                                    </p:set>
-                                    <p:anim calcmode="lin" valueType="num">
-                                      <p:cBhvr additive="base">
-                                        <p:cTn id="19" dur="500" fill="hold"/>
-                                        <p:tgtEl>
-                                          <p:spTgt spid="6"/>
-                                        </p:tgtEl>
-                                        <p:attrNameLst>
-                                          <p:attrName>ppt_x</p:attrName>
-                                        </p:attrNameLst>
-                                      </p:cBhvr>
-                                      <p:tavLst>
-                                        <p:tav tm="0">
-                                          <p:val>
-                                            <p:strVal val="#ppt_x"/>
-                                          </p:val>
-                                        </p:tav>
-                                        <p:tav tm="100000">
-                                          <p:val>
-                                            <p:strVal val="#ppt_x"/>
-                                          </p:val>
-                                        </p:tav>
-                                      </p:tavLst>
-                                    </p:anim>
-                                    <p:anim calcmode="lin" valueType="num">
-                                      <p:cBhvr additive="base">
-                                        <p:cTn id="20" dur="500" fill="hold"/>
-                                        <p:tgtEl>
-                                          <p:spTgt spid="6"/>
-                                        </p:tgtEl>
-                                        <p:attrNameLst>
-                                          <p:attrName>ppt_y</p:attrName>
-                                        </p:attrNameLst>
-                                      </p:cBhvr>
-                                      <p:tavLst>
-                                        <p:tav tm="0">
-                                          <p:val>
-                                            <p:strVal val="1+#ppt_h/2"/>
-                                          </p:val>
-                                        </p:tav>
-                                        <p:tav tm="100000">
-                                          <p:val>
-                                            <p:strVal val="#ppt_y"/>
-                                          </p:val>
-                                        </p:tav>
-                                      </p:tavLst>
-                                    </p:anim>
-                                  </p:childTnLst>
-                                </p:cTn>
-                              </p:par>
-                            </p:childTnLst>
-                          </p:cTn>
-                        </p:par>
-                      </p:childTnLst>
-                    </p:cTn>
-                  </p:par>
-                  <p:par>
-                    <p:cTn id="21" fill="hold">
-                      <p:stCondLst>
-                        <p:cond delay="indefinite"/>
-                      </p:stCondLst>
-                      <p:childTnLst>
-                        <p:par>
-                          <p:cTn id="22" fill="hold">
-                            <p:stCondLst>
-                              <p:cond delay="0"/>
-                            </p:stCondLst>
-                            <p:childTnLst>
-                              <p:par>
-                                <p:cTn id="23" presetID="2" presetClass="entr" presetSubtype="4" fill="hold" grpId="0" nodeType="clickEffect">
-                                  <p:stCondLst>
-                                    <p:cond delay="0"/>
-                                  </p:stCondLst>
-                                  <p:childTnLst>
-                                    <p:set>
-                                      <p:cBhvr>
-                                        <p:cTn id="24" dur="1" fill="hold">
-                                          <p:stCondLst>
-                                            <p:cond delay="0"/>
-                                          </p:stCondLst>
-                                        </p:cTn>
-                                        <p:tgtEl>
-                                          <p:spTgt spid="7"/>
-                                        </p:tgtEl>
-                                        <p:attrNameLst>
-                                          <p:attrName>style.visibility</p:attrName>
-                                        </p:attrNameLst>
-                                      </p:cBhvr>
-                                      <p:to>
-                                        <p:strVal val="visible"/>
-                                      </p:to>
-                                    </p:set>
-                                    <p:anim calcmode="lin" valueType="num">
-                                      <p:cBhvr additive="base">
-                                        <p:cTn id="25" dur="500" fill="hold"/>
-                                        <p:tgtEl>
-                                          <p:spTgt spid="7"/>
-                                        </p:tgtEl>
-                                        <p:attrNameLst>
-                                          <p:attrName>ppt_x</p:attrName>
-                                        </p:attrNameLst>
-                                      </p:cBhvr>
-                                      <p:tavLst>
-                                        <p:tav tm="0">
-                                          <p:val>
-                                            <p:strVal val="#ppt_x"/>
-                                          </p:val>
-                                        </p:tav>
-                                        <p:tav tm="100000">
-                                          <p:val>
-                                            <p:strVal val="#ppt_x"/>
-                                          </p:val>
-                                        </p:tav>
-                                      </p:tavLst>
-                                    </p:anim>
-                                    <p:anim calcmode="lin" valueType="num">
-                                      <p:cBhvr additive="base">
-                                        <p:cTn id="26" dur="500" fill="hold"/>
-                                        <p:tgtEl>
-                                          <p:spTgt spid="7"/>
-                                        </p:tgtEl>
-                                        <p:attrNameLst>
-                                          <p:attrName>ppt_y</p:attrName>
-                                        </p:attrNameLst>
-                                      </p:cBhvr>
-                                      <p:tavLst>
-                                        <p:tav tm="0">
-                                          <p:val>
-                                            <p:strVal val="1+#ppt_h/2"/>
-                                          </p:val>
-                                        </p:tav>
-                                        <p:tav tm="100000">
-                                          <p:val>
-                                            <p:strVal val="#ppt_y"/>
-                                          </p:val>
-                                        </p:tav>
-                                      </p:tavLst>
-                                    </p:anim>
-                                  </p:childTnLst>
-                                </p:cTn>
-                              </p:par>
-                            </p:childTnLst>
-                          </p:cTn>
-                        </p:par>
-                      </p:childTnLst>
-                    </p:cTn>
-                  </p:par>
-                  <p:par>
-                    <p:cTn id="27" fill="hold">
-                      <p:stCondLst>
-                        <p:cond delay="indefinite"/>
-                      </p:stCondLst>
-                      <p:childTnLst>
-                        <p:par>
-                          <p:cTn id="28" fill="hold">
-                            <p:stCondLst>
-                              <p:cond delay="0"/>
-                            </p:stCondLst>
-                            <p:childTnLst>
-                              <p:par>
-                                <p:cTn id="29" presetID="2" presetClass="entr" presetSubtype="4" fill="hold" grpId="0" nodeType="clickEffect">
-                                  <p:stCondLst>
-                                    <p:cond delay="0"/>
-                                  </p:stCondLst>
-                                  <p:childTnLst>
-                                    <p:set>
-                                      <p:cBhvr>
-                                        <p:cTn id="30" dur="1" fill="hold">
-                                          <p:stCondLst>
-                                            <p:cond delay="0"/>
-                                          </p:stCondLst>
-                                        </p:cTn>
-                                        <p:tgtEl>
-                                          <p:spTgt spid="8"/>
-                                        </p:tgtEl>
-                                        <p:attrNameLst>
-                                          <p:attrName>style.visibility</p:attrName>
-                                        </p:attrNameLst>
-                                      </p:cBhvr>
-                                      <p:to>
-                                        <p:strVal val="visible"/>
-                                      </p:to>
-                                    </p:set>
-                                    <p:anim calcmode="lin" valueType="num">
-                                      <p:cBhvr additive="base">
-                                        <p:cTn id="31" dur="500" fill="hold"/>
-                                        <p:tgtEl>
-                                          <p:spTgt spid="8"/>
-                                        </p:tgtEl>
-                                        <p:attrNameLst>
-                                          <p:attrName>ppt_x</p:attrName>
-                                        </p:attrNameLst>
-                                      </p:cBhvr>
-                                      <p:tavLst>
-                                        <p:tav tm="0">
-                                          <p:val>
-                                            <p:strVal val="#ppt_x"/>
-                                          </p:val>
-                                        </p:tav>
-                                        <p:tav tm="100000">
-                                          <p:val>
-                                            <p:strVal val="#ppt_x"/>
-                                          </p:val>
-                                        </p:tav>
-                                      </p:tavLst>
-                                    </p:anim>
-                                    <p:anim calcmode="lin" valueType="num">
-                                      <p:cBhvr additive="base">
-                                        <p:cTn id="32" dur="500" fill="hold"/>
-                                        <p:tgtEl>
-                                          <p:spTgt spid="8"/>
-                                        </p:tgtEl>
-                                        <p:attrNameLst>
-                                          <p:attrName>ppt_y</p:attrName>
-                                        </p:attrNameLst>
-                                      </p:cBhvr>
-                                      <p:tavLst>
-                                        <p:tav tm="0">
-                                          <p:val>
-                                            <p:strVal val="1+#ppt_h/2"/>
-                                          </p:val>
-                                        </p:tav>
-                                        <p:tav tm="100000">
-                                          <p:val>
-                                            <p:strVal val="#ppt_y"/>
-                                          </p:val>
-                                        </p:tav>
-                                      </p:tavLst>
-                                    </p:anim>
-                                  </p:childTnLst>
-                                </p:cTn>
-                              </p:par>
-                            </p:childTnLst>
-                          </p:cTn>
-                        </p:par>
-                      </p:childTnLst>
-                    </p:cTn>
-                  </p:par>
-                  <p:par>
-                    <p:cTn id="33" fill="hold">
-                      <p:stCondLst>
-                        <p:cond delay="indefinite"/>
-                      </p:stCondLst>
-                      <p:childTnLst>
-                        <p:par>
-                          <p:cTn id="34" fill="hold">
-                            <p:stCondLst>
-                              <p:cond delay="0"/>
-                            </p:stCondLst>
-                            <p:childTnLst>
-                              <p:par>
-                                <p:cTn id="35" presetID="2" presetClass="entr" presetSubtype="4" fill="hold" grpId="0" nodeType="clickEffect">
-                                  <p:stCondLst>
-                                    <p:cond delay="0"/>
-                                  </p:stCondLst>
-                                  <p:childTnLst>
-                                    <p:set>
-                                      <p:cBhvr>
-                                        <p:cTn id="36" dur="1" fill="hold">
-                                          <p:stCondLst>
-                                            <p:cond delay="0"/>
-                                          </p:stCondLst>
-                                        </p:cTn>
-                                        <p:tgtEl>
-                                          <p:spTgt spid="9"/>
-                                        </p:tgtEl>
-                                        <p:attrNameLst>
-                                          <p:attrName>style.visibility</p:attrName>
-                                        </p:attrNameLst>
-                                      </p:cBhvr>
-                                      <p:to>
-                                        <p:strVal val="visible"/>
-                                      </p:to>
-                                    </p:set>
-                                    <p:anim calcmode="lin" valueType="num">
-                                      <p:cBhvr additive="base">
-                                        <p:cTn id="37" dur="500" fill="hold"/>
-                                        <p:tgtEl>
-                                          <p:spTgt spid="9"/>
-                                        </p:tgtEl>
-                                        <p:attrNameLst>
-                                          <p:attrName>ppt_x</p:attrName>
-                                        </p:attrNameLst>
-                                      </p:cBhvr>
-                                      <p:tavLst>
-                                        <p:tav tm="0">
-                                          <p:val>
-                                            <p:strVal val="#ppt_x"/>
-                                          </p:val>
-                                        </p:tav>
-                                        <p:tav tm="100000">
-                                          <p:val>
-                                            <p:strVal val="#ppt_x"/>
-                                          </p:val>
-                                        </p:tav>
-                                      </p:tavLst>
-                                    </p:anim>
-                                    <p:anim calcmode="lin" valueType="num">
-                                      <p:cBhvr additive="base">
-                                        <p:cTn id="38" dur="500" fill="hold"/>
-                                        <p:tgtEl>
-                                          <p:spTgt spid="9"/>
-                                        </p:tgtEl>
-                                        <p:attrNameLst>
-                                          <p:attrName>ppt_y</p:attrName>
-                                        </p:attrNameLst>
-                                      </p:cBhvr>
-                                      <p:tavLst>
-                                        <p:tav tm="0">
-                                          <p:val>
-                                            <p:strVal val="1+#ppt_h/2"/>
-                                          </p:val>
-                                        </p:tav>
-                                        <p:tav tm="100000">
-                                          <p:val>
-                                            <p:strVal val="#ppt_y"/>
-                                          </p:val>
-                                        </p:tav>
-                                      </p:tavLst>
-                                    </p:anim>
-                                  </p:childTnLst>
-                                </p:cTn>
-                              </p:par>
-                            </p:childTnLst>
-                          </p:cTn>
-                        </p:par>
-                      </p:childTnLst>
-                    </p:cTn>
-                  </p:par>
-                  <p:par>
-                    <p:cTn id="39" fill="hold">
-                      <p:stCondLst>
-                        <p:cond delay="indefinite"/>
-                      </p:stCondLst>
-                      <p:childTnLst>
-                        <p:par>
-                          <p:cTn id="40" fill="hold">
-                            <p:stCondLst>
-                              <p:cond delay="0"/>
-                            </p:stCondLst>
-                            <p:childTnLst>
-                              <p:par>
-                                <p:cTn id="41" presetID="2" presetClass="entr" presetSubtype="4" fill="hold" grpId="0" nodeType="clickEffect">
-                                  <p:stCondLst>
-                                    <p:cond delay="0"/>
-                                  </p:stCondLst>
-                                  <p:childTnLst>
-                                    <p:set>
-                                      <p:cBhvr>
-                                        <p:cTn id="42" dur="1" fill="hold">
-                                          <p:stCondLst>
-                                            <p:cond delay="0"/>
-                                          </p:stCondLst>
-                                        </p:cTn>
-                                        <p:tgtEl>
-                                          <p:spTgt spid="10"/>
-                                        </p:tgtEl>
-                                        <p:attrNameLst>
-                                          <p:attrName>style.visibility</p:attrName>
-                                        </p:attrNameLst>
-                                      </p:cBhvr>
-                                      <p:to>
-                                        <p:strVal val="visible"/>
-                                      </p:to>
-                                    </p:set>
-                                    <p:anim calcmode="lin" valueType="num">
-                                      <p:cBhvr additive="base">
-                                        <p:cTn id="43" dur="500" fill="hold"/>
-                                        <p:tgtEl>
-                                          <p:spTgt spid="10"/>
-                                        </p:tgtEl>
-                                        <p:attrNameLst>
-                                          <p:attrName>ppt_x</p:attrName>
-                                        </p:attrNameLst>
-                                      </p:cBhvr>
-                                      <p:tavLst>
-                                        <p:tav tm="0">
-                                          <p:val>
-                                            <p:strVal val="#ppt_x"/>
-                                          </p:val>
-                                        </p:tav>
-                                        <p:tav tm="100000">
-                                          <p:val>
-                                            <p:strVal val="#ppt_x"/>
-                                          </p:val>
-                                        </p:tav>
-                                      </p:tavLst>
-                                    </p:anim>
-                                    <p:anim calcmode="lin" valueType="num">
-                                      <p:cBhvr additive="base">
-                                        <p:cTn id="44" dur="500" fill="hold"/>
-                                        <p:tgtEl>
-                                          <p:spTgt spid="10"/>
-                                        </p:tgtEl>
-                                        <p:attrNameLst>
-                                          <p:attrName>ppt_y</p:attrName>
-                                        </p:attrNameLst>
-                                      </p:cBhvr>
-                                      <p:tavLst>
-                                        <p:tav tm="0">
-                                          <p:val>
-                                            <p:strVal val="1+#ppt_h/2"/>
-                                          </p:val>
-                                        </p:tav>
-                                        <p:tav tm="100000">
-                                          <p:val>
-                                            <p:strVal val="#ppt_y"/>
-                                          </p:val>
-                                        </p:tav>
-                                      </p:tavLst>
-                                    </p:anim>
-                                  </p:childTnLst>
-                                </p:cTn>
-                              </p:par>
-                            </p:childTnLst>
-                          </p:cTn>
-                        </p:par>
-                      </p:childTnLst>
-                    </p:cTn>
-                  </p:par>
-                  <p:par>
-                    <p:cTn id="45" fill="hold">
-                      <p:stCondLst>
-                        <p:cond delay="indefinite"/>
-                      </p:stCondLst>
-                      <p:childTnLst>
-                        <p:par>
-                          <p:cTn id="46" fill="hold">
-                            <p:stCondLst>
-                              <p:cond delay="0"/>
-                            </p:stCondLst>
-                            <p:childTnLst>
-                              <p:par>
-                                <p:cTn id="47" presetID="2" presetClass="entr" presetSubtype="4" fill="hold" grpId="0" nodeType="clickEffect">
-                                  <p:stCondLst>
-                                    <p:cond delay="0"/>
-                                  </p:stCondLst>
-                                  <p:childTnLst>
-                                    <p:set>
-                                      <p:cBhvr>
-                                        <p:cTn id="48" dur="1" fill="hold">
-                                          <p:stCondLst>
-                                            <p:cond delay="0"/>
-                                          </p:stCondLst>
-                                        </p:cTn>
-                                        <p:tgtEl>
-                                          <p:spTgt spid="11"/>
-                                        </p:tgtEl>
-                                        <p:attrNameLst>
-                                          <p:attrName>style.visibility</p:attrName>
-                                        </p:attrNameLst>
-                                      </p:cBhvr>
-                                      <p:to>
-                                        <p:strVal val="visible"/>
-                                      </p:to>
-                                    </p:set>
-                                    <p:anim calcmode="lin" valueType="num">
-                                      <p:cBhvr additive="base">
-                                        <p:cTn id="49" dur="500" fill="hold"/>
-                                        <p:tgtEl>
-                                          <p:spTgt spid="11"/>
-                                        </p:tgtEl>
-                                        <p:attrNameLst>
-                                          <p:attrName>ppt_x</p:attrName>
-                                        </p:attrNameLst>
-                                      </p:cBhvr>
-                                      <p:tavLst>
-                                        <p:tav tm="0">
-                                          <p:val>
-                                            <p:strVal val="#ppt_x"/>
-                                          </p:val>
-                                        </p:tav>
-                                        <p:tav tm="100000">
-                                          <p:val>
-                                            <p:strVal val="#ppt_x"/>
-                                          </p:val>
-                                        </p:tav>
-                                      </p:tavLst>
-                                    </p:anim>
-                                    <p:anim calcmode="lin" valueType="num">
-                                      <p:cBhvr additive="base">
-                                        <p:cTn id="50" dur="500" fill="hold"/>
-                                        <p:tgtEl>
-                                          <p:spTgt spid="11"/>
-                                        </p:tgtEl>
-                                        <p:attrNameLst>
-                                          <p:attrName>ppt_y</p:attrName>
-                                        </p:attrNameLst>
-                                      </p:cBhvr>
-                                      <p:tavLst>
-                                        <p:tav tm="0">
-                                          <p:val>
-                                            <p:strVal val="1+#ppt_h/2"/>
-                                          </p:val>
-                                        </p:tav>
-                                        <p:tav tm="100000">
-                                          <p:val>
-                                            <p:strVal val="#ppt_y"/>
-                                          </p:val>
-                                        </p:tav>
-                                      </p:tavLst>
-                                    </p:anim>
-                                  </p:childTnLst>
-                                </p:cTn>
-                              </p:par>
-                            </p:childTnLst>
-                          </p:cTn>
-                        </p:par>
-                      </p:childTnLst>
-                    </p:cTn>
-                  </p:par>
-                </p:childTnLst>
-              </p:cTn>
-              <p:prevCondLst>
-                <p:cond evt="onPrev" delay="0">
-                  <p:tgtEl>
-                    <p:sldTgt/>
-                  </p:tgtEl>
-                </p:cond>
-              </p:prevCondLst>
-              <p:nextCondLst>
-                <p:cond evt="onNext" delay="0">
-                  <p:tgtEl>
-                    <p:sldTgt/>
-                  </p:tgtEl>
-                </p:cond>
-              </p:nextCondLst>
-            </p:seq>
-          </p:childTnLst>
-        </p:cTn>
-      </p:par>
-    </p:tnLst>
-    <p:bldLst>
-      <p:bldP spid="4" grpId="0" animBg="1"/>
-      <p:bldP spid="5" grpId="0" animBg="1"/>
-      <p:bldP spid="6" grpId="0" animBg="1"/>
-      <p:bldP spid="7" grpId="0" animBg="1"/>
-      <p:bldP spid="8" grpId="0" animBg="1"/>
-      <p:bldP spid="9" grpId="0" animBg="1"/>
-      <p:bldP spid="10" grpId="0" animBg="1"/>
-      <p:bldP spid="11" grpId="0" animBg="1"/>
-    </p:bldLst>
-  </p:timing>
-</p:sld>
-</file>
-
-<file path=ppt/slides/slide24.xml><?xml version="1.0" encoding="utf-8"?>
-<p:sld xmlns:a="http://schemas.openxmlformats.org/drawingml/2006/main" xmlns:r="http://schemas.openxmlformats.org/officeDocument/2006/relationships" xmlns:p="http://schemas.openxmlformats.org/presentationml/2006/main">
-  <p:cSld>
-    <p:spTree>
-      <p:nvGrpSpPr>
-        <p:cNvPr id="1" name=""/>
-        <p:cNvGrpSpPr/>
-        <p:nvPr/>
-      </p:nvGrpSpPr>
-      <p:grpSpPr>
-        <a:xfrm>
-          <a:off x="0" y="0"/>
-          <a:ext cx="0" cy="0"/>
-          <a:chOff x="0" y="0"/>
-          <a:chExt cx="0" cy="0"/>
-        </a:xfrm>
-      </p:grpSpPr>
-      <p:sp>
-        <p:nvSpPr>
-          <p:cNvPr id="2" name="Title 1"/>
-          <p:cNvSpPr>
-            <a:spLocks noGrp="1"/>
-          </p:cNvSpPr>
-          <p:nvPr>
-            <p:ph type="title"/>
-          </p:nvPr>
-        </p:nvSpPr>
-        <p:spPr/>
-        <p:txBody>
           <a:bodyPr/>
           <a:lstStyle/>
           <a:p>
             <a:r>
               <a:rPr lang="en-US" dirty="0" smtClean="0"/>
-              <a:t>C) Testing Data Service</a:t>
+              <a:t>Q&amp;A</a:t>
             </a:r>
             <a:endParaRPr lang="en-US" dirty="0"/>
           </a:p>
@@ -10823,13 +10842,7 @@
           <a:p>
             <a:r>
               <a:rPr lang="en-US" dirty="0" smtClean="0"/>
-              <a:t>Run webpage</a:t>
-            </a:r>
-          </a:p>
-          <a:p>
-            <a:r>
-              <a:rPr lang="en-US" dirty="0" smtClean="0"/>
-              <a:t>Description and Requirement</a:t>
+              <a:t>Q&amp;A</a:t>
             </a:r>
             <a:endParaRPr lang="en-US" dirty="0"/>
           </a:p>
@@ -10838,7 +10851,7 @@
     </p:spTree>
     <p:extLst>
       <p:ext uri="{BB962C8B-B14F-4D97-AF65-F5344CB8AC3E}">
-        <p14:creationId xmlns:p14="http://schemas.microsoft.com/office/powerpoint/2010/main" val="4212454249"/>
+        <p14:creationId xmlns:p14="http://schemas.microsoft.com/office/powerpoint/2010/main" xmlns="" val="552105769"/>
       </p:ext>
     </p:extLst>
   </p:cSld>
@@ -10956,109 +10969,6 @@
                       </p:childTnLst>
                     </p:cTn>
                   </p:par>
-                  <p:par>
-                    <p:cTn id="9" fill="hold">
-                      <p:stCondLst>
-                        <p:cond delay="indefinite"/>
-                      </p:stCondLst>
-                      <p:childTnLst>
-                        <p:par>
-                          <p:cTn id="10" fill="hold">
-                            <p:stCondLst>
-                              <p:cond delay="0"/>
-                            </p:stCondLst>
-                            <p:childTnLst>
-                              <p:par>
-                                <p:cTn id="11" presetID="2" presetClass="entr" presetSubtype="4" fill="hold" nodeType="clickEffect">
-                                  <p:stCondLst>
-                                    <p:cond delay="0"/>
-                                  </p:stCondLst>
-                                  <p:childTnLst>
-                                    <p:set>
-                                      <p:cBhvr>
-                                        <p:cTn id="12" dur="1" fill="hold">
-                                          <p:stCondLst>
-                                            <p:cond delay="0"/>
-                                          </p:stCondLst>
-                                        </p:cTn>
-                                        <p:tgtEl>
-                                          <p:spTgt spid="3">
-                                            <p:txEl>
-                                              <p:pRg st="1" end="1"/>
-                                            </p:txEl>
-                                          </p:spTgt>
-                                        </p:tgtEl>
-                                        <p:attrNameLst>
-                                          <p:attrName>style.visibility</p:attrName>
-                                        </p:attrNameLst>
-                                      </p:cBhvr>
-                                      <p:to>
-                                        <p:strVal val="visible"/>
-                                      </p:to>
-                                    </p:set>
-                                    <p:anim calcmode="lin" valueType="num">
-                                      <p:cBhvr additive="base">
-                                        <p:cTn id="13" dur="500" fill="hold"/>
-                                        <p:tgtEl>
-                                          <p:spTgt spid="3">
-                                            <p:txEl>
-                                              <p:pRg st="1" end="1"/>
-                                            </p:txEl>
-                                          </p:spTgt>
-                                        </p:tgtEl>
-                                        <p:attrNameLst>
-                                          <p:attrName>ppt_x</p:attrName>
-                                        </p:attrNameLst>
-                                      </p:cBhvr>
-                                      <p:tavLst>
-                                        <p:tav tm="0">
-                                          <p:val>
-                                            <p:strVal val="#ppt_x"/>
-                                          </p:val>
-                                        </p:tav>
-                                        <p:tav tm="100000">
-                                          <p:val>
-                                            <p:strVal val="#ppt_x"/>
-                                          </p:val>
-                                        </p:tav>
-                                      </p:tavLst>
-                                    </p:anim>
-                                    <p:anim calcmode="lin" valueType="num">
-                                      <p:cBhvr additive="base">
-                                        <p:cTn id="14" dur="500" fill="hold"/>
-                                        <p:tgtEl>
-                                          <p:spTgt spid="3">
-                                            <p:txEl>
-                                              <p:pRg st="1" end="1"/>
-                                            </p:txEl>
-                                          </p:spTgt>
-                                        </p:tgtEl>
-                                        <p:attrNameLst>
-                                          <p:attrName>ppt_y</p:attrName>
-                                        </p:attrNameLst>
-                                      </p:cBhvr>
-                                      <p:tavLst>
-                                        <p:tav tm="0">
-                                          <p:val>
-                                            <p:strVal val="1+#ppt_h/2"/>
-                                          </p:val>
-                                        </p:tav>
-                                        <p:tav tm="100000">
-                                          <p:val>
-                                            <p:strVal val="#ppt_y"/>
-                                          </p:val>
-                                        </p:tav>
-                                      </p:tavLst>
-                                    </p:anim>
-                                  </p:childTnLst>
-                                </p:cTn>
-                              </p:par>
-                            </p:childTnLst>
-                          </p:cTn>
-                        </p:par>
-                      </p:childTnLst>
-                    </p:cTn>
-                  </p:par>
                 </p:childTnLst>
               </p:cTn>
               <p:prevCondLst>
@@ -11084,1182 +10994,7 @@
 </p:sld>
 </file>
 
-<file path=ppt/slides/slide25.xml><?xml version="1.0" encoding="utf-8"?>
-<p:sld xmlns:a="http://schemas.openxmlformats.org/drawingml/2006/main" xmlns:r="http://schemas.openxmlformats.org/officeDocument/2006/relationships" xmlns:p="http://schemas.openxmlformats.org/presentationml/2006/main">
-  <p:cSld>
-    <p:spTree>
-      <p:nvGrpSpPr>
-        <p:cNvPr id="1" name=""/>
-        <p:cNvGrpSpPr/>
-        <p:nvPr/>
-      </p:nvGrpSpPr>
-      <p:grpSpPr>
-        <a:xfrm>
-          <a:off x="0" y="0"/>
-          <a:ext cx="0" cy="0"/>
-          <a:chOff x="0" y="0"/>
-          <a:chExt cx="0" cy="0"/>
-        </a:xfrm>
-      </p:grpSpPr>
-      <p:sp>
-        <p:nvSpPr>
-          <p:cNvPr id="2" name="Title 1"/>
-          <p:cNvSpPr>
-            <a:spLocks noGrp="1"/>
-          </p:cNvSpPr>
-          <p:nvPr>
-            <p:ph type="title"/>
-          </p:nvPr>
-        </p:nvSpPr>
-        <p:spPr/>
-        <p:txBody>
-          <a:bodyPr/>
-          <a:lstStyle/>
-          <a:p>
-            <a:r>
-              <a:rPr lang="en-US" dirty="0"/>
-              <a:t>D</a:t>
-            </a:r>
-            <a:r>
-              <a:rPr lang="en-US" dirty="0" smtClean="0"/>
-              <a:t>) Testing Service</a:t>
-            </a:r>
-            <a:endParaRPr lang="en-US" dirty="0"/>
-          </a:p>
-        </p:txBody>
-      </p:sp>
-      <p:sp>
-        <p:nvSpPr>
-          <p:cNvPr id="3" name="Content Placeholder 2"/>
-          <p:cNvSpPr>
-            <a:spLocks noGrp="1"/>
-          </p:cNvSpPr>
-          <p:nvPr>
-            <p:ph idx="1"/>
-          </p:nvPr>
-        </p:nvSpPr>
-        <p:spPr/>
-        <p:txBody>
-          <a:bodyPr/>
-          <a:lstStyle/>
-          <a:p>
-            <a:r>
-              <a:rPr lang="en-US" dirty="0" smtClean="0"/>
-              <a:t>Run webpage</a:t>
-            </a:r>
-          </a:p>
-          <a:p>
-            <a:r>
-              <a:rPr lang="en-US" dirty="0" smtClean="0"/>
-              <a:t>Description and Requirement</a:t>
-            </a:r>
-            <a:endParaRPr lang="en-US" dirty="0"/>
-          </a:p>
-        </p:txBody>
-      </p:sp>
-    </p:spTree>
-    <p:extLst>
-      <p:ext uri="{BB962C8B-B14F-4D97-AF65-F5344CB8AC3E}">
-        <p14:creationId xmlns:p14="http://schemas.microsoft.com/office/powerpoint/2010/main" val="4095295657"/>
-      </p:ext>
-    </p:extLst>
-  </p:cSld>
-  <p:clrMapOvr>
-    <a:masterClrMapping/>
-  </p:clrMapOvr>
-  <p:timing>
-    <p:tnLst>
-      <p:par>
-        <p:cTn id="1" dur="indefinite" restart="never" nodeType="tmRoot">
-          <p:childTnLst>
-            <p:seq concurrent="1" nextAc="seek">
-              <p:cTn id="2" dur="indefinite" nodeType="mainSeq">
-                <p:childTnLst>
-                  <p:par>
-                    <p:cTn id="3" fill="hold">
-                      <p:stCondLst>
-                        <p:cond delay="indefinite"/>
-                      </p:stCondLst>
-                      <p:childTnLst>
-                        <p:par>
-                          <p:cTn id="4" fill="hold">
-                            <p:stCondLst>
-                              <p:cond delay="0"/>
-                            </p:stCondLst>
-                            <p:childTnLst>
-                              <p:par>
-                                <p:cTn id="5" presetID="2" presetClass="entr" presetSubtype="4" fill="hold" nodeType="clickEffect">
-                                  <p:stCondLst>
-                                    <p:cond delay="0"/>
-                                  </p:stCondLst>
-                                  <p:childTnLst>
-                                    <p:set>
-                                      <p:cBhvr>
-                                        <p:cTn id="6" dur="1" fill="hold">
-                                          <p:stCondLst>
-                                            <p:cond delay="0"/>
-                                          </p:stCondLst>
-                                        </p:cTn>
-                                        <p:tgtEl>
-                                          <p:spTgt spid="3">
-                                            <p:txEl>
-                                              <p:pRg st="0" end="0"/>
-                                            </p:txEl>
-                                          </p:spTgt>
-                                        </p:tgtEl>
-                                        <p:attrNameLst>
-                                          <p:attrName>style.visibility</p:attrName>
-                                        </p:attrNameLst>
-                                      </p:cBhvr>
-                                      <p:to>
-                                        <p:strVal val="visible"/>
-                                      </p:to>
-                                    </p:set>
-                                    <p:anim calcmode="lin" valueType="num">
-                                      <p:cBhvr additive="base">
-                                        <p:cTn id="7" dur="500" fill="hold"/>
-                                        <p:tgtEl>
-                                          <p:spTgt spid="3">
-                                            <p:txEl>
-                                              <p:pRg st="0" end="0"/>
-                                            </p:txEl>
-                                          </p:spTgt>
-                                        </p:tgtEl>
-                                        <p:attrNameLst>
-                                          <p:attrName>ppt_x</p:attrName>
-                                        </p:attrNameLst>
-                                      </p:cBhvr>
-                                      <p:tavLst>
-                                        <p:tav tm="0">
-                                          <p:val>
-                                            <p:strVal val="#ppt_x"/>
-                                          </p:val>
-                                        </p:tav>
-                                        <p:tav tm="100000">
-                                          <p:val>
-                                            <p:strVal val="#ppt_x"/>
-                                          </p:val>
-                                        </p:tav>
-                                      </p:tavLst>
-                                    </p:anim>
-                                    <p:anim calcmode="lin" valueType="num">
-                                      <p:cBhvr additive="base">
-                                        <p:cTn id="8" dur="500" fill="hold"/>
-                                        <p:tgtEl>
-                                          <p:spTgt spid="3">
-                                            <p:txEl>
-                                              <p:pRg st="0" end="0"/>
-                                            </p:txEl>
-                                          </p:spTgt>
-                                        </p:tgtEl>
-                                        <p:attrNameLst>
-                                          <p:attrName>ppt_y</p:attrName>
-                                        </p:attrNameLst>
-                                      </p:cBhvr>
-                                      <p:tavLst>
-                                        <p:tav tm="0">
-                                          <p:val>
-                                            <p:strVal val="1+#ppt_h/2"/>
-                                          </p:val>
-                                        </p:tav>
-                                        <p:tav tm="100000">
-                                          <p:val>
-                                            <p:strVal val="#ppt_y"/>
-                                          </p:val>
-                                        </p:tav>
-                                      </p:tavLst>
-                                    </p:anim>
-                                  </p:childTnLst>
-                                </p:cTn>
-                              </p:par>
-                            </p:childTnLst>
-                          </p:cTn>
-                        </p:par>
-                      </p:childTnLst>
-                    </p:cTn>
-                  </p:par>
-                  <p:par>
-                    <p:cTn id="9" fill="hold">
-                      <p:stCondLst>
-                        <p:cond delay="indefinite"/>
-                      </p:stCondLst>
-                      <p:childTnLst>
-                        <p:par>
-                          <p:cTn id="10" fill="hold">
-                            <p:stCondLst>
-                              <p:cond delay="0"/>
-                            </p:stCondLst>
-                            <p:childTnLst>
-                              <p:par>
-                                <p:cTn id="11" presetID="2" presetClass="entr" presetSubtype="4" fill="hold" nodeType="clickEffect">
-                                  <p:stCondLst>
-                                    <p:cond delay="0"/>
-                                  </p:stCondLst>
-                                  <p:childTnLst>
-                                    <p:set>
-                                      <p:cBhvr>
-                                        <p:cTn id="12" dur="1" fill="hold">
-                                          <p:stCondLst>
-                                            <p:cond delay="0"/>
-                                          </p:stCondLst>
-                                        </p:cTn>
-                                        <p:tgtEl>
-                                          <p:spTgt spid="3">
-                                            <p:txEl>
-                                              <p:pRg st="1" end="1"/>
-                                            </p:txEl>
-                                          </p:spTgt>
-                                        </p:tgtEl>
-                                        <p:attrNameLst>
-                                          <p:attrName>style.visibility</p:attrName>
-                                        </p:attrNameLst>
-                                      </p:cBhvr>
-                                      <p:to>
-                                        <p:strVal val="visible"/>
-                                      </p:to>
-                                    </p:set>
-                                    <p:anim calcmode="lin" valueType="num">
-                                      <p:cBhvr additive="base">
-                                        <p:cTn id="13" dur="500" fill="hold"/>
-                                        <p:tgtEl>
-                                          <p:spTgt spid="3">
-                                            <p:txEl>
-                                              <p:pRg st="1" end="1"/>
-                                            </p:txEl>
-                                          </p:spTgt>
-                                        </p:tgtEl>
-                                        <p:attrNameLst>
-                                          <p:attrName>ppt_x</p:attrName>
-                                        </p:attrNameLst>
-                                      </p:cBhvr>
-                                      <p:tavLst>
-                                        <p:tav tm="0">
-                                          <p:val>
-                                            <p:strVal val="#ppt_x"/>
-                                          </p:val>
-                                        </p:tav>
-                                        <p:tav tm="100000">
-                                          <p:val>
-                                            <p:strVal val="#ppt_x"/>
-                                          </p:val>
-                                        </p:tav>
-                                      </p:tavLst>
-                                    </p:anim>
-                                    <p:anim calcmode="lin" valueType="num">
-                                      <p:cBhvr additive="base">
-                                        <p:cTn id="14" dur="500" fill="hold"/>
-                                        <p:tgtEl>
-                                          <p:spTgt spid="3">
-                                            <p:txEl>
-                                              <p:pRg st="1" end="1"/>
-                                            </p:txEl>
-                                          </p:spTgt>
-                                        </p:tgtEl>
-                                        <p:attrNameLst>
-                                          <p:attrName>ppt_y</p:attrName>
-                                        </p:attrNameLst>
-                                      </p:cBhvr>
-                                      <p:tavLst>
-                                        <p:tav tm="0">
-                                          <p:val>
-                                            <p:strVal val="1+#ppt_h/2"/>
-                                          </p:val>
-                                        </p:tav>
-                                        <p:tav tm="100000">
-                                          <p:val>
-                                            <p:strVal val="#ppt_y"/>
-                                          </p:val>
-                                        </p:tav>
-                                      </p:tavLst>
-                                    </p:anim>
-                                  </p:childTnLst>
-                                </p:cTn>
-                              </p:par>
-                            </p:childTnLst>
-                          </p:cTn>
-                        </p:par>
-                      </p:childTnLst>
-                    </p:cTn>
-                  </p:par>
-                </p:childTnLst>
-              </p:cTn>
-              <p:prevCondLst>
-                <p:cond evt="onPrev" delay="0">
-                  <p:tgtEl>
-                    <p:sldTgt/>
-                  </p:tgtEl>
-                </p:cond>
-              </p:prevCondLst>
-              <p:nextCondLst>
-                <p:cond evt="onNext" delay="0">
-                  <p:tgtEl>
-                    <p:sldTgt/>
-                  </p:tgtEl>
-                </p:cond>
-              </p:nextCondLst>
-            </p:seq>
-          </p:childTnLst>
-        </p:cTn>
-      </p:par>
-    </p:tnLst>
-  </p:timing>
-</p:sld>
-</file>
-
-<file path=ppt/slides/slide26.xml><?xml version="1.0" encoding="utf-8"?>
-<p:sld xmlns:a="http://schemas.openxmlformats.org/drawingml/2006/main" xmlns:r="http://schemas.openxmlformats.org/officeDocument/2006/relationships" xmlns:p="http://schemas.openxmlformats.org/presentationml/2006/main">
-  <p:cSld>
-    <p:spTree>
-      <p:nvGrpSpPr>
-        <p:cNvPr id="1" name=""/>
-        <p:cNvGrpSpPr/>
-        <p:nvPr/>
-      </p:nvGrpSpPr>
-      <p:grpSpPr>
-        <a:xfrm>
-          <a:off x="0" y="0"/>
-          <a:ext cx="0" cy="0"/>
-          <a:chOff x="0" y="0"/>
-          <a:chExt cx="0" cy="0"/>
-        </a:xfrm>
-      </p:grpSpPr>
-      <p:sp>
-        <p:nvSpPr>
-          <p:cNvPr id="2" name="Title 1"/>
-          <p:cNvSpPr>
-            <a:spLocks noGrp="1"/>
-          </p:cNvSpPr>
-          <p:nvPr>
-            <p:ph type="title"/>
-          </p:nvPr>
-        </p:nvSpPr>
-        <p:spPr/>
-        <p:txBody>
-          <a:bodyPr/>
-          <a:lstStyle/>
-          <a:p>
-            <a:r>
-              <a:rPr lang="en-US" dirty="0" smtClean="0"/>
-              <a:t>E</a:t>
-            </a:r>
-            <a:r>
-              <a:rPr lang="en-US" dirty="0" smtClean="0"/>
-              <a:t>) Testing Controller</a:t>
-            </a:r>
-            <a:endParaRPr lang="en-US" dirty="0"/>
-          </a:p>
-        </p:txBody>
-      </p:sp>
-      <p:sp>
-        <p:nvSpPr>
-          <p:cNvPr id="3" name="Content Placeholder 2"/>
-          <p:cNvSpPr>
-            <a:spLocks noGrp="1"/>
-          </p:cNvSpPr>
-          <p:nvPr>
-            <p:ph idx="1"/>
-          </p:nvPr>
-        </p:nvSpPr>
-        <p:spPr/>
-        <p:txBody>
-          <a:bodyPr/>
-          <a:lstStyle/>
-          <a:p>
-            <a:r>
-              <a:rPr lang="en-US" dirty="0" smtClean="0"/>
-              <a:t>Run webpage</a:t>
-            </a:r>
-          </a:p>
-          <a:p>
-            <a:r>
-              <a:rPr lang="en-US" dirty="0" smtClean="0"/>
-              <a:t>Description and Requirement</a:t>
-            </a:r>
-            <a:endParaRPr lang="en-US" dirty="0"/>
-          </a:p>
-        </p:txBody>
-      </p:sp>
-    </p:spTree>
-    <p:extLst>
-      <p:ext uri="{BB962C8B-B14F-4D97-AF65-F5344CB8AC3E}">
-        <p14:creationId xmlns:p14="http://schemas.microsoft.com/office/powerpoint/2010/main" val="1232117402"/>
-      </p:ext>
-    </p:extLst>
-  </p:cSld>
-  <p:clrMapOvr>
-    <a:masterClrMapping/>
-  </p:clrMapOvr>
-  <p:timing>
-    <p:tnLst>
-      <p:par>
-        <p:cTn id="1" dur="indefinite" restart="never" nodeType="tmRoot">
-          <p:childTnLst>
-            <p:seq concurrent="1" nextAc="seek">
-              <p:cTn id="2" dur="indefinite" nodeType="mainSeq">
-                <p:childTnLst>
-                  <p:par>
-                    <p:cTn id="3" fill="hold">
-                      <p:stCondLst>
-                        <p:cond delay="indefinite"/>
-                      </p:stCondLst>
-                      <p:childTnLst>
-                        <p:par>
-                          <p:cTn id="4" fill="hold">
-                            <p:stCondLst>
-                              <p:cond delay="0"/>
-                            </p:stCondLst>
-                            <p:childTnLst>
-                              <p:par>
-                                <p:cTn id="5" presetID="2" presetClass="entr" presetSubtype="4" fill="hold" nodeType="clickEffect">
-                                  <p:stCondLst>
-                                    <p:cond delay="0"/>
-                                  </p:stCondLst>
-                                  <p:childTnLst>
-                                    <p:set>
-                                      <p:cBhvr>
-                                        <p:cTn id="6" dur="1" fill="hold">
-                                          <p:stCondLst>
-                                            <p:cond delay="0"/>
-                                          </p:stCondLst>
-                                        </p:cTn>
-                                        <p:tgtEl>
-                                          <p:spTgt spid="3">
-                                            <p:txEl>
-                                              <p:pRg st="0" end="0"/>
-                                            </p:txEl>
-                                          </p:spTgt>
-                                        </p:tgtEl>
-                                        <p:attrNameLst>
-                                          <p:attrName>style.visibility</p:attrName>
-                                        </p:attrNameLst>
-                                      </p:cBhvr>
-                                      <p:to>
-                                        <p:strVal val="visible"/>
-                                      </p:to>
-                                    </p:set>
-                                    <p:anim calcmode="lin" valueType="num">
-                                      <p:cBhvr additive="base">
-                                        <p:cTn id="7" dur="500" fill="hold"/>
-                                        <p:tgtEl>
-                                          <p:spTgt spid="3">
-                                            <p:txEl>
-                                              <p:pRg st="0" end="0"/>
-                                            </p:txEl>
-                                          </p:spTgt>
-                                        </p:tgtEl>
-                                        <p:attrNameLst>
-                                          <p:attrName>ppt_x</p:attrName>
-                                        </p:attrNameLst>
-                                      </p:cBhvr>
-                                      <p:tavLst>
-                                        <p:tav tm="0">
-                                          <p:val>
-                                            <p:strVal val="#ppt_x"/>
-                                          </p:val>
-                                        </p:tav>
-                                        <p:tav tm="100000">
-                                          <p:val>
-                                            <p:strVal val="#ppt_x"/>
-                                          </p:val>
-                                        </p:tav>
-                                      </p:tavLst>
-                                    </p:anim>
-                                    <p:anim calcmode="lin" valueType="num">
-                                      <p:cBhvr additive="base">
-                                        <p:cTn id="8" dur="500" fill="hold"/>
-                                        <p:tgtEl>
-                                          <p:spTgt spid="3">
-                                            <p:txEl>
-                                              <p:pRg st="0" end="0"/>
-                                            </p:txEl>
-                                          </p:spTgt>
-                                        </p:tgtEl>
-                                        <p:attrNameLst>
-                                          <p:attrName>ppt_y</p:attrName>
-                                        </p:attrNameLst>
-                                      </p:cBhvr>
-                                      <p:tavLst>
-                                        <p:tav tm="0">
-                                          <p:val>
-                                            <p:strVal val="1+#ppt_h/2"/>
-                                          </p:val>
-                                        </p:tav>
-                                        <p:tav tm="100000">
-                                          <p:val>
-                                            <p:strVal val="#ppt_y"/>
-                                          </p:val>
-                                        </p:tav>
-                                      </p:tavLst>
-                                    </p:anim>
-                                  </p:childTnLst>
-                                </p:cTn>
-                              </p:par>
-                            </p:childTnLst>
-                          </p:cTn>
-                        </p:par>
-                      </p:childTnLst>
-                    </p:cTn>
-                  </p:par>
-                  <p:par>
-                    <p:cTn id="9" fill="hold">
-                      <p:stCondLst>
-                        <p:cond delay="indefinite"/>
-                      </p:stCondLst>
-                      <p:childTnLst>
-                        <p:par>
-                          <p:cTn id="10" fill="hold">
-                            <p:stCondLst>
-                              <p:cond delay="0"/>
-                            </p:stCondLst>
-                            <p:childTnLst>
-                              <p:par>
-                                <p:cTn id="11" presetID="2" presetClass="entr" presetSubtype="4" fill="hold" nodeType="clickEffect">
-                                  <p:stCondLst>
-                                    <p:cond delay="0"/>
-                                  </p:stCondLst>
-                                  <p:childTnLst>
-                                    <p:set>
-                                      <p:cBhvr>
-                                        <p:cTn id="12" dur="1" fill="hold">
-                                          <p:stCondLst>
-                                            <p:cond delay="0"/>
-                                          </p:stCondLst>
-                                        </p:cTn>
-                                        <p:tgtEl>
-                                          <p:spTgt spid="3">
-                                            <p:txEl>
-                                              <p:pRg st="1" end="1"/>
-                                            </p:txEl>
-                                          </p:spTgt>
-                                        </p:tgtEl>
-                                        <p:attrNameLst>
-                                          <p:attrName>style.visibility</p:attrName>
-                                        </p:attrNameLst>
-                                      </p:cBhvr>
-                                      <p:to>
-                                        <p:strVal val="visible"/>
-                                      </p:to>
-                                    </p:set>
-                                    <p:anim calcmode="lin" valueType="num">
-                                      <p:cBhvr additive="base">
-                                        <p:cTn id="13" dur="500" fill="hold"/>
-                                        <p:tgtEl>
-                                          <p:spTgt spid="3">
-                                            <p:txEl>
-                                              <p:pRg st="1" end="1"/>
-                                            </p:txEl>
-                                          </p:spTgt>
-                                        </p:tgtEl>
-                                        <p:attrNameLst>
-                                          <p:attrName>ppt_x</p:attrName>
-                                        </p:attrNameLst>
-                                      </p:cBhvr>
-                                      <p:tavLst>
-                                        <p:tav tm="0">
-                                          <p:val>
-                                            <p:strVal val="#ppt_x"/>
-                                          </p:val>
-                                        </p:tav>
-                                        <p:tav tm="100000">
-                                          <p:val>
-                                            <p:strVal val="#ppt_x"/>
-                                          </p:val>
-                                        </p:tav>
-                                      </p:tavLst>
-                                    </p:anim>
-                                    <p:anim calcmode="lin" valueType="num">
-                                      <p:cBhvr additive="base">
-                                        <p:cTn id="14" dur="500" fill="hold"/>
-                                        <p:tgtEl>
-                                          <p:spTgt spid="3">
-                                            <p:txEl>
-                                              <p:pRg st="1" end="1"/>
-                                            </p:txEl>
-                                          </p:spTgt>
-                                        </p:tgtEl>
-                                        <p:attrNameLst>
-                                          <p:attrName>ppt_y</p:attrName>
-                                        </p:attrNameLst>
-                                      </p:cBhvr>
-                                      <p:tavLst>
-                                        <p:tav tm="0">
-                                          <p:val>
-                                            <p:strVal val="1+#ppt_h/2"/>
-                                          </p:val>
-                                        </p:tav>
-                                        <p:tav tm="100000">
-                                          <p:val>
-                                            <p:strVal val="#ppt_y"/>
-                                          </p:val>
-                                        </p:tav>
-                                      </p:tavLst>
-                                    </p:anim>
-                                  </p:childTnLst>
-                                </p:cTn>
-                              </p:par>
-                            </p:childTnLst>
-                          </p:cTn>
-                        </p:par>
-                      </p:childTnLst>
-                    </p:cTn>
-                  </p:par>
-                </p:childTnLst>
-              </p:cTn>
-              <p:prevCondLst>
-                <p:cond evt="onPrev" delay="0">
-                  <p:tgtEl>
-                    <p:sldTgt/>
-                  </p:tgtEl>
-                </p:cond>
-              </p:prevCondLst>
-              <p:nextCondLst>
-                <p:cond evt="onNext" delay="0">
-                  <p:tgtEl>
-                    <p:sldTgt/>
-                  </p:tgtEl>
-                </p:cond>
-              </p:nextCondLst>
-            </p:seq>
-          </p:childTnLst>
-        </p:cTn>
-      </p:par>
-    </p:tnLst>
-  </p:timing>
-</p:sld>
-</file>
-
-<file path=ppt/slides/slide27.xml><?xml version="1.0" encoding="utf-8"?>
-<p:sld xmlns:a="http://schemas.openxmlformats.org/drawingml/2006/main" xmlns:r="http://schemas.openxmlformats.org/officeDocument/2006/relationships" xmlns:p="http://schemas.openxmlformats.org/presentationml/2006/main">
-  <p:cSld>
-    <p:spTree>
-      <p:nvGrpSpPr>
-        <p:cNvPr id="1" name=""/>
-        <p:cNvGrpSpPr/>
-        <p:nvPr/>
-      </p:nvGrpSpPr>
-      <p:grpSpPr>
-        <a:xfrm>
-          <a:off x="0" y="0"/>
-          <a:ext cx="0" cy="0"/>
-          <a:chOff x="0" y="0"/>
-          <a:chExt cx="0" cy="0"/>
-        </a:xfrm>
-      </p:grpSpPr>
-      <p:sp>
-        <p:nvSpPr>
-          <p:cNvPr id="2" name="Title 1"/>
-          <p:cNvSpPr>
-            <a:spLocks noGrp="1"/>
-          </p:cNvSpPr>
-          <p:nvPr>
-            <p:ph type="title"/>
-          </p:nvPr>
-        </p:nvSpPr>
-        <p:spPr/>
-        <p:txBody>
-          <a:bodyPr/>
-          <a:lstStyle/>
-          <a:p>
-            <a:r>
-              <a:rPr lang="en-US" dirty="0" smtClean="0"/>
-              <a:t>F</a:t>
-            </a:r>
-            <a:r>
-              <a:rPr lang="en-US" dirty="0" smtClean="0"/>
-              <a:t>) Testing Directive</a:t>
-            </a:r>
-            <a:endParaRPr lang="en-US" dirty="0"/>
-          </a:p>
-        </p:txBody>
-      </p:sp>
-      <p:sp>
-        <p:nvSpPr>
-          <p:cNvPr id="3" name="Content Placeholder 2"/>
-          <p:cNvSpPr>
-            <a:spLocks noGrp="1"/>
-          </p:cNvSpPr>
-          <p:nvPr>
-            <p:ph idx="1"/>
-          </p:nvPr>
-        </p:nvSpPr>
-        <p:spPr/>
-        <p:txBody>
-          <a:bodyPr/>
-          <a:lstStyle/>
-          <a:p>
-            <a:r>
-              <a:rPr lang="en-US" dirty="0" smtClean="0"/>
-              <a:t>Run webpage</a:t>
-            </a:r>
-          </a:p>
-          <a:p>
-            <a:r>
-              <a:rPr lang="en-US" dirty="0" smtClean="0"/>
-              <a:t>Description and Requirement</a:t>
-            </a:r>
-            <a:endParaRPr lang="en-US" dirty="0"/>
-          </a:p>
-        </p:txBody>
-      </p:sp>
-    </p:spTree>
-    <p:extLst>
-      <p:ext uri="{BB962C8B-B14F-4D97-AF65-F5344CB8AC3E}">
-        <p14:creationId xmlns:p14="http://schemas.microsoft.com/office/powerpoint/2010/main" val="15805746"/>
-      </p:ext>
-    </p:extLst>
-  </p:cSld>
-  <p:clrMapOvr>
-    <a:masterClrMapping/>
-  </p:clrMapOvr>
-  <p:timing>
-    <p:tnLst>
-      <p:par>
-        <p:cTn id="1" dur="indefinite" restart="never" nodeType="tmRoot">
-          <p:childTnLst>
-            <p:seq concurrent="1" nextAc="seek">
-              <p:cTn id="2" dur="indefinite" nodeType="mainSeq">
-                <p:childTnLst>
-                  <p:par>
-                    <p:cTn id="3" fill="hold">
-                      <p:stCondLst>
-                        <p:cond delay="indefinite"/>
-                      </p:stCondLst>
-                      <p:childTnLst>
-                        <p:par>
-                          <p:cTn id="4" fill="hold">
-                            <p:stCondLst>
-                              <p:cond delay="0"/>
-                            </p:stCondLst>
-                            <p:childTnLst>
-                              <p:par>
-                                <p:cTn id="5" presetID="2" presetClass="entr" presetSubtype="4" fill="hold" nodeType="clickEffect">
-                                  <p:stCondLst>
-                                    <p:cond delay="0"/>
-                                  </p:stCondLst>
-                                  <p:childTnLst>
-                                    <p:set>
-                                      <p:cBhvr>
-                                        <p:cTn id="6" dur="1" fill="hold">
-                                          <p:stCondLst>
-                                            <p:cond delay="0"/>
-                                          </p:stCondLst>
-                                        </p:cTn>
-                                        <p:tgtEl>
-                                          <p:spTgt spid="3">
-                                            <p:txEl>
-                                              <p:pRg st="0" end="0"/>
-                                            </p:txEl>
-                                          </p:spTgt>
-                                        </p:tgtEl>
-                                        <p:attrNameLst>
-                                          <p:attrName>style.visibility</p:attrName>
-                                        </p:attrNameLst>
-                                      </p:cBhvr>
-                                      <p:to>
-                                        <p:strVal val="visible"/>
-                                      </p:to>
-                                    </p:set>
-                                    <p:anim calcmode="lin" valueType="num">
-                                      <p:cBhvr additive="base">
-                                        <p:cTn id="7" dur="500" fill="hold"/>
-                                        <p:tgtEl>
-                                          <p:spTgt spid="3">
-                                            <p:txEl>
-                                              <p:pRg st="0" end="0"/>
-                                            </p:txEl>
-                                          </p:spTgt>
-                                        </p:tgtEl>
-                                        <p:attrNameLst>
-                                          <p:attrName>ppt_x</p:attrName>
-                                        </p:attrNameLst>
-                                      </p:cBhvr>
-                                      <p:tavLst>
-                                        <p:tav tm="0">
-                                          <p:val>
-                                            <p:strVal val="#ppt_x"/>
-                                          </p:val>
-                                        </p:tav>
-                                        <p:tav tm="100000">
-                                          <p:val>
-                                            <p:strVal val="#ppt_x"/>
-                                          </p:val>
-                                        </p:tav>
-                                      </p:tavLst>
-                                    </p:anim>
-                                    <p:anim calcmode="lin" valueType="num">
-                                      <p:cBhvr additive="base">
-                                        <p:cTn id="8" dur="500" fill="hold"/>
-                                        <p:tgtEl>
-                                          <p:spTgt spid="3">
-                                            <p:txEl>
-                                              <p:pRg st="0" end="0"/>
-                                            </p:txEl>
-                                          </p:spTgt>
-                                        </p:tgtEl>
-                                        <p:attrNameLst>
-                                          <p:attrName>ppt_y</p:attrName>
-                                        </p:attrNameLst>
-                                      </p:cBhvr>
-                                      <p:tavLst>
-                                        <p:tav tm="0">
-                                          <p:val>
-                                            <p:strVal val="1+#ppt_h/2"/>
-                                          </p:val>
-                                        </p:tav>
-                                        <p:tav tm="100000">
-                                          <p:val>
-                                            <p:strVal val="#ppt_y"/>
-                                          </p:val>
-                                        </p:tav>
-                                      </p:tavLst>
-                                    </p:anim>
-                                  </p:childTnLst>
-                                </p:cTn>
-                              </p:par>
-                            </p:childTnLst>
-                          </p:cTn>
-                        </p:par>
-                      </p:childTnLst>
-                    </p:cTn>
-                  </p:par>
-                  <p:par>
-                    <p:cTn id="9" fill="hold">
-                      <p:stCondLst>
-                        <p:cond delay="indefinite"/>
-                      </p:stCondLst>
-                      <p:childTnLst>
-                        <p:par>
-                          <p:cTn id="10" fill="hold">
-                            <p:stCondLst>
-                              <p:cond delay="0"/>
-                            </p:stCondLst>
-                            <p:childTnLst>
-                              <p:par>
-                                <p:cTn id="11" presetID="2" presetClass="entr" presetSubtype="4" fill="hold" nodeType="clickEffect">
-                                  <p:stCondLst>
-                                    <p:cond delay="0"/>
-                                  </p:stCondLst>
-                                  <p:childTnLst>
-                                    <p:set>
-                                      <p:cBhvr>
-                                        <p:cTn id="12" dur="1" fill="hold">
-                                          <p:stCondLst>
-                                            <p:cond delay="0"/>
-                                          </p:stCondLst>
-                                        </p:cTn>
-                                        <p:tgtEl>
-                                          <p:spTgt spid="3">
-                                            <p:txEl>
-                                              <p:pRg st="1" end="1"/>
-                                            </p:txEl>
-                                          </p:spTgt>
-                                        </p:tgtEl>
-                                        <p:attrNameLst>
-                                          <p:attrName>style.visibility</p:attrName>
-                                        </p:attrNameLst>
-                                      </p:cBhvr>
-                                      <p:to>
-                                        <p:strVal val="visible"/>
-                                      </p:to>
-                                    </p:set>
-                                    <p:anim calcmode="lin" valueType="num">
-                                      <p:cBhvr additive="base">
-                                        <p:cTn id="13" dur="500" fill="hold"/>
-                                        <p:tgtEl>
-                                          <p:spTgt spid="3">
-                                            <p:txEl>
-                                              <p:pRg st="1" end="1"/>
-                                            </p:txEl>
-                                          </p:spTgt>
-                                        </p:tgtEl>
-                                        <p:attrNameLst>
-                                          <p:attrName>ppt_x</p:attrName>
-                                        </p:attrNameLst>
-                                      </p:cBhvr>
-                                      <p:tavLst>
-                                        <p:tav tm="0">
-                                          <p:val>
-                                            <p:strVal val="#ppt_x"/>
-                                          </p:val>
-                                        </p:tav>
-                                        <p:tav tm="100000">
-                                          <p:val>
-                                            <p:strVal val="#ppt_x"/>
-                                          </p:val>
-                                        </p:tav>
-                                      </p:tavLst>
-                                    </p:anim>
-                                    <p:anim calcmode="lin" valueType="num">
-                                      <p:cBhvr additive="base">
-                                        <p:cTn id="14" dur="500" fill="hold"/>
-                                        <p:tgtEl>
-                                          <p:spTgt spid="3">
-                                            <p:txEl>
-                                              <p:pRg st="1" end="1"/>
-                                            </p:txEl>
-                                          </p:spTgt>
-                                        </p:tgtEl>
-                                        <p:attrNameLst>
-                                          <p:attrName>ppt_y</p:attrName>
-                                        </p:attrNameLst>
-                                      </p:cBhvr>
-                                      <p:tavLst>
-                                        <p:tav tm="0">
-                                          <p:val>
-                                            <p:strVal val="1+#ppt_h/2"/>
-                                          </p:val>
-                                        </p:tav>
-                                        <p:tav tm="100000">
-                                          <p:val>
-                                            <p:strVal val="#ppt_y"/>
-                                          </p:val>
-                                        </p:tav>
-                                      </p:tavLst>
-                                    </p:anim>
-                                  </p:childTnLst>
-                                </p:cTn>
-                              </p:par>
-                            </p:childTnLst>
-                          </p:cTn>
-                        </p:par>
-                      </p:childTnLst>
-                    </p:cTn>
-                  </p:par>
-                </p:childTnLst>
-              </p:cTn>
-              <p:prevCondLst>
-                <p:cond evt="onPrev" delay="0">
-                  <p:tgtEl>
-                    <p:sldTgt/>
-                  </p:tgtEl>
-                </p:cond>
-              </p:prevCondLst>
-              <p:nextCondLst>
-                <p:cond evt="onNext" delay="0">
-                  <p:tgtEl>
-                    <p:sldTgt/>
-                  </p:tgtEl>
-                </p:cond>
-              </p:nextCondLst>
-            </p:seq>
-          </p:childTnLst>
-        </p:cTn>
-      </p:par>
-    </p:tnLst>
-  </p:timing>
-</p:sld>
-</file>
-
-<file path=ppt/slides/slide28.xml><?xml version="1.0" encoding="utf-8"?>
-<p:sld xmlns:a="http://schemas.openxmlformats.org/drawingml/2006/main" xmlns:r="http://schemas.openxmlformats.org/officeDocument/2006/relationships" xmlns:p="http://schemas.openxmlformats.org/presentationml/2006/main">
-  <p:cSld>
-    <p:spTree>
-      <p:nvGrpSpPr>
-        <p:cNvPr id="1" name=""/>
-        <p:cNvGrpSpPr/>
-        <p:nvPr/>
-      </p:nvGrpSpPr>
-      <p:grpSpPr>
-        <a:xfrm>
-          <a:off x="0" y="0"/>
-          <a:ext cx="0" cy="0"/>
-          <a:chOff x="0" y="0"/>
-          <a:chExt cx="0" cy="0"/>
-        </a:xfrm>
-      </p:grpSpPr>
-      <p:sp>
-        <p:nvSpPr>
-          <p:cNvPr id="2" name="Title 1"/>
-          <p:cNvSpPr>
-            <a:spLocks noGrp="1"/>
-          </p:cNvSpPr>
-          <p:nvPr>
-            <p:ph type="title"/>
-          </p:nvPr>
-        </p:nvSpPr>
-        <p:spPr/>
-        <p:txBody>
-          <a:bodyPr/>
-          <a:lstStyle/>
-          <a:p>
-            <a:r>
-              <a:rPr lang="en-US" dirty="0" smtClean="0"/>
-              <a:t>Q&amp;A</a:t>
-            </a:r>
-            <a:endParaRPr lang="en-US" dirty="0"/>
-          </a:p>
-        </p:txBody>
-      </p:sp>
-      <p:sp>
-        <p:nvSpPr>
-          <p:cNvPr id="3" name="Content Placeholder 2"/>
-          <p:cNvSpPr>
-            <a:spLocks noGrp="1"/>
-          </p:cNvSpPr>
-          <p:nvPr>
-            <p:ph idx="1"/>
-          </p:nvPr>
-        </p:nvSpPr>
-        <p:spPr/>
-        <p:txBody>
-          <a:bodyPr/>
-          <a:lstStyle/>
-          <a:p>
-            <a:r>
-              <a:rPr lang="en-US" dirty="0" smtClean="0"/>
-              <a:t>Q&amp;A</a:t>
-            </a:r>
-            <a:endParaRPr lang="en-US" dirty="0"/>
-          </a:p>
-        </p:txBody>
-      </p:sp>
-    </p:spTree>
-    <p:extLst>
-      <p:ext uri="{BB962C8B-B14F-4D97-AF65-F5344CB8AC3E}">
-        <p14:creationId xmlns:p14="http://schemas.microsoft.com/office/powerpoint/2010/main" val="552105769"/>
-      </p:ext>
-    </p:extLst>
-  </p:cSld>
-  <p:clrMapOvr>
-    <a:masterClrMapping/>
-  </p:clrMapOvr>
-  <p:timing>
-    <p:tnLst>
-      <p:par>
-        <p:cTn id="1" dur="indefinite" restart="never" nodeType="tmRoot">
-          <p:childTnLst>
-            <p:seq concurrent="1" nextAc="seek">
-              <p:cTn id="2" dur="indefinite" nodeType="mainSeq">
-                <p:childTnLst>
-                  <p:par>
-                    <p:cTn id="3" fill="hold">
-                      <p:stCondLst>
-                        <p:cond delay="indefinite"/>
-                      </p:stCondLst>
-                      <p:childTnLst>
-                        <p:par>
-                          <p:cTn id="4" fill="hold">
-                            <p:stCondLst>
-                              <p:cond delay="0"/>
-                            </p:stCondLst>
-                            <p:childTnLst>
-                              <p:par>
-                                <p:cTn id="5" presetID="2" presetClass="entr" presetSubtype="4" fill="hold" nodeType="clickEffect">
-                                  <p:stCondLst>
-                                    <p:cond delay="0"/>
-                                  </p:stCondLst>
-                                  <p:childTnLst>
-                                    <p:set>
-                                      <p:cBhvr>
-                                        <p:cTn id="6" dur="1" fill="hold">
-                                          <p:stCondLst>
-                                            <p:cond delay="0"/>
-                                          </p:stCondLst>
-                                        </p:cTn>
-                                        <p:tgtEl>
-                                          <p:spTgt spid="3">
-                                            <p:txEl>
-                                              <p:pRg st="0" end="0"/>
-                                            </p:txEl>
-                                          </p:spTgt>
-                                        </p:tgtEl>
-                                        <p:attrNameLst>
-                                          <p:attrName>style.visibility</p:attrName>
-                                        </p:attrNameLst>
-                                      </p:cBhvr>
-                                      <p:to>
-                                        <p:strVal val="visible"/>
-                                      </p:to>
-                                    </p:set>
-                                    <p:anim calcmode="lin" valueType="num">
-                                      <p:cBhvr additive="base">
-                                        <p:cTn id="7" dur="500" fill="hold"/>
-                                        <p:tgtEl>
-                                          <p:spTgt spid="3">
-                                            <p:txEl>
-                                              <p:pRg st="0" end="0"/>
-                                            </p:txEl>
-                                          </p:spTgt>
-                                        </p:tgtEl>
-                                        <p:attrNameLst>
-                                          <p:attrName>ppt_x</p:attrName>
-                                        </p:attrNameLst>
-                                      </p:cBhvr>
-                                      <p:tavLst>
-                                        <p:tav tm="0">
-                                          <p:val>
-                                            <p:strVal val="#ppt_x"/>
-                                          </p:val>
-                                        </p:tav>
-                                        <p:tav tm="100000">
-                                          <p:val>
-                                            <p:strVal val="#ppt_x"/>
-                                          </p:val>
-                                        </p:tav>
-                                      </p:tavLst>
-                                    </p:anim>
-                                    <p:anim calcmode="lin" valueType="num">
-                                      <p:cBhvr additive="base">
-                                        <p:cTn id="8" dur="500" fill="hold"/>
-                                        <p:tgtEl>
-                                          <p:spTgt spid="3">
-                                            <p:txEl>
-                                              <p:pRg st="0" end="0"/>
-                                            </p:txEl>
-                                          </p:spTgt>
-                                        </p:tgtEl>
-                                        <p:attrNameLst>
-                                          <p:attrName>ppt_y</p:attrName>
-                                        </p:attrNameLst>
-                                      </p:cBhvr>
-                                      <p:tavLst>
-                                        <p:tav tm="0">
-                                          <p:val>
-                                            <p:strVal val="1+#ppt_h/2"/>
-                                          </p:val>
-                                        </p:tav>
-                                        <p:tav tm="100000">
-                                          <p:val>
-                                            <p:strVal val="#ppt_y"/>
-                                          </p:val>
-                                        </p:tav>
-                                      </p:tavLst>
-                                    </p:anim>
-                                  </p:childTnLst>
-                                </p:cTn>
-                              </p:par>
-                            </p:childTnLst>
-                          </p:cTn>
-                        </p:par>
-                      </p:childTnLst>
-                    </p:cTn>
-                  </p:par>
-                </p:childTnLst>
-              </p:cTn>
-              <p:prevCondLst>
-                <p:cond evt="onPrev" delay="0">
-                  <p:tgtEl>
-                    <p:sldTgt/>
-                  </p:tgtEl>
-                </p:cond>
-              </p:prevCondLst>
-              <p:nextCondLst>
-                <p:cond evt="onNext" delay="0">
-                  <p:tgtEl>
-                    <p:sldTgt/>
-                  </p:tgtEl>
-                </p:cond>
-              </p:nextCondLst>
-            </p:seq>
-          </p:childTnLst>
-        </p:cTn>
-      </p:par>
-    </p:tnLst>
-  </p:timing>
-</p:sld>
-</file>
-
-<file path=ppt/slides/slide29.xml><?xml version="1.0" encoding="utf-8"?>
+<file path=ppt/slides/slide24.xml><?xml version="1.0" encoding="utf-8"?>
 <p:sld xmlns:a="http://schemas.openxmlformats.org/drawingml/2006/main" xmlns:r="http://schemas.openxmlformats.org/officeDocument/2006/relationships" xmlns:p="http://schemas.openxmlformats.org/presentationml/2006/main">
   <p:cSld>
     <p:spTree>
@@ -12308,7 +11043,7 @@
     </p:spTree>
     <p:extLst>
       <p:ext uri="{BB962C8B-B14F-4D97-AF65-F5344CB8AC3E}">
-        <p14:creationId xmlns:p14="http://schemas.microsoft.com/office/powerpoint/2010/main" val="2430753269"/>
+        <p14:creationId xmlns:p14="http://schemas.microsoft.com/office/powerpoint/2010/main" xmlns="" val="2430753269"/>
       </p:ext>
     </p:extLst>
   </p:cSld>
@@ -12386,7 +11121,6 @@
               <a:rPr lang="en-US" dirty="0" smtClean="0"/>
               <a:t>Applying to source code</a:t>
             </a:r>
-            <a:endParaRPr lang="en-US" dirty="0" smtClean="0"/>
           </a:p>
           <a:p>
             <a:r>
@@ -12411,14 +11145,12 @@
               <a:rPr lang="en-US" dirty="0" smtClean="0"/>
               <a:t> as smallest testable part of an application</a:t>
             </a:r>
-            <a:endParaRPr lang="en-US" dirty="0" smtClean="0"/>
           </a:p>
           <a:p>
             <a:r>
               <a:rPr lang="en-US" dirty="0" smtClean="0"/>
               <a:t>Each test case is independent from the others</a:t>
             </a:r>
-            <a:endParaRPr lang="en-US" dirty="0" smtClean="0"/>
           </a:p>
           <a:p>
             <a:r>
@@ -13024,11 +11756,7 @@
           <a:p>
             <a:r>
               <a:rPr lang="en-US" dirty="0" smtClean="0"/>
-              <a:t>Getting starte</a:t>
-            </a:r>
-            <a:r>
-              <a:rPr lang="en-US" dirty="0" smtClean="0"/>
-              <a:t>d with Jasmine</a:t>
+              <a:t>Getting started with Jasmine</a:t>
             </a:r>
             <a:endParaRPr lang="en-US" dirty="0"/>
           </a:p>
@@ -13138,7 +11866,7 @@
     </p:spTree>
     <p:extLst>
       <p:ext uri="{BB962C8B-B14F-4D97-AF65-F5344CB8AC3E}">
-        <p14:creationId xmlns:p14="http://schemas.microsoft.com/office/powerpoint/2010/main" val="1231487089"/>
+        <p14:creationId xmlns:p14="http://schemas.microsoft.com/office/powerpoint/2010/main" xmlns="" val="1231487089"/>
       </p:ext>
     </p:extLst>
   </p:cSld>
@@ -13280,7 +12008,7 @@
     </p:spTree>
     <p:extLst>
       <p:ext uri="{BB962C8B-B14F-4D97-AF65-F5344CB8AC3E}">
-        <p14:creationId xmlns:p14="http://schemas.microsoft.com/office/powerpoint/2010/main" val="3856280912"/>
+        <p14:creationId xmlns:p14="http://schemas.microsoft.com/office/powerpoint/2010/main" xmlns="" val="3856280912"/>
       </p:ext>
     </p:extLst>
   </p:cSld>
@@ -13526,7 +12254,7 @@
     </p:spTree>
     <p:extLst>
       <p:ext uri="{BB962C8B-B14F-4D97-AF65-F5344CB8AC3E}">
-        <p14:creationId xmlns:p14="http://schemas.microsoft.com/office/powerpoint/2010/main" val="309251313"/>
+        <p14:creationId xmlns:p14="http://schemas.microsoft.com/office/powerpoint/2010/main" xmlns="" val="309251313"/>
       </p:ext>
     </p:extLst>
   </p:cSld>
@@ -13721,7 +12449,7 @@
     </p:spTree>
     <p:extLst>
       <p:ext uri="{BB962C8B-B14F-4D97-AF65-F5344CB8AC3E}">
-        <p14:creationId xmlns:p14="http://schemas.microsoft.com/office/powerpoint/2010/main" val="4110519928"/>
+        <p14:creationId xmlns:p14="http://schemas.microsoft.com/office/powerpoint/2010/main" xmlns="" val="4110519928"/>
       </p:ext>
     </p:extLst>
   </p:cSld>
@@ -13950,7 +12678,7 @@
     </p:spTree>
     <p:extLst>
       <p:ext uri="{BB962C8B-B14F-4D97-AF65-F5344CB8AC3E}">
-        <p14:creationId xmlns:p14="http://schemas.microsoft.com/office/powerpoint/2010/main" val="1852033004"/>
+        <p14:creationId xmlns:p14="http://schemas.microsoft.com/office/powerpoint/2010/main" xmlns="" val="1852033004"/>
       </p:ext>
     </p:extLst>
   </p:cSld>
@@ -14094,7 +12822,7 @@
     </p:spTree>
     <p:extLst>
       <p:ext uri="{BB962C8B-B14F-4D97-AF65-F5344CB8AC3E}">
-        <p14:creationId xmlns:p14="http://schemas.microsoft.com/office/powerpoint/2010/main" val="3022530495"/>
+        <p14:creationId xmlns:p14="http://schemas.microsoft.com/office/powerpoint/2010/main" xmlns="" val="3022530495"/>
       </p:ext>
     </p:extLst>
   </p:cSld>
